--- a/NoSQL/The_survey_on_MongoDB.pptx
+++ b/NoSQL/The_survey_on_MongoDB.pptx
@@ -11329,8 +11329,8 @@
         </p:blipFill>
         <p:spPr>
           <a:xfrm>
-            <a:off x="6341449" y="3546267"/>
-            <a:ext cx="5204911" cy="2530059"/>
+            <a:off x="6106496" y="3488537"/>
+            <a:ext cx="5894914" cy="2865463"/>
           </a:xfrm>
           <a:prstGeom prst="rect">
             <a:avLst/>
@@ -13552,18 +13552,18 @@
 </file>
 
 <file path=customXml/item1.xml><?xml version="1.0" encoding="utf-8"?>
+<p:properties xmlns:p="http://schemas.microsoft.com/office/2006/metadata/properties" xmlns:xsi="http://www.w3.org/2001/XMLSchema-instance" xmlns:pc="http://schemas.microsoft.com/office/infopath/2007/PartnerControls">
+  <documentManagement/>
+</p:properties>
+</file>
+
+<file path=customXml/item2.xml><?xml version="1.0" encoding="utf-8"?>
 <?mso-contentType ?>
 <FormTemplates xmlns="http://schemas.microsoft.com/sharepoint/v3/contenttype/forms">
   <Display>DocumentLibraryForm</Display>
   <Edit>DocumentLibraryForm</Edit>
   <New>DocumentLibraryForm</New>
 </FormTemplates>
-</file>
-
-<file path=customXml/item2.xml><?xml version="1.0" encoding="utf-8"?>
-<p:properties xmlns:p="http://schemas.microsoft.com/office/2006/metadata/properties" xmlns:xsi="http://www.w3.org/2001/XMLSchema-instance" xmlns:pc="http://schemas.microsoft.com/office/infopath/2007/PartnerControls">
-  <documentManagement/>
-</p:properties>
 </file>
 
 <file path=customXml/item3.xml><?xml version="1.0" encoding="utf-8"?>
@@ -13699,18 +13699,18 @@
 </file>
 
 <file path=customXml/itemProps1.xml><?xml version="1.0" encoding="utf-8"?>
-<ds:datastoreItem xmlns:ds="http://schemas.openxmlformats.org/officeDocument/2006/customXml" ds:itemID="{2DA81D51-CB8B-4E00-A304-5985D65D0CEC}">
+<ds:datastoreItem xmlns:ds="http://schemas.openxmlformats.org/officeDocument/2006/customXml" ds:itemID="{B5A61EA0-C632-450D-8732-FBE1B6CC6F01}">
   <ds:schemaRefs>
-    <ds:schemaRef ds:uri="http://schemas.microsoft.com/sharepoint/v3/contenttype/forms"/>
+    <ds:schemaRef ds:uri="http://schemas.microsoft.com/office/2006/metadata/properties"/>
+    <ds:schemaRef ds:uri="http://schemas.microsoft.com/office/infopath/2007/PartnerControls"/>
   </ds:schemaRefs>
 </ds:datastoreItem>
 </file>
 
 <file path=customXml/itemProps2.xml><?xml version="1.0" encoding="utf-8"?>
-<ds:datastoreItem xmlns:ds="http://schemas.openxmlformats.org/officeDocument/2006/customXml" ds:itemID="{B5A61EA0-C632-450D-8732-FBE1B6CC6F01}">
+<ds:datastoreItem xmlns:ds="http://schemas.openxmlformats.org/officeDocument/2006/customXml" ds:itemID="{2DA81D51-CB8B-4E00-A304-5985D65D0CEC}">
   <ds:schemaRefs>
-    <ds:schemaRef ds:uri="http://schemas.microsoft.com/office/2006/metadata/properties"/>
-    <ds:schemaRef ds:uri="http://schemas.microsoft.com/office/infopath/2007/PartnerControls"/>
+    <ds:schemaRef ds:uri="http://schemas.microsoft.com/sharepoint/v3/contenttype/forms"/>
   </ds:schemaRefs>
 </ds:datastoreItem>
 </file>

--- a/NoSQL/The_survey_on_MongoDB.pptx
+++ b/NoSQL/The_survey_on_MongoDB.pptx
@@ -6,10 +6,10 @@
     <p:sldMasterId id="2147483782" r:id="rId5"/>
   </p:sldMasterIdLst>
   <p:notesMasterIdLst>
-    <p:notesMasterId r:id="rId32"/>
+    <p:notesMasterId r:id="rId40"/>
   </p:notesMasterIdLst>
   <p:handoutMasterIdLst>
-    <p:handoutMasterId r:id="rId33"/>
+    <p:handoutMasterId r:id="rId41"/>
   </p:handoutMasterIdLst>
   <p:sldIdLst>
     <p:sldId id="439" r:id="rId6"/>
@@ -20,24 +20,32 @@
     <p:sldId id="453" r:id="rId11"/>
     <p:sldId id="454" r:id="rId12"/>
     <p:sldId id="455" r:id="rId13"/>
-    <p:sldId id="430" r:id="rId14"/>
-    <p:sldId id="448" r:id="rId15"/>
-    <p:sldId id="382" r:id="rId16"/>
-    <p:sldId id="441" r:id="rId17"/>
-    <p:sldId id="449" r:id="rId18"/>
-    <p:sldId id="374" r:id="rId19"/>
-    <p:sldId id="445" r:id="rId20"/>
-    <p:sldId id="380" r:id="rId21"/>
-    <p:sldId id="452" r:id="rId22"/>
-    <p:sldId id="379" r:id="rId23"/>
-    <p:sldId id="423" r:id="rId24"/>
-    <p:sldId id="387" r:id="rId25"/>
-    <p:sldId id="390" r:id="rId26"/>
-    <p:sldId id="420" r:id="rId27"/>
-    <p:sldId id="421" r:id="rId28"/>
-    <p:sldId id="413" r:id="rId29"/>
-    <p:sldId id="265" r:id="rId30"/>
-    <p:sldId id="435" r:id="rId31"/>
+    <p:sldId id="456" r:id="rId14"/>
+    <p:sldId id="459" r:id="rId15"/>
+    <p:sldId id="461" r:id="rId16"/>
+    <p:sldId id="462" r:id="rId17"/>
+    <p:sldId id="460" r:id="rId18"/>
+    <p:sldId id="463" r:id="rId19"/>
+    <p:sldId id="458" r:id="rId20"/>
+    <p:sldId id="457" r:id="rId21"/>
+    <p:sldId id="430" r:id="rId22"/>
+    <p:sldId id="448" r:id="rId23"/>
+    <p:sldId id="382" r:id="rId24"/>
+    <p:sldId id="441" r:id="rId25"/>
+    <p:sldId id="449" r:id="rId26"/>
+    <p:sldId id="374" r:id="rId27"/>
+    <p:sldId id="445" r:id="rId28"/>
+    <p:sldId id="380" r:id="rId29"/>
+    <p:sldId id="452" r:id="rId30"/>
+    <p:sldId id="379" r:id="rId31"/>
+    <p:sldId id="423" r:id="rId32"/>
+    <p:sldId id="387" r:id="rId33"/>
+    <p:sldId id="390" r:id="rId34"/>
+    <p:sldId id="420" r:id="rId35"/>
+    <p:sldId id="421" r:id="rId36"/>
+    <p:sldId id="413" r:id="rId37"/>
+    <p:sldId id="265" r:id="rId38"/>
+    <p:sldId id="435" r:id="rId39"/>
   </p:sldIdLst>
   <p:sldSz cx="12195175" cy="6858000"/>
   <p:notesSz cx="6858000" cy="9144000"/>
@@ -733,7 +741,7 @@
             <a:fld id="{7D8C2C35-2B8A-446E-BEC0-FD36716C29AC}" type="slidenum">
               <a:rPr lang="de-DE" smtClean="0"/>
               <a:pPr/>
-              <a:t>25</a:t>
+              <a:t>33</a:t>
             </a:fld>
             <a:endParaRPr lang="de-DE" dirty="0"/>
           </a:p>
@@ -8721,6 +8729,1390 @@
       </p:grpSpPr>
       <p:sp>
         <p:nvSpPr>
+          <p:cNvPr id="2" name="Title"/>
+          <p:cNvSpPr>
+            <a:spLocks noGrp="1"/>
+          </p:cNvSpPr>
+          <p:nvPr>
+            <p:ph type="title"/>
+          </p:nvPr>
+        </p:nvSpPr>
+        <p:spPr bwMode="gray"/>
+        <p:txBody>
+          <a:bodyPr/>
+          <a:lstStyle/>
+          <a:p>
+            <a:r>
+              <a:rPr lang="en-US" dirty="0"/>
+              <a:t>Replication sets</a:t>
+            </a:r>
+          </a:p>
+        </p:txBody>
+      </p:sp>
+      <p:sp>
+        <p:nvSpPr>
+          <p:cNvPr id="3" name="文本框 2">
+            <a:extLst>
+              <a:ext uri="{FF2B5EF4-FFF2-40B4-BE49-F238E27FC236}">
+                <a16:creationId xmlns:a16="http://schemas.microsoft.com/office/drawing/2014/main" id="{7AC9526A-CB72-4754-AA72-48A3A2330376}"/>
+              </a:ext>
+            </a:extLst>
+          </p:cNvPr>
+          <p:cNvSpPr txBox="1"/>
+          <p:nvPr/>
+        </p:nvSpPr>
+        <p:spPr>
+          <a:xfrm>
+            <a:off x="786063" y="1203158"/>
+            <a:ext cx="4829938" cy="4708981"/>
+          </a:xfrm>
+          <a:prstGeom prst="rect">
+            <a:avLst/>
+          </a:prstGeom>
+          <a:noFill/>
+        </p:spPr>
+        <p:txBody>
+          <a:bodyPr wrap="square" lIns="0" tIns="0" rIns="0" bIns="0" rtlCol="0">
+            <a:spAutoFit/>
+          </a:bodyPr>
+          <a:lstStyle/>
+          <a:p>
+            <a:pPr marL="285750" indent="-285750" fontAlgn="base">
+              <a:spcBef>
+                <a:spcPct val="50000"/>
+              </a:spcBef>
+              <a:spcAft>
+                <a:spcPct val="0"/>
+              </a:spcAft>
+              <a:buClr>
+                <a:srgbClr val="F0AB00"/>
+              </a:buClr>
+              <a:buSzPct val="80000"/>
+              <a:buFont typeface="Wingdings" panose="05000000000000000000" pitchFamily="2" charset="2"/>
+              <a:buChar char="n"/>
+            </a:pPr>
+            <a:r>
+              <a:rPr lang="en-US" altLang="zh-CN" sz="1800" kern="0" dirty="0">
+                <a:ea typeface="Arial Unicode MS" pitchFamily="34" charset="-128"/>
+                <a:cs typeface="Arial Unicode MS" pitchFamily="34" charset="-128"/>
+              </a:rPr>
+              <a:t>A replica set provides redundancy and high availability, which is a group of </a:t>
+            </a:r>
+            <a:r>
+              <a:rPr lang="en-US" altLang="zh-CN" sz="1800" kern="0" dirty="0" err="1">
+                <a:ea typeface="Arial Unicode MS" pitchFamily="34" charset="-128"/>
+                <a:cs typeface="Arial Unicode MS" pitchFamily="34" charset="-128"/>
+              </a:rPr>
+              <a:t>mongod</a:t>
+            </a:r>
+            <a:r>
+              <a:rPr lang="en-US" altLang="zh-CN" sz="1800" kern="0" dirty="0">
+                <a:ea typeface="Arial Unicode MS" pitchFamily="34" charset="-128"/>
+                <a:cs typeface="Arial Unicode MS" pitchFamily="34" charset="-128"/>
+              </a:rPr>
+              <a:t> instance that maintain the same data set. </a:t>
+            </a:r>
+          </a:p>
+          <a:p>
+            <a:pPr marL="285750" indent="-285750" fontAlgn="base">
+              <a:spcBef>
+                <a:spcPct val="50000"/>
+              </a:spcBef>
+              <a:spcAft>
+                <a:spcPct val="0"/>
+              </a:spcAft>
+              <a:buClr>
+                <a:srgbClr val="F0AB00"/>
+              </a:buClr>
+              <a:buSzPct val="80000"/>
+              <a:buFont typeface="Wingdings" panose="05000000000000000000" pitchFamily="2" charset="2"/>
+              <a:buChar char="n"/>
+            </a:pPr>
+            <a:r>
+              <a:rPr lang="en-US" altLang="zh-CN" sz="1800" kern="0" dirty="0">
+                <a:ea typeface="Arial Unicode MS" pitchFamily="34" charset="-128"/>
+                <a:cs typeface="Arial Unicode MS" pitchFamily="34" charset="-128"/>
+              </a:rPr>
+              <a:t>The </a:t>
+            </a:r>
+            <a:r>
+              <a:rPr lang="en-US" altLang="zh-CN" sz="1800" b="1" kern="0" dirty="0">
+                <a:ea typeface="Arial Unicode MS" pitchFamily="34" charset="-128"/>
+                <a:cs typeface="Arial Unicode MS" pitchFamily="34" charset="-128"/>
+              </a:rPr>
+              <a:t>primary node receives all write operations. </a:t>
+            </a:r>
+            <a:r>
+              <a:rPr lang="en-US" altLang="zh-CN" sz="1800" kern="0" dirty="0">
+                <a:ea typeface="Arial Unicode MS" pitchFamily="34" charset="-128"/>
+                <a:cs typeface="Arial Unicode MS" pitchFamily="34" charset="-128"/>
+              </a:rPr>
+              <a:t>The primary records all changes to its data sets in its operation log, i.e. </a:t>
+            </a:r>
+            <a:r>
+              <a:rPr lang="en-US" altLang="zh-CN" sz="1800" kern="0" dirty="0" err="1">
+                <a:ea typeface="Arial Unicode MS" pitchFamily="34" charset="-128"/>
+                <a:cs typeface="Arial Unicode MS" pitchFamily="34" charset="-128"/>
+              </a:rPr>
+              <a:t>oplog</a:t>
+            </a:r>
+            <a:r>
+              <a:rPr lang="en-US" altLang="zh-CN" sz="1800" kern="0" dirty="0">
+                <a:ea typeface="Arial Unicode MS" pitchFamily="34" charset="-128"/>
+                <a:cs typeface="Arial Unicode MS" pitchFamily="34" charset="-128"/>
+              </a:rPr>
+              <a:t>.</a:t>
+            </a:r>
+          </a:p>
+          <a:p>
+            <a:pPr marL="285750" indent="-285750" fontAlgn="base">
+              <a:spcBef>
+                <a:spcPct val="50000"/>
+              </a:spcBef>
+              <a:spcAft>
+                <a:spcPct val="0"/>
+              </a:spcAft>
+              <a:buClr>
+                <a:srgbClr val="F0AB00"/>
+              </a:buClr>
+              <a:buSzPct val="80000"/>
+              <a:buFont typeface="Wingdings" panose="05000000000000000000" pitchFamily="2" charset="2"/>
+              <a:buChar char="n"/>
+            </a:pPr>
+            <a:r>
+              <a:rPr lang="en-US" altLang="zh-CN" sz="1800" kern="0" dirty="0">
+                <a:ea typeface="Arial Unicode MS" pitchFamily="34" charset="-128"/>
+                <a:cs typeface="Arial Unicode MS" pitchFamily="34" charset="-128"/>
+              </a:rPr>
+              <a:t>The </a:t>
+            </a:r>
+            <a:r>
+              <a:rPr lang="en-US" altLang="zh-CN" sz="1800" b="1" kern="0" dirty="0">
+                <a:ea typeface="Arial Unicode MS" pitchFamily="34" charset="-128"/>
+                <a:cs typeface="Arial Unicode MS" pitchFamily="34" charset="-128"/>
+              </a:rPr>
+              <a:t>secondaries </a:t>
+            </a:r>
+            <a:r>
+              <a:rPr lang="en-US" altLang="zh-CN" sz="1800" kern="0" dirty="0">
+                <a:ea typeface="Arial Unicode MS" pitchFamily="34" charset="-128"/>
+                <a:cs typeface="Arial Unicode MS" pitchFamily="34" charset="-128"/>
+              </a:rPr>
+              <a:t>replicate the primary’s </a:t>
+            </a:r>
+            <a:r>
+              <a:rPr lang="en-US" altLang="zh-CN" sz="1800" kern="0" dirty="0" err="1">
+                <a:ea typeface="Arial Unicode MS" pitchFamily="34" charset="-128"/>
+                <a:cs typeface="Arial Unicode MS" pitchFamily="34" charset="-128"/>
+              </a:rPr>
+              <a:t>oplog</a:t>
+            </a:r>
+            <a:r>
+              <a:rPr lang="en-US" altLang="zh-CN" sz="1800" kern="0" dirty="0">
+                <a:ea typeface="Arial Unicode MS" pitchFamily="34" charset="-128"/>
+                <a:cs typeface="Arial Unicode MS" pitchFamily="34" charset="-128"/>
+              </a:rPr>
+              <a:t> and apply the operations to their data sets such that their sets reflect the primary’s data set.</a:t>
+            </a:r>
+          </a:p>
+          <a:p>
+            <a:pPr marL="830138" lvl="1" indent="-285750" fontAlgn="base">
+              <a:spcBef>
+                <a:spcPct val="50000"/>
+              </a:spcBef>
+              <a:spcAft>
+                <a:spcPct val="0"/>
+              </a:spcAft>
+              <a:buClr>
+                <a:srgbClr val="F0AB00"/>
+              </a:buClr>
+              <a:buSzPct val="80000"/>
+              <a:buFont typeface="Wingdings" panose="05000000000000000000" pitchFamily="2" charset="2"/>
+              <a:buChar char="n"/>
+            </a:pPr>
+            <a:r>
+              <a:rPr lang="en-US" altLang="zh-CN" sz="1800" kern="0" dirty="0">
+                <a:ea typeface="Arial Unicode MS" pitchFamily="34" charset="-128"/>
+                <a:cs typeface="Arial Unicode MS" pitchFamily="34" charset="-128"/>
+              </a:rPr>
+              <a:t>If the primary is unavailable, an eligible secondary will hold an election to elect itself the new primary</a:t>
+            </a:r>
+          </a:p>
+          <a:p>
+            <a:pPr marL="285750" indent="-285750" fontAlgn="base">
+              <a:spcBef>
+                <a:spcPct val="50000"/>
+              </a:spcBef>
+              <a:spcAft>
+                <a:spcPct val="0"/>
+              </a:spcAft>
+              <a:buClr>
+                <a:srgbClr val="F0AB00"/>
+              </a:buClr>
+              <a:buSzPct val="80000"/>
+              <a:buFont typeface="Wingdings" panose="05000000000000000000" pitchFamily="2" charset="2"/>
+              <a:buChar char="n"/>
+            </a:pPr>
+            <a:endParaRPr lang="zh-CN" altLang="en-US" sz="1800" kern="0" dirty="0" err="1">
+              <a:ea typeface="Arial Unicode MS" pitchFamily="34" charset="-128"/>
+              <a:cs typeface="Arial Unicode MS" pitchFamily="34" charset="-128"/>
+            </a:endParaRPr>
+          </a:p>
+        </p:txBody>
+      </p:sp>
+      <p:pic>
+        <p:nvPicPr>
+          <p:cNvPr id="59" name="图片 58">
+            <a:extLst>
+              <a:ext uri="{FF2B5EF4-FFF2-40B4-BE49-F238E27FC236}">
+                <a16:creationId xmlns:a16="http://schemas.microsoft.com/office/drawing/2014/main" id="{CE7C9CBB-6849-45D6-B79A-4B23CB0B3980}"/>
+              </a:ext>
+            </a:extLst>
+          </p:cNvPr>
+          <p:cNvPicPr>
+            <a:picLocks noChangeAspect="1"/>
+          </p:cNvPicPr>
+          <p:nvPr/>
+        </p:nvPicPr>
+        <p:blipFill>
+          <a:blip r:embed="rId2"/>
+          <a:stretch>
+            <a:fillRect/>
+          </a:stretch>
+        </p:blipFill>
+        <p:spPr>
+          <a:xfrm>
+            <a:off x="7519706" y="505382"/>
+            <a:ext cx="3455622" cy="2991434"/>
+          </a:xfrm>
+          <a:prstGeom prst="rect">
+            <a:avLst/>
+          </a:prstGeom>
+        </p:spPr>
+      </p:pic>
+      <p:pic>
+        <p:nvPicPr>
+          <p:cNvPr id="60" name="图片 59">
+            <a:extLst>
+              <a:ext uri="{FF2B5EF4-FFF2-40B4-BE49-F238E27FC236}">
+                <a16:creationId xmlns:a16="http://schemas.microsoft.com/office/drawing/2014/main" id="{896A4509-A05C-4840-8B65-DE8C58185DAD}"/>
+              </a:ext>
+            </a:extLst>
+          </p:cNvPr>
+          <p:cNvPicPr>
+            <a:picLocks noChangeAspect="1"/>
+          </p:cNvPicPr>
+          <p:nvPr/>
+        </p:nvPicPr>
+        <p:blipFill>
+          <a:blip r:embed="rId3"/>
+          <a:stretch>
+            <a:fillRect/>
+          </a:stretch>
+        </p:blipFill>
+        <p:spPr>
+          <a:xfrm>
+            <a:off x="6415593" y="3885966"/>
+            <a:ext cx="5663848" cy="2154509"/>
+          </a:xfrm>
+          <a:prstGeom prst="rect">
+            <a:avLst/>
+          </a:prstGeom>
+        </p:spPr>
+      </p:pic>
+    </p:spTree>
+    <p:extLst>
+      <p:ext uri="{BB962C8B-B14F-4D97-AF65-F5344CB8AC3E}">
+        <p14:creationId xmlns:p14="http://schemas.microsoft.com/office/powerpoint/2010/main" val="2359599594"/>
+      </p:ext>
+    </p:extLst>
+  </p:cSld>
+  <p:clrMapOvr>
+    <a:masterClrMapping/>
+  </p:clrMapOvr>
+</p:sld>
+</file>
+
+<file path=ppt/slides/slide11.xml><?xml version="1.0" encoding="utf-8"?>
+<p:sld xmlns:a="http://schemas.openxmlformats.org/drawingml/2006/main" xmlns:r="http://schemas.openxmlformats.org/officeDocument/2006/relationships" xmlns:p="http://schemas.openxmlformats.org/presentationml/2006/main">
+  <p:cSld>
+    <p:spTree>
+      <p:nvGrpSpPr>
+        <p:cNvPr id="1" name=""/>
+        <p:cNvGrpSpPr/>
+        <p:nvPr/>
+      </p:nvGrpSpPr>
+      <p:grpSpPr>
+        <a:xfrm>
+          <a:off x="0" y="0"/>
+          <a:ext cx="0" cy="0"/>
+          <a:chOff x="0" y="0"/>
+          <a:chExt cx="0" cy="0"/>
+        </a:xfrm>
+      </p:grpSpPr>
+      <p:sp>
+        <p:nvSpPr>
+          <p:cNvPr id="2" name="Title"/>
+          <p:cNvSpPr>
+            <a:spLocks noGrp="1"/>
+          </p:cNvSpPr>
+          <p:nvPr>
+            <p:ph type="title"/>
+          </p:nvPr>
+        </p:nvSpPr>
+        <p:spPr bwMode="gray"/>
+        <p:txBody>
+          <a:bodyPr/>
+          <a:lstStyle/>
+          <a:p>
+            <a:r>
+              <a:rPr lang="en-US" dirty="0"/>
+              <a:t>Replication sets</a:t>
+            </a:r>
+          </a:p>
+        </p:txBody>
+      </p:sp>
+      <p:sp>
+        <p:nvSpPr>
+          <p:cNvPr id="3" name="文本框 2">
+            <a:extLst>
+              <a:ext uri="{FF2B5EF4-FFF2-40B4-BE49-F238E27FC236}">
+                <a16:creationId xmlns:a16="http://schemas.microsoft.com/office/drawing/2014/main" id="{7AC9526A-CB72-4754-AA72-48A3A2330376}"/>
+              </a:ext>
+            </a:extLst>
+          </p:cNvPr>
+          <p:cNvSpPr txBox="1"/>
+          <p:nvPr/>
+        </p:nvSpPr>
+        <p:spPr>
+          <a:xfrm>
+            <a:off x="786063" y="1203158"/>
+            <a:ext cx="11213432" cy="1661993"/>
+          </a:xfrm>
+          <a:prstGeom prst="rect">
+            <a:avLst/>
+          </a:prstGeom>
+          <a:noFill/>
+        </p:spPr>
+        <p:txBody>
+          <a:bodyPr wrap="square" lIns="0" tIns="0" rIns="0" bIns="0" rtlCol="0">
+            <a:spAutoFit/>
+          </a:bodyPr>
+          <a:lstStyle/>
+          <a:p>
+            <a:pPr marL="285750" indent="-285750" fontAlgn="base">
+              <a:spcBef>
+                <a:spcPct val="50000"/>
+              </a:spcBef>
+              <a:spcAft>
+                <a:spcPct val="0"/>
+              </a:spcAft>
+              <a:buClr>
+                <a:srgbClr val="F0AB00"/>
+              </a:buClr>
+              <a:buSzPct val="80000"/>
+              <a:buFont typeface="Wingdings" panose="05000000000000000000" pitchFamily="2" charset="2"/>
+              <a:buChar char="n"/>
+            </a:pPr>
+            <a:r>
+              <a:rPr lang="en-US" altLang="zh-CN" sz="1800" kern="0" dirty="0">
+                <a:ea typeface="Arial Unicode MS" pitchFamily="34" charset="-128"/>
+                <a:cs typeface="Arial Unicode MS" pitchFamily="34" charset="-128"/>
+              </a:rPr>
+              <a:t>There will be a </a:t>
+            </a:r>
+            <a:r>
+              <a:rPr lang="en-US" altLang="zh-CN" sz="1800" kern="0" dirty="0" err="1">
+                <a:ea typeface="Arial Unicode MS" pitchFamily="34" charset="-128"/>
+                <a:cs typeface="Arial Unicode MS" pitchFamily="34" charset="-128"/>
+              </a:rPr>
+              <a:t>mongod</a:t>
+            </a:r>
+            <a:r>
+              <a:rPr lang="en-US" altLang="zh-CN" sz="1800" kern="0" dirty="0">
+                <a:ea typeface="Arial Unicode MS" pitchFamily="34" charset="-128"/>
+                <a:cs typeface="Arial Unicode MS" pitchFamily="34" charset="-128"/>
+              </a:rPr>
+              <a:t> instance which is chose as an arbiter, An arbiter participates in elections but does not hold data.</a:t>
+            </a:r>
+          </a:p>
+          <a:p>
+            <a:pPr marL="285750" indent="-285750" fontAlgn="base">
+              <a:spcBef>
+                <a:spcPct val="50000"/>
+              </a:spcBef>
+              <a:spcAft>
+                <a:spcPct val="0"/>
+              </a:spcAft>
+              <a:buClr>
+                <a:srgbClr val="F0AB00"/>
+              </a:buClr>
+              <a:buSzPct val="80000"/>
+              <a:buFont typeface="Wingdings" panose="05000000000000000000" pitchFamily="2" charset="2"/>
+              <a:buChar char="n"/>
+            </a:pPr>
+            <a:r>
+              <a:rPr lang="en-US" altLang="zh-CN" sz="1800" kern="0" dirty="0">
+                <a:ea typeface="Arial Unicode MS" pitchFamily="34" charset="-128"/>
+                <a:cs typeface="Arial Unicode MS" pitchFamily="34" charset="-128"/>
+              </a:rPr>
+              <a:t>An arbiter will always be an arbiter whereas a primary becomes a secondary or a secondary becomes the primary during an election.</a:t>
+            </a:r>
+          </a:p>
+          <a:p>
+            <a:pPr marL="285750" indent="-285750" fontAlgn="base">
+              <a:spcBef>
+                <a:spcPct val="50000"/>
+              </a:spcBef>
+              <a:spcAft>
+                <a:spcPct val="0"/>
+              </a:spcAft>
+              <a:buClr>
+                <a:srgbClr val="F0AB00"/>
+              </a:buClr>
+              <a:buSzPct val="80000"/>
+              <a:buFont typeface="Wingdings" panose="05000000000000000000" pitchFamily="2" charset="2"/>
+              <a:buChar char="n"/>
+            </a:pPr>
+            <a:r>
+              <a:rPr lang="en-US" altLang="zh-CN" sz="1800" kern="0" dirty="0">
+                <a:ea typeface="Arial Unicode MS" pitchFamily="34" charset="-128"/>
+                <a:cs typeface="Arial Unicode MS" pitchFamily="34" charset="-128"/>
+              </a:rPr>
+              <a:t>There is a PSV architecture, Primary, Secondary and one arbiter.</a:t>
+            </a:r>
+          </a:p>
+        </p:txBody>
+      </p:sp>
+      <p:pic>
+        <p:nvPicPr>
+          <p:cNvPr id="4" name="图片 3">
+            <a:extLst>
+              <a:ext uri="{FF2B5EF4-FFF2-40B4-BE49-F238E27FC236}">
+                <a16:creationId xmlns:a16="http://schemas.microsoft.com/office/drawing/2014/main" id="{4133D0E6-F3D3-4BCA-8CCB-B1C1DE9ED1E7}"/>
+              </a:ext>
+            </a:extLst>
+          </p:cNvPr>
+          <p:cNvPicPr>
+            <a:picLocks noChangeAspect="1"/>
+          </p:cNvPicPr>
+          <p:nvPr/>
+        </p:nvPicPr>
+        <p:blipFill>
+          <a:blip r:embed="rId2"/>
+          <a:stretch>
+            <a:fillRect/>
+          </a:stretch>
+        </p:blipFill>
+        <p:spPr>
+          <a:xfrm>
+            <a:off x="2839754" y="3429000"/>
+            <a:ext cx="6515665" cy="2598645"/>
+          </a:xfrm>
+          <a:prstGeom prst="rect">
+            <a:avLst/>
+          </a:prstGeom>
+        </p:spPr>
+      </p:pic>
+    </p:spTree>
+    <p:extLst>
+      <p:ext uri="{BB962C8B-B14F-4D97-AF65-F5344CB8AC3E}">
+        <p14:creationId xmlns:p14="http://schemas.microsoft.com/office/powerpoint/2010/main" val="3633622993"/>
+      </p:ext>
+    </p:extLst>
+  </p:cSld>
+  <p:clrMapOvr>
+    <a:masterClrMapping/>
+  </p:clrMapOvr>
+</p:sld>
+</file>
+
+<file path=ppt/slides/slide12.xml><?xml version="1.0" encoding="utf-8"?>
+<p:sld xmlns:a="http://schemas.openxmlformats.org/drawingml/2006/main" xmlns:r="http://schemas.openxmlformats.org/officeDocument/2006/relationships" xmlns:p="http://schemas.openxmlformats.org/presentationml/2006/main">
+  <p:cSld>
+    <p:spTree>
+      <p:nvGrpSpPr>
+        <p:cNvPr id="1" name=""/>
+        <p:cNvGrpSpPr/>
+        <p:nvPr/>
+      </p:nvGrpSpPr>
+      <p:grpSpPr>
+        <a:xfrm>
+          <a:off x="0" y="0"/>
+          <a:ext cx="0" cy="0"/>
+          <a:chOff x="0" y="0"/>
+          <a:chExt cx="0" cy="0"/>
+        </a:xfrm>
+      </p:grpSpPr>
+      <p:sp>
+        <p:nvSpPr>
+          <p:cNvPr id="2" name="Title"/>
+          <p:cNvSpPr>
+            <a:spLocks noGrp="1"/>
+          </p:cNvSpPr>
+          <p:nvPr>
+            <p:ph type="title"/>
+          </p:nvPr>
+        </p:nvSpPr>
+        <p:spPr bwMode="gray"/>
+        <p:txBody>
+          <a:bodyPr/>
+          <a:lstStyle/>
+          <a:p>
+            <a:r>
+              <a:rPr lang="en-US" dirty="0"/>
+              <a:t>Replication sets Elections</a:t>
+            </a:r>
+          </a:p>
+        </p:txBody>
+      </p:sp>
+      <p:sp>
+        <p:nvSpPr>
+          <p:cNvPr id="3" name="文本框 2">
+            <a:extLst>
+              <a:ext uri="{FF2B5EF4-FFF2-40B4-BE49-F238E27FC236}">
+                <a16:creationId xmlns:a16="http://schemas.microsoft.com/office/drawing/2014/main" id="{7AC9526A-CB72-4754-AA72-48A3A2330376}"/>
+              </a:ext>
+            </a:extLst>
+          </p:cNvPr>
+          <p:cNvSpPr txBox="1"/>
+          <p:nvPr/>
+        </p:nvSpPr>
+        <p:spPr>
+          <a:xfrm>
+            <a:off x="782022" y="1363579"/>
+            <a:ext cx="4555958" cy="4708981"/>
+          </a:xfrm>
+          <a:prstGeom prst="rect">
+            <a:avLst/>
+          </a:prstGeom>
+          <a:noFill/>
+        </p:spPr>
+        <p:txBody>
+          <a:bodyPr wrap="square" lIns="0" tIns="0" rIns="0" bIns="0" rtlCol="0">
+            <a:spAutoFit/>
+          </a:bodyPr>
+          <a:lstStyle/>
+          <a:p>
+            <a:pPr marL="285750" indent="-285750" fontAlgn="base">
+              <a:spcBef>
+                <a:spcPct val="50000"/>
+              </a:spcBef>
+              <a:spcAft>
+                <a:spcPct val="0"/>
+              </a:spcAft>
+              <a:buClr>
+                <a:srgbClr val="F0AB00"/>
+              </a:buClr>
+              <a:buSzPct val="80000"/>
+              <a:buFont typeface="Wingdings" panose="05000000000000000000" pitchFamily="2" charset="2"/>
+              <a:buChar char="n"/>
+            </a:pPr>
+            <a:r>
+              <a:rPr lang="en-US" altLang="zh-CN" sz="1800" kern="0" dirty="0">
+                <a:ea typeface="Arial Unicode MS" pitchFamily="34" charset="-128"/>
+                <a:cs typeface="Arial Unicode MS" pitchFamily="34" charset="-128"/>
+              </a:rPr>
+              <a:t>An election is triggered in response to these events:</a:t>
+            </a:r>
+          </a:p>
+          <a:p>
+            <a:pPr marL="830138" lvl="1" indent="-285750" fontAlgn="base">
+              <a:spcBef>
+                <a:spcPct val="50000"/>
+              </a:spcBef>
+              <a:spcAft>
+                <a:spcPct val="0"/>
+              </a:spcAft>
+              <a:buClr>
+                <a:srgbClr val="F0AB00"/>
+              </a:buClr>
+              <a:buSzPct val="80000"/>
+              <a:buFont typeface="Wingdings" panose="05000000000000000000" pitchFamily="2" charset="2"/>
+              <a:buChar char="n"/>
+            </a:pPr>
+            <a:r>
+              <a:rPr lang="en-US" altLang="zh-CN" sz="1800" kern="0" dirty="0">
+                <a:ea typeface="Arial Unicode MS" pitchFamily="34" charset="-128"/>
+                <a:cs typeface="Arial Unicode MS" pitchFamily="34" charset="-128"/>
+              </a:rPr>
+              <a:t>Adding a new node or initiating a replica set</a:t>
+            </a:r>
+          </a:p>
+          <a:p>
+            <a:pPr marL="830138" lvl="1" indent="-285750" fontAlgn="base">
+              <a:spcBef>
+                <a:spcPct val="50000"/>
+              </a:spcBef>
+              <a:spcAft>
+                <a:spcPct val="0"/>
+              </a:spcAft>
+              <a:buClr>
+                <a:srgbClr val="F0AB00"/>
+              </a:buClr>
+              <a:buSzPct val="80000"/>
+              <a:buFont typeface="Wingdings" panose="05000000000000000000" pitchFamily="2" charset="2"/>
+              <a:buChar char="n"/>
+            </a:pPr>
+            <a:r>
+              <a:rPr lang="en-US" altLang="zh-CN" sz="1800" kern="0" dirty="0">
+                <a:ea typeface="Arial Unicode MS" pitchFamily="34" charset="-128"/>
+                <a:cs typeface="Arial Unicode MS" pitchFamily="34" charset="-128"/>
+              </a:rPr>
+              <a:t>Performing replica set maintenance or the secondary members losing connectivity.</a:t>
+            </a:r>
+          </a:p>
+          <a:p>
+            <a:pPr marL="285750" indent="-285750" fontAlgn="base">
+              <a:spcBef>
+                <a:spcPct val="50000"/>
+              </a:spcBef>
+              <a:spcAft>
+                <a:spcPct val="0"/>
+              </a:spcAft>
+              <a:buClr>
+                <a:srgbClr val="F0AB00"/>
+              </a:buClr>
+              <a:buSzPct val="80000"/>
+              <a:buFont typeface="Wingdings" panose="05000000000000000000" pitchFamily="2" charset="2"/>
+              <a:buChar char="n"/>
+            </a:pPr>
+            <a:r>
+              <a:rPr lang="en-US" altLang="zh-CN" sz="1800" kern="0" dirty="0">
+                <a:ea typeface="Arial Unicode MS" pitchFamily="34" charset="-128"/>
+                <a:cs typeface="Arial Unicode MS" pitchFamily="34" charset="-128"/>
+              </a:rPr>
+              <a:t>Voting</a:t>
+            </a:r>
+          </a:p>
+          <a:p>
+            <a:pPr marL="830138" lvl="1" indent="-285750" fontAlgn="base">
+              <a:spcBef>
+                <a:spcPct val="50000"/>
+              </a:spcBef>
+              <a:spcAft>
+                <a:spcPct val="0"/>
+              </a:spcAft>
+              <a:buClr>
+                <a:srgbClr val="F0AB00"/>
+              </a:buClr>
+              <a:buSzPct val="80000"/>
+              <a:buFont typeface="Wingdings" panose="05000000000000000000" pitchFamily="2" charset="2"/>
+              <a:buChar char="n"/>
+            </a:pPr>
+            <a:r>
+              <a:rPr lang="en-US" altLang="zh-CN" sz="1800" kern="0" dirty="0">
+                <a:ea typeface="Arial Unicode MS" pitchFamily="34" charset="-128"/>
+                <a:cs typeface="Arial Unicode MS" pitchFamily="34" charset="-128"/>
+              </a:rPr>
+              <a:t>All replica set members that have their </a:t>
+            </a:r>
+            <a:r>
+              <a:rPr lang="en-US" altLang="zh-CN" sz="1800" b="1" kern="0" dirty="0">
+                <a:ea typeface="Arial Unicode MS" pitchFamily="34" charset="-128"/>
+                <a:cs typeface="Arial Unicode MS" pitchFamily="34" charset="-128"/>
+              </a:rPr>
+              <a:t>members[n].votes equal 1 or 0</a:t>
+            </a:r>
+            <a:r>
+              <a:rPr lang="en-US" altLang="zh-CN" sz="1800" kern="0" dirty="0">
+                <a:ea typeface="Arial Unicode MS" pitchFamily="34" charset="-128"/>
+                <a:cs typeface="Arial Unicode MS" pitchFamily="34" charset="-128"/>
+              </a:rPr>
+              <a:t>.</a:t>
+            </a:r>
+          </a:p>
+          <a:p>
+            <a:pPr marL="830138" lvl="1" indent="-285750" fontAlgn="base">
+              <a:spcBef>
+                <a:spcPct val="50000"/>
+              </a:spcBef>
+              <a:spcAft>
+                <a:spcPct val="0"/>
+              </a:spcAft>
+              <a:buClr>
+                <a:srgbClr val="F0AB00"/>
+              </a:buClr>
+              <a:buSzPct val="80000"/>
+              <a:buFont typeface="Wingdings" panose="05000000000000000000" pitchFamily="2" charset="2"/>
+              <a:buChar char="n"/>
+            </a:pPr>
+            <a:r>
+              <a:rPr lang="en-US" altLang="zh-CN" sz="1800" kern="0" dirty="0">
+                <a:ea typeface="Arial Unicode MS" pitchFamily="34" charset="-128"/>
+                <a:cs typeface="Arial Unicode MS" pitchFamily="34" charset="-128"/>
+              </a:rPr>
+              <a:t>Members with priority greater than 0 cannot have 0 votes.</a:t>
+            </a:r>
+          </a:p>
+          <a:p>
+            <a:pPr lvl="1" fontAlgn="base">
+              <a:spcBef>
+                <a:spcPct val="50000"/>
+              </a:spcBef>
+              <a:spcAft>
+                <a:spcPct val="0"/>
+              </a:spcAft>
+              <a:buClr>
+                <a:srgbClr val="F0AB00"/>
+              </a:buClr>
+              <a:buSzPct val="80000"/>
+              <a:buNone/>
+            </a:pPr>
+            <a:endParaRPr lang="en-US" altLang="zh-CN" sz="1800" kern="0" dirty="0">
+              <a:ea typeface="Arial Unicode MS" pitchFamily="34" charset="-128"/>
+              <a:cs typeface="Arial Unicode MS" pitchFamily="34" charset="-128"/>
+            </a:endParaRPr>
+          </a:p>
+        </p:txBody>
+      </p:sp>
+      <p:pic>
+        <p:nvPicPr>
+          <p:cNvPr id="4" name="图片 3">
+            <a:extLst>
+              <a:ext uri="{FF2B5EF4-FFF2-40B4-BE49-F238E27FC236}">
+                <a16:creationId xmlns:a16="http://schemas.microsoft.com/office/drawing/2014/main" id="{4133D0E6-F3D3-4BCA-8CCB-B1C1DE9ED1E7}"/>
+              </a:ext>
+            </a:extLst>
+          </p:cNvPr>
+          <p:cNvPicPr>
+            <a:picLocks noChangeAspect="1"/>
+          </p:cNvPicPr>
+          <p:nvPr/>
+        </p:nvPicPr>
+        <p:blipFill>
+          <a:blip r:embed="rId2"/>
+          <a:stretch>
+            <a:fillRect/>
+          </a:stretch>
+        </p:blipFill>
+        <p:spPr>
+          <a:xfrm>
+            <a:off x="6481311" y="602880"/>
+            <a:ext cx="5096753" cy="2032740"/>
+          </a:xfrm>
+          <a:prstGeom prst="rect">
+            <a:avLst/>
+          </a:prstGeom>
+        </p:spPr>
+      </p:pic>
+      <p:pic>
+        <p:nvPicPr>
+          <p:cNvPr id="5" name="图片 4">
+            <a:extLst>
+              <a:ext uri="{FF2B5EF4-FFF2-40B4-BE49-F238E27FC236}">
+                <a16:creationId xmlns:a16="http://schemas.microsoft.com/office/drawing/2014/main" id="{8313D094-4901-4594-9B34-B2DE143BC5B5}"/>
+              </a:ext>
+            </a:extLst>
+          </p:cNvPr>
+          <p:cNvPicPr>
+            <a:picLocks noChangeAspect="1"/>
+          </p:cNvPicPr>
+          <p:nvPr/>
+        </p:nvPicPr>
+        <p:blipFill>
+          <a:blip r:embed="rId3"/>
+          <a:stretch>
+            <a:fillRect/>
+          </a:stretch>
+        </p:blipFill>
+        <p:spPr>
+          <a:xfrm>
+            <a:off x="6583456" y="2818854"/>
+            <a:ext cx="4892464" cy="3612193"/>
+          </a:xfrm>
+          <a:prstGeom prst="rect">
+            <a:avLst/>
+          </a:prstGeom>
+        </p:spPr>
+      </p:pic>
+    </p:spTree>
+    <p:extLst>
+      <p:ext uri="{BB962C8B-B14F-4D97-AF65-F5344CB8AC3E}">
+        <p14:creationId xmlns:p14="http://schemas.microsoft.com/office/powerpoint/2010/main" val="3804852977"/>
+      </p:ext>
+    </p:extLst>
+  </p:cSld>
+  <p:clrMapOvr>
+    <a:masterClrMapping/>
+  </p:clrMapOvr>
+</p:sld>
+</file>
+
+<file path=ppt/slides/slide13.xml><?xml version="1.0" encoding="utf-8"?>
+<p:sld xmlns:a="http://schemas.openxmlformats.org/drawingml/2006/main" xmlns:r="http://schemas.openxmlformats.org/officeDocument/2006/relationships" xmlns:p="http://schemas.openxmlformats.org/presentationml/2006/main">
+  <p:cSld>
+    <p:spTree>
+      <p:nvGrpSpPr>
+        <p:cNvPr id="1" name=""/>
+        <p:cNvGrpSpPr/>
+        <p:nvPr/>
+      </p:nvGrpSpPr>
+      <p:grpSpPr>
+        <a:xfrm>
+          <a:off x="0" y="0"/>
+          <a:ext cx="0" cy="0"/>
+          <a:chOff x="0" y="0"/>
+          <a:chExt cx="0" cy="0"/>
+        </a:xfrm>
+      </p:grpSpPr>
+      <p:sp>
+        <p:nvSpPr>
+          <p:cNvPr id="2" name="Title"/>
+          <p:cNvSpPr>
+            <a:spLocks noGrp="1"/>
+          </p:cNvSpPr>
+          <p:nvPr>
+            <p:ph type="title"/>
+          </p:nvPr>
+        </p:nvSpPr>
+        <p:spPr bwMode="gray"/>
+        <p:txBody>
+          <a:bodyPr/>
+          <a:lstStyle/>
+          <a:p>
+            <a:r>
+              <a:rPr lang="en-US" dirty="0"/>
+              <a:t>Storage Engines of MongoDB</a:t>
+            </a:r>
+          </a:p>
+        </p:txBody>
+      </p:sp>
+      <p:sp>
+        <p:nvSpPr>
+          <p:cNvPr id="3" name="文本框 2">
+            <a:extLst>
+              <a:ext uri="{FF2B5EF4-FFF2-40B4-BE49-F238E27FC236}">
+                <a16:creationId xmlns:a16="http://schemas.microsoft.com/office/drawing/2014/main" id="{7AC9526A-CB72-4754-AA72-48A3A2330376}"/>
+              </a:ext>
+            </a:extLst>
+          </p:cNvPr>
+          <p:cNvSpPr txBox="1"/>
+          <p:nvPr/>
+        </p:nvSpPr>
+        <p:spPr>
+          <a:xfrm>
+            <a:off x="763587" y="1876926"/>
+            <a:ext cx="10668000" cy="4154984"/>
+          </a:xfrm>
+          <a:prstGeom prst="rect">
+            <a:avLst/>
+          </a:prstGeom>
+          <a:noFill/>
+        </p:spPr>
+        <p:txBody>
+          <a:bodyPr wrap="square" lIns="0" tIns="0" rIns="0" bIns="0" rtlCol="0">
+            <a:spAutoFit/>
+          </a:bodyPr>
+          <a:lstStyle/>
+          <a:p>
+            <a:pPr marL="285750" indent="-285750" fontAlgn="base">
+              <a:spcBef>
+                <a:spcPct val="50000"/>
+              </a:spcBef>
+              <a:spcAft>
+                <a:spcPct val="0"/>
+              </a:spcAft>
+              <a:buClr>
+                <a:srgbClr val="F0AB00"/>
+              </a:buClr>
+              <a:buSzPct val="80000"/>
+              <a:buFont typeface="Wingdings" panose="05000000000000000000" pitchFamily="2" charset="2"/>
+              <a:buChar char="n"/>
+            </a:pPr>
+            <a:r>
+              <a:rPr lang="en-US" altLang="zh-CN" sz="2000" b="1" kern="0" dirty="0" err="1">
+                <a:ea typeface="Arial Unicode MS" pitchFamily="34" charset="-128"/>
+                <a:cs typeface="Arial Unicode MS" pitchFamily="34" charset="-128"/>
+              </a:rPr>
+              <a:t>WiredTiger</a:t>
+            </a:r>
+            <a:r>
+              <a:rPr lang="en-US" altLang="zh-CN" sz="2000" b="1" kern="0" dirty="0">
+                <a:ea typeface="Arial Unicode MS" pitchFamily="34" charset="-128"/>
+                <a:cs typeface="Arial Unicode MS" pitchFamily="34" charset="-128"/>
+              </a:rPr>
+              <a:t> Storage Engine</a:t>
+            </a:r>
+            <a:r>
+              <a:rPr lang="en-US" altLang="zh-CN" sz="2000" b="1" i="1" kern="0" dirty="0">
+                <a:ea typeface="Arial Unicode MS" pitchFamily="34" charset="-128"/>
+                <a:cs typeface="Arial Unicode MS" pitchFamily="34" charset="-128"/>
+              </a:rPr>
+              <a:t>(Default)</a:t>
+            </a:r>
+          </a:p>
+          <a:p>
+            <a:pPr marL="830138" lvl="1" indent="-285750" fontAlgn="base">
+              <a:spcBef>
+                <a:spcPct val="50000"/>
+              </a:spcBef>
+              <a:spcAft>
+                <a:spcPct val="0"/>
+              </a:spcAft>
+              <a:buClr>
+                <a:srgbClr val="F0AB00"/>
+              </a:buClr>
+              <a:buSzPct val="80000"/>
+              <a:buFont typeface="Wingdings" panose="05000000000000000000" pitchFamily="2" charset="2"/>
+              <a:buChar char="n"/>
+            </a:pPr>
+            <a:r>
+              <a:rPr lang="en-US" altLang="zh-CN" sz="2000" kern="0" dirty="0">
+                <a:ea typeface="Arial Unicode MS" pitchFamily="34" charset="-128"/>
+                <a:cs typeface="Arial Unicode MS" pitchFamily="34" charset="-128"/>
+              </a:rPr>
+              <a:t>provide a document-level concurrency model, checkpointing and compression, among other features.</a:t>
+            </a:r>
+          </a:p>
+          <a:p>
+            <a:pPr marL="830138" lvl="1" indent="-285750" fontAlgn="base">
+              <a:spcBef>
+                <a:spcPct val="50000"/>
+              </a:spcBef>
+              <a:spcAft>
+                <a:spcPct val="0"/>
+              </a:spcAft>
+              <a:buClr>
+                <a:srgbClr val="F0AB00"/>
+              </a:buClr>
+              <a:buSzPct val="80000"/>
+              <a:buFont typeface="Wingdings" panose="05000000000000000000" pitchFamily="2" charset="2"/>
+              <a:buChar char="n"/>
+            </a:pPr>
+            <a:r>
+              <a:rPr lang="en-US" altLang="zh-CN" sz="2000" kern="0" dirty="0">
+                <a:ea typeface="Arial Unicode MS" pitchFamily="34" charset="-128"/>
+                <a:cs typeface="Arial Unicode MS" pitchFamily="34" charset="-128"/>
+              </a:rPr>
+              <a:t>In MongoDB Enterprise, it </a:t>
+            </a:r>
+            <a:r>
+              <a:rPr lang="en-US" altLang="zh-CN" sz="2000" kern="0" dirty="0" err="1">
+                <a:ea typeface="Arial Unicode MS" pitchFamily="34" charset="-128"/>
+                <a:cs typeface="Arial Unicode MS" pitchFamily="34" charset="-128"/>
+              </a:rPr>
+              <a:t>alse</a:t>
+            </a:r>
+            <a:r>
+              <a:rPr lang="en-US" altLang="zh-CN" sz="2000" kern="0" dirty="0">
+                <a:ea typeface="Arial Unicode MS" pitchFamily="34" charset="-128"/>
+                <a:cs typeface="Arial Unicode MS" pitchFamily="34" charset="-128"/>
+              </a:rPr>
+              <a:t> supports Encryption at Rest.</a:t>
+            </a:r>
+          </a:p>
+          <a:p>
+            <a:pPr marL="285750" indent="-285750" fontAlgn="base">
+              <a:spcBef>
+                <a:spcPct val="50000"/>
+              </a:spcBef>
+              <a:spcAft>
+                <a:spcPct val="0"/>
+              </a:spcAft>
+              <a:buClr>
+                <a:srgbClr val="F0AB00"/>
+              </a:buClr>
+              <a:buSzPct val="80000"/>
+              <a:buFont typeface="Wingdings" panose="05000000000000000000" pitchFamily="2" charset="2"/>
+              <a:buChar char="n"/>
+            </a:pPr>
+            <a:r>
+              <a:rPr lang="en-US" altLang="zh-CN" sz="2000" b="1" kern="0" dirty="0">
+                <a:ea typeface="Arial Unicode MS" pitchFamily="34" charset="-128"/>
+                <a:cs typeface="Arial Unicode MS" pitchFamily="34" charset="-128"/>
+              </a:rPr>
+              <a:t>In-Memory Storage Engine</a:t>
+            </a:r>
+            <a:endParaRPr lang="en-US" altLang="zh-CN" sz="2000" b="1" i="1" kern="0" dirty="0">
+              <a:ea typeface="Arial Unicode MS" pitchFamily="34" charset="-128"/>
+              <a:cs typeface="Arial Unicode MS" pitchFamily="34" charset="-128"/>
+            </a:endParaRPr>
+          </a:p>
+          <a:p>
+            <a:pPr marL="830138" lvl="1" indent="-285750" fontAlgn="base">
+              <a:spcBef>
+                <a:spcPct val="50000"/>
+              </a:spcBef>
+              <a:spcAft>
+                <a:spcPct val="0"/>
+              </a:spcAft>
+              <a:buClr>
+                <a:srgbClr val="F0AB00"/>
+              </a:buClr>
+              <a:buSzPct val="80000"/>
+              <a:buFont typeface="Wingdings" panose="05000000000000000000" pitchFamily="2" charset="2"/>
+              <a:buChar char="n"/>
+            </a:pPr>
+            <a:r>
+              <a:rPr lang="en-US" altLang="zh-CN" sz="2000" kern="0" dirty="0">
+                <a:ea typeface="Arial Unicode MS" pitchFamily="34" charset="-128"/>
+                <a:cs typeface="Arial Unicode MS" pitchFamily="34" charset="-128"/>
+              </a:rPr>
+              <a:t>Available in MongoDB Enterprise</a:t>
+            </a:r>
+          </a:p>
+          <a:p>
+            <a:pPr marL="830138" lvl="1" indent="-285750" fontAlgn="base">
+              <a:spcBef>
+                <a:spcPct val="50000"/>
+              </a:spcBef>
+              <a:spcAft>
+                <a:spcPct val="0"/>
+              </a:spcAft>
+              <a:buClr>
+                <a:srgbClr val="F0AB00"/>
+              </a:buClr>
+              <a:buSzPct val="80000"/>
+              <a:buFont typeface="Wingdings" panose="05000000000000000000" pitchFamily="2" charset="2"/>
+              <a:buChar char="n"/>
+            </a:pPr>
+            <a:r>
+              <a:rPr lang="en-US" altLang="zh-CN" sz="2000" kern="0" dirty="0">
+                <a:ea typeface="Arial Unicode MS" pitchFamily="34" charset="-128"/>
+                <a:cs typeface="Arial Unicode MS" pitchFamily="34" charset="-128"/>
+              </a:rPr>
+              <a:t>Rather than storing documents on-disk, it retains them in-memory for more predictable data latencies.</a:t>
+            </a:r>
+          </a:p>
+          <a:p>
+            <a:pPr marL="830138" lvl="1" indent="-285750" fontAlgn="base">
+              <a:spcBef>
+                <a:spcPct val="50000"/>
+              </a:spcBef>
+              <a:spcAft>
+                <a:spcPct val="0"/>
+              </a:spcAft>
+              <a:buClr>
+                <a:srgbClr val="F0AB00"/>
+              </a:buClr>
+              <a:buSzPct val="80000"/>
+              <a:buFont typeface="Wingdings" panose="05000000000000000000" pitchFamily="2" charset="2"/>
+              <a:buChar char="n"/>
+            </a:pPr>
+            <a:endParaRPr lang="en-US" altLang="zh-CN" sz="2000" kern="0" dirty="0">
+              <a:ea typeface="Arial Unicode MS" pitchFamily="34" charset="-128"/>
+              <a:cs typeface="Arial Unicode MS" pitchFamily="34" charset="-128"/>
+            </a:endParaRPr>
+          </a:p>
+          <a:p>
+            <a:pPr marL="285750" indent="-285750" fontAlgn="base">
+              <a:spcBef>
+                <a:spcPct val="50000"/>
+              </a:spcBef>
+              <a:spcAft>
+                <a:spcPct val="0"/>
+              </a:spcAft>
+              <a:buClr>
+                <a:srgbClr val="F0AB00"/>
+              </a:buClr>
+              <a:buSzPct val="80000"/>
+              <a:buFont typeface="Wingdings" panose="05000000000000000000" pitchFamily="2" charset="2"/>
+              <a:buChar char="n"/>
+            </a:pPr>
+            <a:endParaRPr lang="zh-CN" altLang="en-US" sz="2000" kern="0" dirty="0" err="1">
+              <a:ea typeface="Arial Unicode MS" pitchFamily="34" charset="-128"/>
+              <a:cs typeface="Arial Unicode MS" pitchFamily="34" charset="-128"/>
+            </a:endParaRPr>
+          </a:p>
+        </p:txBody>
+      </p:sp>
+    </p:spTree>
+    <p:extLst>
+      <p:ext uri="{BB962C8B-B14F-4D97-AF65-F5344CB8AC3E}">
+        <p14:creationId xmlns:p14="http://schemas.microsoft.com/office/powerpoint/2010/main" val="1156535004"/>
+      </p:ext>
+    </p:extLst>
+  </p:cSld>
+  <p:clrMapOvr>
+    <a:masterClrMapping/>
+  </p:clrMapOvr>
+</p:sld>
+</file>
+
+<file path=ppt/slides/slide14.xml><?xml version="1.0" encoding="utf-8"?>
+<p:sld xmlns:a="http://schemas.openxmlformats.org/drawingml/2006/main" xmlns:r="http://schemas.openxmlformats.org/officeDocument/2006/relationships" xmlns:p="http://schemas.openxmlformats.org/presentationml/2006/main">
+  <p:cSld>
+    <p:spTree>
+      <p:nvGrpSpPr>
+        <p:cNvPr id="1" name=""/>
+        <p:cNvGrpSpPr/>
+        <p:nvPr/>
+      </p:nvGrpSpPr>
+      <p:grpSpPr>
+        <a:xfrm>
+          <a:off x="0" y="0"/>
+          <a:ext cx="0" cy="0"/>
+          <a:chOff x="0" y="0"/>
+          <a:chExt cx="0" cy="0"/>
+        </a:xfrm>
+      </p:grpSpPr>
+      <p:sp>
+        <p:nvSpPr>
+          <p:cNvPr id="3" name="Divider"/>
+          <p:cNvSpPr>
+            <a:spLocks noGrp="1"/>
+          </p:cNvSpPr>
+          <p:nvPr>
+            <p:ph type="ctrTitle"/>
+          </p:nvPr>
+        </p:nvSpPr>
+        <p:spPr bwMode="gray"/>
+        <p:txBody>
+          <a:bodyPr/>
+          <a:lstStyle/>
+          <a:p>
+            <a:r>
+              <a:rPr lang="en-US" dirty="0"/>
+              <a:t>Divider </a:t>
+            </a:r>
+            <a:r>
+              <a:rPr lang="en-US" dirty="0">
+                <a:solidFill>
+                  <a:schemeClr val="accent1"/>
+                </a:solidFill>
+              </a:rPr>
+              <a:t>page</a:t>
+            </a:r>
+            <a:endParaRPr lang="en-US" dirty="0"/>
+          </a:p>
+        </p:txBody>
+      </p:sp>
+      <p:pic>
+        <p:nvPicPr>
+          <p:cNvPr id="6" name="Illustration" descr="Example of an illustration " title="Illustration for divider page"/>
+          <p:cNvPicPr>
+            <a:picLocks noGrp="1" noChangeAspect="1"/>
+          </p:cNvPicPr>
+          <p:nvPr>
+            <p:ph type="pic" sz="quarter" idx="12"/>
+          </p:nvPr>
+        </p:nvPicPr>
+        <p:blipFill>
+          <a:blip r:embed="rId2"/>
+          <a:srcRect t="3112" b="3112"/>
+          <a:stretch>
+            <a:fillRect/>
+          </a:stretch>
+        </p:blipFill>
+        <p:spPr bwMode="gray"/>
+      </p:pic>
+    </p:spTree>
+    <p:extLst>
+      <p:ext uri="{BB962C8B-B14F-4D97-AF65-F5344CB8AC3E}">
+        <p14:creationId xmlns:p14="http://schemas.microsoft.com/office/powerpoint/2010/main" val="3452913589"/>
+      </p:ext>
+    </p:extLst>
+  </p:cSld>
+  <p:clrMapOvr>
+    <a:masterClrMapping/>
+  </p:clrMapOvr>
+</p:sld>
+</file>
+
+<file path=ppt/slides/slide15.xml><?xml version="1.0" encoding="utf-8"?>
+<p:sld xmlns:a="http://schemas.openxmlformats.org/drawingml/2006/main" xmlns:r="http://schemas.openxmlformats.org/officeDocument/2006/relationships" xmlns:p="http://schemas.openxmlformats.org/presentationml/2006/main">
+  <p:cSld>
+    <p:spTree>
+      <p:nvGrpSpPr>
+        <p:cNvPr id="1" name=""/>
+        <p:cNvGrpSpPr/>
+        <p:nvPr/>
+      </p:nvGrpSpPr>
+      <p:grpSpPr>
+        <a:xfrm>
+          <a:off x="0" y="0"/>
+          <a:ext cx="0" cy="0"/>
+          <a:chOff x="0" y="0"/>
+          <a:chExt cx="0" cy="0"/>
+        </a:xfrm>
+      </p:grpSpPr>
+      <p:sp>
+        <p:nvSpPr>
+          <p:cNvPr id="2" name="Title"/>
+          <p:cNvSpPr>
+            <a:spLocks noGrp="1"/>
+          </p:cNvSpPr>
+          <p:nvPr>
+            <p:ph type="title"/>
+          </p:nvPr>
+        </p:nvSpPr>
+        <p:spPr bwMode="gray"/>
+        <p:txBody>
+          <a:bodyPr/>
+          <a:lstStyle/>
+          <a:p>
+            <a:r>
+              <a:rPr lang="en-US" dirty="0"/>
+              <a:t>Key Features of MongoDB</a:t>
+            </a:r>
+          </a:p>
+        </p:txBody>
+      </p:sp>
+    </p:spTree>
+    <p:extLst>
+      <p:ext uri="{BB962C8B-B14F-4D97-AF65-F5344CB8AC3E}">
+        <p14:creationId xmlns:p14="http://schemas.microsoft.com/office/powerpoint/2010/main" val="4261924505"/>
+      </p:ext>
+    </p:extLst>
+  </p:cSld>
+  <p:clrMapOvr>
+    <a:masterClrMapping/>
+  </p:clrMapOvr>
+</p:sld>
+</file>
+
+<file path=ppt/slides/slide16.xml><?xml version="1.0" encoding="utf-8"?>
+<p:sld xmlns:a="http://schemas.openxmlformats.org/drawingml/2006/main" xmlns:r="http://schemas.openxmlformats.org/officeDocument/2006/relationships" xmlns:p="http://schemas.openxmlformats.org/presentationml/2006/main">
+  <p:cSld>
+    <p:spTree>
+      <p:nvGrpSpPr>
+        <p:cNvPr id="1" name=""/>
+        <p:cNvGrpSpPr/>
+        <p:nvPr/>
+      </p:nvGrpSpPr>
+      <p:grpSpPr>
+        <a:xfrm>
+          <a:off x="0" y="0"/>
+          <a:ext cx="0" cy="0"/>
+          <a:chOff x="0" y="0"/>
+          <a:chExt cx="0" cy="0"/>
+        </a:xfrm>
+      </p:grpSpPr>
+      <p:sp>
+        <p:nvSpPr>
+          <p:cNvPr id="2" name="Title"/>
+          <p:cNvSpPr>
+            <a:spLocks noGrp="1"/>
+          </p:cNvSpPr>
+          <p:nvPr>
+            <p:ph type="title"/>
+          </p:nvPr>
+        </p:nvSpPr>
+        <p:spPr bwMode="gray"/>
+        <p:txBody>
+          <a:bodyPr/>
+          <a:lstStyle/>
+          <a:p>
+            <a:r>
+              <a:rPr lang="en-US" dirty="0"/>
+              <a:t>Key Features of MongoDB</a:t>
+            </a:r>
+          </a:p>
+        </p:txBody>
+      </p:sp>
+    </p:spTree>
+    <p:extLst>
+      <p:ext uri="{BB962C8B-B14F-4D97-AF65-F5344CB8AC3E}">
+        <p14:creationId xmlns:p14="http://schemas.microsoft.com/office/powerpoint/2010/main" val="2723649896"/>
+      </p:ext>
+    </p:extLst>
+  </p:cSld>
+  <p:clrMapOvr>
+    <a:masterClrMapping/>
+  </p:clrMapOvr>
+</p:sld>
+</file>
+
+<file path=ppt/slides/slide17.xml><?xml version="1.0" encoding="utf-8"?>
+<p:sld xmlns:a="http://schemas.openxmlformats.org/drawingml/2006/main" xmlns:r="http://schemas.openxmlformats.org/officeDocument/2006/relationships" xmlns:p="http://schemas.openxmlformats.org/presentationml/2006/main">
+  <p:cSld>
+    <p:spTree>
+      <p:nvGrpSpPr>
+        <p:cNvPr id="1" name=""/>
+        <p:cNvGrpSpPr/>
+        <p:nvPr/>
+      </p:nvGrpSpPr>
+      <p:grpSpPr>
+        <a:xfrm>
+          <a:off x="0" y="0"/>
+          <a:ext cx="0" cy="0"/>
+          <a:chOff x="0" y="0"/>
+          <a:chExt cx="0" cy="0"/>
+        </a:xfrm>
+      </p:grpSpPr>
+      <p:sp>
+        <p:nvSpPr>
+          <p:cNvPr id="3" name="Divider"/>
+          <p:cNvSpPr>
+            <a:spLocks noGrp="1"/>
+          </p:cNvSpPr>
+          <p:nvPr>
+            <p:ph type="ctrTitle"/>
+          </p:nvPr>
+        </p:nvSpPr>
+        <p:spPr bwMode="gray"/>
+        <p:txBody>
+          <a:bodyPr/>
+          <a:lstStyle/>
+          <a:p>
+            <a:r>
+              <a:rPr lang="en-US" dirty="0"/>
+              <a:t>Divider </a:t>
+            </a:r>
+            <a:r>
+              <a:rPr lang="en-US" dirty="0">
+                <a:solidFill>
+                  <a:schemeClr val="accent1"/>
+                </a:solidFill>
+              </a:rPr>
+              <a:t>page</a:t>
+            </a:r>
+            <a:endParaRPr lang="en-US" dirty="0"/>
+          </a:p>
+        </p:txBody>
+      </p:sp>
+      <p:pic>
+        <p:nvPicPr>
+          <p:cNvPr id="6" name="Illustration" descr="Example of an illustration " title="Illustration for divider page"/>
+          <p:cNvPicPr>
+            <a:picLocks noGrp="1" noChangeAspect="1"/>
+          </p:cNvPicPr>
+          <p:nvPr>
+            <p:ph type="pic" sz="quarter" idx="12"/>
+          </p:nvPr>
+        </p:nvPicPr>
+        <p:blipFill>
+          <a:blip r:embed="rId2"/>
+          <a:srcRect t="3112" b="3112"/>
+          <a:stretch>
+            <a:fillRect/>
+          </a:stretch>
+        </p:blipFill>
+        <p:spPr bwMode="gray"/>
+      </p:pic>
+    </p:spTree>
+    <p:extLst>
+      <p:ext uri="{BB962C8B-B14F-4D97-AF65-F5344CB8AC3E}">
+        <p14:creationId xmlns:p14="http://schemas.microsoft.com/office/powerpoint/2010/main" val="1515423877"/>
+      </p:ext>
+    </p:extLst>
+  </p:cSld>
+  <p:clrMapOvr>
+    <a:masterClrMapping/>
+  </p:clrMapOvr>
+</p:sld>
+</file>
+
+<file path=ppt/slides/slide18.xml><?xml version="1.0" encoding="utf-8"?>
+<p:sld xmlns:a="http://schemas.openxmlformats.org/drawingml/2006/main" xmlns:r="http://schemas.openxmlformats.org/officeDocument/2006/relationships" xmlns:p="http://schemas.openxmlformats.org/presentationml/2006/main">
+  <p:cSld>
+    <p:spTree>
+      <p:nvGrpSpPr>
+        <p:cNvPr id="1" name=""/>
+        <p:cNvGrpSpPr/>
+        <p:nvPr/>
+      </p:nvGrpSpPr>
+      <p:grpSpPr>
+        <a:xfrm>
+          <a:off x="0" y="0"/>
+          <a:ext cx="0" cy="0"/>
+          <a:chOff x="0" y="0"/>
+          <a:chExt cx="0" cy="0"/>
+        </a:xfrm>
+      </p:grpSpPr>
+      <p:sp>
+        <p:nvSpPr>
           <p:cNvPr id="24" name="Title"/>
           <p:cNvSpPr>
             <a:spLocks noGrp="1"/>
@@ -8754,7 +10146,7 @@
 </p:sld>
 </file>
 
-<file path=ppt/slides/slide11.xml><?xml version="1.0" encoding="utf-8"?>
+<file path=ppt/slides/slide19.xml><?xml version="1.0" encoding="utf-8"?>
 <p:sld xmlns:a="http://schemas.openxmlformats.org/drawingml/2006/main" xmlns:r="http://schemas.openxmlformats.org/officeDocument/2006/relationships" xmlns:p="http://schemas.openxmlformats.org/presentationml/2006/main">
   <p:cSld>
     <p:spTree>
@@ -9222,688 +10614,6 @@
 </p:sld>
 </file>
 
-<file path=ppt/slides/slide12.xml><?xml version="1.0" encoding="utf-8"?>
-<p:sld xmlns:a="http://schemas.openxmlformats.org/drawingml/2006/main" xmlns:r="http://schemas.openxmlformats.org/officeDocument/2006/relationships" xmlns:p="http://schemas.openxmlformats.org/presentationml/2006/main">
-  <p:cSld>
-    <p:spTree>
-      <p:nvGrpSpPr>
-        <p:cNvPr id="1" name=""/>
-        <p:cNvGrpSpPr/>
-        <p:nvPr/>
-      </p:nvGrpSpPr>
-      <p:grpSpPr>
-        <a:xfrm>
-          <a:off x="0" y="0"/>
-          <a:ext cx="0" cy="0"/>
-          <a:chOff x="0" y="0"/>
-          <a:chExt cx="0" cy="0"/>
-        </a:xfrm>
-      </p:grpSpPr>
-      <p:sp>
-        <p:nvSpPr>
-          <p:cNvPr id="2" name="Text Placeholder">
-            <a:extLst>
-              <a:ext uri="{FF2B5EF4-FFF2-40B4-BE49-F238E27FC236}">
-                <a16:creationId xmlns:a16="http://schemas.microsoft.com/office/drawing/2014/main" id="{FD8B0406-B42D-4E48-A077-1006CEECE8B8}"/>
-              </a:ext>
-            </a:extLst>
-          </p:cNvPr>
-          <p:cNvSpPr>
-            <a:spLocks noGrp="1"/>
-          </p:cNvSpPr>
-          <p:nvPr>
-            <p:ph type="body" sz="quarter" idx="10"/>
-          </p:nvPr>
-        </p:nvSpPr>
-        <p:spPr/>
-        <p:txBody>
-          <a:bodyPr/>
-          <a:lstStyle/>
-          <a:p>
-            <a:pPr lvl="0"/>
-            <a:r>
-              <a:rPr lang="en-US" dirty="0"/>
-              <a:t>First level</a:t>
-            </a:r>
-          </a:p>
-          <a:p>
-            <a:pPr lvl="1"/>
-            <a:r>
-              <a:rPr lang="en-US" dirty="0"/>
-              <a:t>Second level</a:t>
-            </a:r>
-          </a:p>
-          <a:p>
-            <a:pPr lvl="2"/>
-            <a:r>
-              <a:rPr lang="en-US" dirty="0"/>
-              <a:t>Third level</a:t>
-            </a:r>
-          </a:p>
-        </p:txBody>
-      </p:sp>
-      <p:sp>
-        <p:nvSpPr>
-          <p:cNvPr id="3" name="Title">
-            <a:extLst>
-              <a:ext uri="{FF2B5EF4-FFF2-40B4-BE49-F238E27FC236}">
-                <a16:creationId xmlns:a16="http://schemas.microsoft.com/office/drawing/2014/main" id="{D36C6BFD-B684-44BB-8F4D-37456D097F1B}"/>
-              </a:ext>
-            </a:extLst>
-          </p:cNvPr>
-          <p:cNvSpPr>
-            <a:spLocks noGrp="1"/>
-          </p:cNvSpPr>
-          <p:nvPr>
-            <p:ph type="title"/>
-          </p:nvPr>
-        </p:nvSpPr>
-        <p:spPr/>
-        <p:txBody>
-          <a:bodyPr/>
-          <a:lstStyle/>
-          <a:p>
-            <a:r>
-              <a:rPr lang="en-US" dirty="0"/>
-              <a:t>Insert page title (sentence case)</a:t>
-            </a:r>
-          </a:p>
-        </p:txBody>
-      </p:sp>
-    </p:spTree>
-    <p:extLst>
-      <p:ext uri="{BB962C8B-B14F-4D97-AF65-F5344CB8AC3E}">
-        <p14:creationId xmlns:p14="http://schemas.microsoft.com/office/powerpoint/2010/main" val="4007524871"/>
-      </p:ext>
-    </p:extLst>
-  </p:cSld>
-  <p:clrMapOvr>
-    <a:masterClrMapping/>
-  </p:clrMapOvr>
-</p:sld>
-</file>
-
-<file path=ppt/slides/slide13.xml><?xml version="1.0" encoding="utf-8"?>
-<p:sld xmlns:a="http://schemas.openxmlformats.org/drawingml/2006/main" xmlns:r="http://schemas.openxmlformats.org/officeDocument/2006/relationships" xmlns:p="http://schemas.openxmlformats.org/presentationml/2006/main">
-  <p:cSld>
-    <p:spTree>
-      <p:nvGrpSpPr>
-        <p:cNvPr id="1" name=""/>
-        <p:cNvGrpSpPr/>
-        <p:nvPr/>
-      </p:nvGrpSpPr>
-      <p:grpSpPr>
-        <a:xfrm>
-          <a:off x="0" y="0"/>
-          <a:ext cx="0" cy="0"/>
-          <a:chOff x="0" y="0"/>
-          <a:chExt cx="0" cy="0"/>
-        </a:xfrm>
-      </p:grpSpPr>
-      <p:sp>
-        <p:nvSpPr>
-          <p:cNvPr id="11" name="Text Placeholder"/>
-          <p:cNvSpPr>
-            <a:spLocks noGrp="1"/>
-          </p:cNvSpPr>
-          <p:nvPr>
-            <p:ph type="body" sz="quarter" idx="10"/>
-          </p:nvPr>
-        </p:nvSpPr>
-        <p:spPr bwMode="gray"/>
-        <p:txBody>
-          <a:bodyPr/>
-          <a:lstStyle/>
-          <a:p>
-            <a:pPr lvl="0"/>
-            <a:r>
-              <a:rPr lang="en-US" dirty="0"/>
-              <a:t>First level</a:t>
-            </a:r>
-          </a:p>
-          <a:p>
-            <a:pPr lvl="1"/>
-            <a:r>
-              <a:rPr lang="en-US" dirty="0"/>
-              <a:t>Second level</a:t>
-            </a:r>
-          </a:p>
-          <a:p>
-            <a:pPr lvl="2"/>
-            <a:r>
-              <a:rPr lang="en-US" dirty="0"/>
-              <a:t>Third level</a:t>
-            </a:r>
-          </a:p>
-        </p:txBody>
-      </p:sp>
-      <p:sp>
-        <p:nvSpPr>
-          <p:cNvPr id="4" name="Title"/>
-          <p:cNvSpPr>
-            <a:spLocks noGrp="1"/>
-          </p:cNvSpPr>
-          <p:nvPr>
-            <p:ph type="title"/>
-          </p:nvPr>
-        </p:nvSpPr>
-        <p:spPr bwMode="gray">
-          <a:xfrm>
-            <a:off x="504001" y="504000"/>
-            <a:ext cx="11186476" cy="646331"/>
-          </a:xfrm>
-        </p:spPr>
-        <p:txBody>
-          <a:bodyPr/>
-          <a:lstStyle/>
-          <a:p>
-            <a:r>
-              <a:rPr lang="en-US" dirty="0"/>
-              <a:t>Insert page title (sentence case)</a:t>
-            </a:r>
-            <a:br>
-              <a:rPr lang="en-US" dirty="0"/>
-            </a:br>
-            <a:r>
-              <a:rPr lang="en-US" sz="1800" b="0" dirty="0" err="1"/>
-              <a:t>Subheadline</a:t>
-            </a:r>
-            <a:endParaRPr lang="en-US" b="0" dirty="0"/>
-          </a:p>
-        </p:txBody>
-      </p:sp>
-    </p:spTree>
-    <p:extLst>
-      <p:ext uri="{BB962C8B-B14F-4D97-AF65-F5344CB8AC3E}">
-        <p14:creationId xmlns:p14="http://schemas.microsoft.com/office/powerpoint/2010/main" val="1196408533"/>
-      </p:ext>
-    </p:extLst>
-  </p:cSld>
-  <p:clrMapOvr>
-    <a:masterClrMapping/>
-  </p:clrMapOvr>
-</p:sld>
-</file>
-
-<file path=ppt/slides/slide14.xml><?xml version="1.0" encoding="utf-8"?>
-<p:sld xmlns:a="http://schemas.openxmlformats.org/drawingml/2006/main" xmlns:r="http://schemas.openxmlformats.org/officeDocument/2006/relationships" xmlns:p="http://schemas.openxmlformats.org/presentationml/2006/main">
-  <p:cSld>
-    <p:spTree>
-      <p:nvGrpSpPr>
-        <p:cNvPr id="1" name=""/>
-        <p:cNvGrpSpPr/>
-        <p:nvPr/>
-      </p:nvGrpSpPr>
-      <p:grpSpPr>
-        <a:xfrm>
-          <a:off x="0" y="0"/>
-          <a:ext cx="0" cy="0"/>
-          <a:chOff x="0" y="0"/>
-          <a:chExt cx="0" cy="0"/>
-        </a:xfrm>
-      </p:grpSpPr>
-      <p:sp>
-        <p:nvSpPr>
-          <p:cNvPr id="11" name="Quote placeholder"/>
-          <p:cNvSpPr>
-            <a:spLocks noGrp="1"/>
-          </p:cNvSpPr>
-          <p:nvPr>
-            <p:ph type="body" sz="quarter" idx="10"/>
-          </p:nvPr>
-        </p:nvSpPr>
-        <p:spPr bwMode="gray"/>
-        <p:txBody>
-          <a:bodyPr/>
-          <a:lstStyle/>
-          <a:p>
-            <a:pPr lvl="0"/>
-            <a:r>
-              <a:rPr lang="en-US" dirty="0"/>
-              <a:t>“Quote goes here and here </a:t>
-            </a:r>
-            <a:r>
-              <a:rPr lang="en-US" dirty="0">
-                <a:solidFill>
-                  <a:schemeClr val="accent1"/>
-                </a:solidFill>
-              </a:rPr>
-              <a:t>and here</a:t>
-            </a:r>
-            <a:r>
-              <a:rPr lang="en-US" dirty="0"/>
-              <a:t>.”</a:t>
-            </a:r>
-          </a:p>
-          <a:p>
-            <a:pPr lvl="1"/>
-            <a:r>
-              <a:rPr lang="en-US" dirty="0"/>
-              <a:t>Source</a:t>
-            </a:r>
-          </a:p>
-        </p:txBody>
-      </p:sp>
-    </p:spTree>
-    <p:extLst>
-      <p:ext uri="{BB962C8B-B14F-4D97-AF65-F5344CB8AC3E}">
-        <p14:creationId xmlns:p14="http://schemas.microsoft.com/office/powerpoint/2010/main" val="3295641251"/>
-      </p:ext>
-    </p:extLst>
-  </p:cSld>
-  <p:clrMapOvr>
-    <a:masterClrMapping/>
-  </p:clrMapOvr>
-</p:sld>
-</file>
-
-<file path=ppt/slides/slide15.xml><?xml version="1.0" encoding="utf-8"?>
-<p:sld xmlns:a="http://schemas.openxmlformats.org/drawingml/2006/main" xmlns:r="http://schemas.openxmlformats.org/officeDocument/2006/relationships" xmlns:p="http://schemas.openxmlformats.org/presentationml/2006/main">
-  <p:cSld>
-    <p:spTree>
-      <p:nvGrpSpPr>
-        <p:cNvPr id="1" name=""/>
-        <p:cNvGrpSpPr/>
-        <p:nvPr/>
-      </p:nvGrpSpPr>
-      <p:grpSpPr>
-        <a:xfrm>
-          <a:off x="0" y="0"/>
-          <a:ext cx="0" cy="0"/>
-          <a:chOff x="0" y="0"/>
-          <a:chExt cx="0" cy="0"/>
-        </a:xfrm>
-      </p:grpSpPr>
-      <p:sp>
-        <p:nvSpPr>
-          <p:cNvPr id="11" name="Quote placeholder"/>
-          <p:cNvSpPr>
-            <a:spLocks noGrp="1"/>
-          </p:cNvSpPr>
-          <p:nvPr>
-            <p:ph type="body" sz="quarter" idx="10"/>
-          </p:nvPr>
-        </p:nvSpPr>
-        <p:spPr bwMode="gray"/>
-        <p:txBody>
-          <a:bodyPr/>
-          <a:lstStyle/>
-          <a:p>
-            <a:pPr lvl="0"/>
-            <a:r>
-              <a:rPr lang="en-US" dirty="0"/>
-              <a:t>“Quote goes here and here </a:t>
-            </a:r>
-            <a:r>
-              <a:rPr lang="en-US" dirty="0">
-                <a:solidFill>
-                  <a:schemeClr val="accent1"/>
-                </a:solidFill>
-              </a:rPr>
-              <a:t>and here</a:t>
-            </a:r>
-            <a:r>
-              <a:rPr lang="en-US" dirty="0"/>
-              <a:t>.”</a:t>
-            </a:r>
-          </a:p>
-          <a:p>
-            <a:pPr lvl="1"/>
-            <a:r>
-              <a:rPr lang="en-US" dirty="0"/>
-              <a:t>Source</a:t>
-            </a:r>
-          </a:p>
-        </p:txBody>
-      </p:sp>
-    </p:spTree>
-    <p:extLst>
-      <p:ext uri="{BB962C8B-B14F-4D97-AF65-F5344CB8AC3E}">
-        <p14:creationId xmlns:p14="http://schemas.microsoft.com/office/powerpoint/2010/main" val="2010228457"/>
-      </p:ext>
-    </p:extLst>
-  </p:cSld>
-  <p:clrMapOvr>
-    <a:masterClrMapping/>
-  </p:clrMapOvr>
-</p:sld>
-</file>
-
-<file path=ppt/slides/slide16.xml><?xml version="1.0" encoding="utf-8"?>
-<p:sld xmlns:a="http://schemas.openxmlformats.org/drawingml/2006/main" xmlns:r="http://schemas.openxmlformats.org/officeDocument/2006/relationships" xmlns:p="http://schemas.openxmlformats.org/presentationml/2006/main">
-  <p:cSld>
-    <p:spTree>
-      <p:nvGrpSpPr>
-        <p:cNvPr id="1" name=""/>
-        <p:cNvGrpSpPr/>
-        <p:nvPr/>
-      </p:nvGrpSpPr>
-      <p:grpSpPr>
-        <a:xfrm>
-          <a:off x="0" y="0"/>
-          <a:ext cx="0" cy="0"/>
-          <a:chOff x="0" y="0"/>
-          <a:chExt cx="0" cy="0"/>
-        </a:xfrm>
-      </p:grpSpPr>
-      <p:sp>
-        <p:nvSpPr>
-          <p:cNvPr id="6" name="Picture Placeholder" descr="Placeholder for an image" title="Image placeholder content slide"/>
-          <p:cNvSpPr>
-            <a:spLocks noGrp="1"/>
-          </p:cNvSpPr>
-          <p:nvPr>
-            <p:ph type="pic" sz="quarter" idx="10"/>
-          </p:nvPr>
-        </p:nvSpPr>
-        <p:spPr bwMode="gray"/>
-      </p:sp>
-      <p:sp>
-        <p:nvSpPr>
-          <p:cNvPr id="4" name="Text Placeholder"/>
-          <p:cNvSpPr>
-            <a:spLocks noGrp="1"/>
-          </p:cNvSpPr>
-          <p:nvPr>
-            <p:ph type="body" sz="quarter" idx="11"/>
-          </p:nvPr>
-        </p:nvSpPr>
-        <p:spPr bwMode="gray"/>
-        <p:txBody>
-          <a:bodyPr/>
-          <a:lstStyle/>
-          <a:p>
-            <a:pPr lvl="0"/>
-            <a:r>
-              <a:rPr lang="en-US" dirty="0"/>
-              <a:t>First level</a:t>
-            </a:r>
-          </a:p>
-          <a:p>
-            <a:pPr lvl="1"/>
-            <a:r>
-              <a:rPr lang="en-US" dirty="0"/>
-              <a:t>Second level</a:t>
-            </a:r>
-          </a:p>
-          <a:p>
-            <a:pPr lvl="2"/>
-            <a:r>
-              <a:rPr lang="en-US" dirty="0"/>
-              <a:t>Third level</a:t>
-            </a:r>
-          </a:p>
-        </p:txBody>
-      </p:sp>
-      <p:sp>
-        <p:nvSpPr>
-          <p:cNvPr id="2" name="Title"/>
-          <p:cNvSpPr>
-            <a:spLocks noGrp="1"/>
-          </p:cNvSpPr>
-          <p:nvPr>
-            <p:ph type="title"/>
-          </p:nvPr>
-        </p:nvSpPr>
-        <p:spPr bwMode="gray"/>
-        <p:txBody>
-          <a:bodyPr/>
-          <a:lstStyle/>
-          <a:p>
-            <a:r>
-              <a:rPr lang="en-US" dirty="0"/>
-              <a:t>Insert page title (sentence case)</a:t>
-            </a:r>
-          </a:p>
-        </p:txBody>
-      </p:sp>
-    </p:spTree>
-    <p:extLst>
-      <p:ext uri="{BB962C8B-B14F-4D97-AF65-F5344CB8AC3E}">
-        <p14:creationId xmlns:p14="http://schemas.microsoft.com/office/powerpoint/2010/main" val="2468716513"/>
-      </p:ext>
-    </p:extLst>
-  </p:cSld>
-  <p:clrMapOvr>
-    <a:masterClrMapping/>
-  </p:clrMapOvr>
-</p:sld>
-</file>
-
-<file path=ppt/slides/slide17.xml><?xml version="1.0" encoding="utf-8"?>
-<p:sld xmlns:a="http://schemas.openxmlformats.org/drawingml/2006/main" xmlns:r="http://schemas.openxmlformats.org/officeDocument/2006/relationships" xmlns:p="http://schemas.openxmlformats.org/presentationml/2006/main">
-  <p:cSld>
-    <p:spTree>
-      <p:nvGrpSpPr>
-        <p:cNvPr id="1" name=""/>
-        <p:cNvGrpSpPr/>
-        <p:nvPr/>
-      </p:nvGrpSpPr>
-      <p:grpSpPr>
-        <a:xfrm>
-          <a:off x="0" y="0"/>
-          <a:ext cx="0" cy="0"/>
-          <a:chOff x="0" y="0"/>
-          <a:chExt cx="0" cy="0"/>
-        </a:xfrm>
-      </p:grpSpPr>
-      <p:sp>
-        <p:nvSpPr>
-          <p:cNvPr id="4" name="Text Placeholder"/>
-          <p:cNvSpPr>
-            <a:spLocks noGrp="1"/>
-          </p:cNvSpPr>
-          <p:nvPr>
-            <p:ph type="body" sz="quarter" idx="11"/>
-          </p:nvPr>
-        </p:nvSpPr>
-        <p:spPr bwMode="gray"/>
-        <p:txBody>
-          <a:bodyPr/>
-          <a:lstStyle/>
-          <a:p>
-            <a:pPr lvl="0"/>
-            <a:r>
-              <a:rPr lang="en-US"/>
-              <a:t>First level</a:t>
-            </a:r>
-          </a:p>
-          <a:p>
-            <a:pPr lvl="1"/>
-            <a:r>
-              <a:rPr lang="en-US"/>
-              <a:t>Second level</a:t>
-            </a:r>
-          </a:p>
-          <a:p>
-            <a:pPr lvl="2"/>
-            <a:r>
-              <a:rPr lang="en-US"/>
-              <a:t>Third level</a:t>
-            </a:r>
-            <a:endParaRPr lang="en-US" dirty="0"/>
-          </a:p>
-        </p:txBody>
-      </p:sp>
-      <p:sp>
-        <p:nvSpPr>
-          <p:cNvPr id="2" name="Title"/>
-          <p:cNvSpPr>
-            <a:spLocks noGrp="1"/>
-          </p:cNvSpPr>
-          <p:nvPr>
-            <p:ph type="title"/>
-          </p:nvPr>
-        </p:nvSpPr>
-        <p:spPr bwMode="gray"/>
-        <p:txBody>
-          <a:bodyPr/>
-          <a:lstStyle/>
-          <a:p>
-            <a:r>
-              <a:rPr lang="en-US" dirty="0"/>
-              <a:t>Insert page title (sentence case)</a:t>
-            </a:r>
-          </a:p>
-        </p:txBody>
-      </p:sp>
-    </p:spTree>
-    <p:extLst>
-      <p:ext uri="{BB962C8B-B14F-4D97-AF65-F5344CB8AC3E}">
-        <p14:creationId xmlns:p14="http://schemas.microsoft.com/office/powerpoint/2010/main" val="41562795"/>
-      </p:ext>
-    </p:extLst>
-  </p:cSld>
-  <p:clrMapOvr>
-    <a:masterClrMapping/>
-  </p:clrMapOvr>
-</p:sld>
-</file>
-
-<file path=ppt/slides/slide18.xml><?xml version="1.0" encoding="utf-8"?>
-<p:sld xmlns:a="http://schemas.openxmlformats.org/drawingml/2006/main" xmlns:r="http://schemas.openxmlformats.org/officeDocument/2006/relationships" xmlns:p="http://schemas.openxmlformats.org/presentationml/2006/main">
-  <p:cSld>
-    <p:spTree>
-      <p:nvGrpSpPr>
-        <p:cNvPr id="1" name=""/>
-        <p:cNvGrpSpPr/>
-        <p:nvPr/>
-      </p:nvGrpSpPr>
-      <p:grpSpPr>
-        <a:xfrm>
-          <a:off x="0" y="0"/>
-          <a:ext cx="0" cy="0"/>
-          <a:chOff x="0" y="0"/>
-          <a:chExt cx="0" cy="0"/>
-        </a:xfrm>
-      </p:grpSpPr>
-      <p:sp>
-        <p:nvSpPr>
-          <p:cNvPr id="6" name="Picture Placeholder" descr="Placeholder for an image" title="Image placeholder content slide"/>
-          <p:cNvSpPr>
-            <a:spLocks noGrp="1"/>
-          </p:cNvSpPr>
-          <p:nvPr>
-            <p:ph type="pic" sz="quarter" idx="10"/>
-          </p:nvPr>
-        </p:nvSpPr>
-        <p:spPr bwMode="gray"/>
-      </p:sp>
-      <p:sp>
-        <p:nvSpPr>
-          <p:cNvPr id="4" name="Text Placeholder"/>
-          <p:cNvSpPr>
-            <a:spLocks noGrp="1"/>
-          </p:cNvSpPr>
-          <p:nvPr>
-            <p:ph type="body" sz="quarter" idx="11"/>
-          </p:nvPr>
-        </p:nvSpPr>
-        <p:spPr bwMode="gray"/>
-        <p:txBody>
-          <a:bodyPr/>
-          <a:lstStyle/>
-          <a:p>
-            <a:pPr lvl="0"/>
-            <a:r>
-              <a:rPr lang="en-US"/>
-              <a:t>First level</a:t>
-            </a:r>
-          </a:p>
-          <a:p>
-            <a:pPr lvl="1"/>
-            <a:r>
-              <a:rPr lang="en-US"/>
-              <a:t>Second level</a:t>
-            </a:r>
-          </a:p>
-          <a:p>
-            <a:pPr lvl="2"/>
-            <a:r>
-              <a:rPr lang="en-US"/>
-              <a:t>Third level</a:t>
-            </a:r>
-            <a:endParaRPr lang="en-US" dirty="0"/>
-          </a:p>
-        </p:txBody>
-      </p:sp>
-      <p:sp>
-        <p:nvSpPr>
-          <p:cNvPr id="2" name="Title"/>
-          <p:cNvSpPr>
-            <a:spLocks noGrp="1"/>
-          </p:cNvSpPr>
-          <p:nvPr>
-            <p:ph type="title"/>
-          </p:nvPr>
-        </p:nvSpPr>
-        <p:spPr bwMode="gray"/>
-        <p:txBody>
-          <a:bodyPr/>
-          <a:lstStyle/>
-          <a:p>
-            <a:r>
-              <a:rPr lang="en-US" dirty="0"/>
-              <a:t>Insert page title (sentence case)</a:t>
-            </a:r>
-          </a:p>
-        </p:txBody>
-      </p:sp>
-    </p:spTree>
-    <p:extLst>
-      <p:ext uri="{BB962C8B-B14F-4D97-AF65-F5344CB8AC3E}">
-        <p14:creationId xmlns:p14="http://schemas.microsoft.com/office/powerpoint/2010/main" val="4154867534"/>
-      </p:ext>
-    </p:extLst>
-  </p:cSld>
-  <p:clrMapOvr>
-    <a:masterClrMapping/>
-  </p:clrMapOvr>
-</p:sld>
-</file>
-
-<file path=ppt/slides/slide19.xml><?xml version="1.0" encoding="utf-8"?>
-<p:sld xmlns:a="http://schemas.openxmlformats.org/drawingml/2006/main" xmlns:r="http://schemas.openxmlformats.org/officeDocument/2006/relationships" xmlns:p="http://schemas.openxmlformats.org/presentationml/2006/main">
-  <p:cSld>
-    <p:spTree>
-      <p:nvGrpSpPr>
-        <p:cNvPr id="1" name=""/>
-        <p:cNvGrpSpPr/>
-        <p:nvPr/>
-      </p:nvGrpSpPr>
-      <p:grpSpPr>
-        <a:xfrm>
-          <a:off x="0" y="0"/>
-          <a:ext cx="0" cy="0"/>
-          <a:chOff x="0" y="0"/>
-          <a:chExt cx="0" cy="0"/>
-        </a:xfrm>
-      </p:grpSpPr>
-      <p:sp>
-        <p:nvSpPr>
-          <p:cNvPr id="8" name="Picture Placeholder 7" descr="Image Placeholder" title="Image Placeholder"/>
-          <p:cNvSpPr>
-            <a:spLocks noGrp="1"/>
-          </p:cNvSpPr>
-          <p:nvPr>
-            <p:ph type="pic" sz="quarter" idx="10"/>
-          </p:nvPr>
-        </p:nvSpPr>
-        <p:spPr bwMode="gray"/>
-      </p:sp>
-    </p:spTree>
-    <p:extLst>
-      <p:ext uri="{BB962C8B-B14F-4D97-AF65-F5344CB8AC3E}">
-        <p14:creationId xmlns:p14="http://schemas.microsoft.com/office/powerpoint/2010/main" val="1840057824"/>
-      </p:ext>
-    </p:extLst>
-  </p:cSld>
-  <p:clrMapOvr>
-    <a:masterClrMapping/>
-  </p:clrMapOvr>
-</p:sld>
-</file>
-
 <file path=ppt/slides/slide2.xml><?xml version="1.0" encoding="utf-8"?>
 <p:sld xmlns:a="http://schemas.openxmlformats.org/drawingml/2006/main" xmlns:r="http://schemas.openxmlformats.org/officeDocument/2006/relationships" xmlns:p="http://schemas.openxmlformats.org/presentationml/2006/main">
   <p:cSld>
@@ -9950,9 +10660,10 @@
           </a:p>
           <a:p>
             <a:r>
-              <a:rPr lang="en-US" dirty="0"/>
-              <a:t>Agenda item/divider headline</a:t>
-            </a:r>
+              <a:rPr lang="en-US" altLang="zh-CN" b="1" dirty="0"/>
+              <a:t>Technique of MongoDB</a:t>
+            </a:r>
+            <a:endParaRPr lang="en-US" b="1" dirty="0"/>
           </a:p>
           <a:p>
             <a:pPr lvl="1"/>
@@ -10038,45 +10749,13 @@
       </p:grpSpPr>
       <p:sp>
         <p:nvSpPr>
-          <p:cNvPr id="9" name="Text Placeholder column 2"/>
-          <p:cNvSpPr>
-            <a:spLocks noGrp="1"/>
-          </p:cNvSpPr>
-          <p:nvPr>
-            <p:ph type="body" sz="quarter" idx="11"/>
-          </p:nvPr>
-        </p:nvSpPr>
-        <p:spPr bwMode="gray"/>
-        <p:txBody>
-          <a:bodyPr/>
-          <a:lstStyle/>
-          <a:p>
-            <a:pPr lvl="0"/>
-            <a:r>
-              <a:rPr lang="en-US"/>
-              <a:t>First level</a:t>
-            </a:r>
-          </a:p>
-          <a:p>
-            <a:pPr lvl="1"/>
-            <a:r>
-              <a:rPr lang="en-US"/>
-              <a:t>Second level</a:t>
-            </a:r>
-          </a:p>
-          <a:p>
-            <a:pPr lvl="2"/>
-            <a:r>
-              <a:rPr lang="en-US"/>
-              <a:t>Third level</a:t>
-            </a:r>
-            <a:endParaRPr lang="en-US" dirty="0"/>
-          </a:p>
-        </p:txBody>
-      </p:sp>
-      <p:sp>
-        <p:nvSpPr>
-          <p:cNvPr id="8" name="Text Placeholder column 1"/>
+          <p:cNvPr id="2" name="Text Placeholder">
+            <a:extLst>
+              <a:ext uri="{FF2B5EF4-FFF2-40B4-BE49-F238E27FC236}">
+                <a16:creationId xmlns:a16="http://schemas.microsoft.com/office/drawing/2014/main" id="{FD8B0406-B42D-4E48-A077-1006CEECE8B8}"/>
+              </a:ext>
+            </a:extLst>
+          </p:cNvPr>
           <p:cNvSpPr>
             <a:spLocks noGrp="1"/>
           </p:cNvSpPr>
@@ -10084,37 +10763,42 @@
             <p:ph type="body" sz="quarter" idx="10"/>
           </p:nvPr>
         </p:nvSpPr>
-        <p:spPr bwMode="gray"/>
+        <p:spPr/>
         <p:txBody>
           <a:bodyPr/>
           <a:lstStyle/>
           <a:p>
             <a:pPr lvl="0"/>
             <a:r>
-              <a:rPr lang="en-US"/>
+              <a:rPr lang="en-US" dirty="0"/>
               <a:t>First level</a:t>
             </a:r>
           </a:p>
           <a:p>
             <a:pPr lvl="1"/>
             <a:r>
-              <a:rPr lang="en-US"/>
+              <a:rPr lang="en-US" dirty="0"/>
               <a:t>Second level</a:t>
             </a:r>
           </a:p>
           <a:p>
             <a:pPr lvl="2"/>
             <a:r>
-              <a:rPr lang="en-US"/>
+              <a:rPr lang="en-US" dirty="0"/>
               <a:t>Third level</a:t>
             </a:r>
-            <a:endParaRPr lang="en-US" dirty="0"/>
-          </a:p>
-        </p:txBody>
-      </p:sp>
-      <p:sp>
-        <p:nvSpPr>
-          <p:cNvPr id="7" name="Title"/>
+          </a:p>
+        </p:txBody>
+      </p:sp>
+      <p:sp>
+        <p:nvSpPr>
+          <p:cNvPr id="3" name="Title">
+            <a:extLst>
+              <a:ext uri="{FF2B5EF4-FFF2-40B4-BE49-F238E27FC236}">
+                <a16:creationId xmlns:a16="http://schemas.microsoft.com/office/drawing/2014/main" id="{D36C6BFD-B684-44BB-8F4D-37456D097F1B}"/>
+              </a:ext>
+            </a:extLst>
+          </p:cNvPr>
           <p:cNvSpPr>
             <a:spLocks noGrp="1"/>
           </p:cNvSpPr>
@@ -10122,7 +10806,7 @@
             <p:ph type="title"/>
           </p:nvPr>
         </p:nvSpPr>
-        <p:spPr bwMode="gray"/>
+        <p:spPr/>
         <p:txBody>
           <a:bodyPr/>
           <a:lstStyle/>
@@ -10137,7 +10821,7 @@
     </p:spTree>
     <p:extLst>
       <p:ext uri="{BB962C8B-B14F-4D97-AF65-F5344CB8AC3E}">
-        <p14:creationId xmlns:p14="http://schemas.microsoft.com/office/powerpoint/2010/main" val="854015491"/>
+        <p14:creationId xmlns:p14="http://schemas.microsoft.com/office/powerpoint/2010/main" val="4007524871"/>
       </p:ext>
     </p:extLst>
   </p:cSld>
@@ -10166,83 +10850,7 @@
       </p:grpSpPr>
       <p:sp>
         <p:nvSpPr>
-          <p:cNvPr id="5" name="Text Placeholder column 3"/>
-          <p:cNvSpPr>
-            <a:spLocks noGrp="1"/>
-          </p:cNvSpPr>
-          <p:nvPr>
-            <p:ph type="body" sz="quarter" idx="13"/>
-          </p:nvPr>
-        </p:nvSpPr>
-        <p:spPr bwMode="gray"/>
-        <p:txBody>
-          <a:bodyPr/>
-          <a:lstStyle/>
-          <a:p>
-            <a:pPr lvl="0"/>
-            <a:r>
-              <a:rPr lang="en-US"/>
-              <a:t>First level</a:t>
-            </a:r>
-          </a:p>
-          <a:p>
-            <a:pPr lvl="1"/>
-            <a:r>
-              <a:rPr lang="en-US"/>
-              <a:t>Second level</a:t>
-            </a:r>
-          </a:p>
-          <a:p>
-            <a:pPr lvl="2"/>
-            <a:r>
-              <a:rPr lang="en-US"/>
-              <a:t>Third level</a:t>
-            </a:r>
-            <a:endParaRPr lang="en-US" dirty="0"/>
-          </a:p>
-        </p:txBody>
-      </p:sp>
-      <p:sp>
-        <p:nvSpPr>
-          <p:cNvPr id="4" name="Text Placeholder column 2"/>
-          <p:cNvSpPr>
-            <a:spLocks noGrp="1"/>
-          </p:cNvSpPr>
-          <p:nvPr>
-            <p:ph type="body" sz="quarter" idx="12"/>
-          </p:nvPr>
-        </p:nvSpPr>
-        <p:spPr bwMode="gray"/>
-        <p:txBody>
-          <a:bodyPr/>
-          <a:lstStyle/>
-          <a:p>
-            <a:pPr lvl="0"/>
-            <a:r>
-              <a:rPr lang="en-US"/>
-              <a:t>First level</a:t>
-            </a:r>
-          </a:p>
-          <a:p>
-            <a:pPr lvl="1"/>
-            <a:r>
-              <a:rPr lang="en-US"/>
-              <a:t>Second level</a:t>
-            </a:r>
-          </a:p>
-          <a:p>
-            <a:pPr lvl="2"/>
-            <a:r>
-              <a:rPr lang="en-US"/>
-              <a:t>Third level</a:t>
-            </a:r>
-            <a:endParaRPr lang="en-US" dirty="0"/>
-          </a:p>
-        </p:txBody>
-      </p:sp>
-      <p:sp>
-        <p:nvSpPr>
-          <p:cNvPr id="3" name="Text Placeholder column 1"/>
+          <p:cNvPr id="11" name="Text Placeholder"/>
           <p:cNvSpPr>
             <a:spLocks noGrp="1"/>
           </p:cNvSpPr>
@@ -10279,7 +10887,7 @@
       </p:sp>
       <p:sp>
         <p:nvSpPr>
-          <p:cNvPr id="2" name="Title"/>
+          <p:cNvPr id="4" name="Title"/>
           <p:cNvSpPr>
             <a:spLocks noGrp="1"/>
           </p:cNvSpPr>
@@ -10287,7 +10895,12 @@
             <p:ph type="title"/>
           </p:nvPr>
         </p:nvSpPr>
-        <p:spPr bwMode="gray"/>
+        <p:spPr bwMode="gray">
+          <a:xfrm>
+            <a:off x="504001" y="504000"/>
+            <a:ext cx="11186476" cy="646331"/>
+          </a:xfrm>
+        </p:spPr>
         <p:txBody>
           <a:bodyPr/>
           <a:lstStyle/>
@@ -10296,13 +10909,21 @@
               <a:rPr lang="en-US" dirty="0"/>
               <a:t>Insert page title (sentence case)</a:t>
             </a:r>
+            <a:br>
+              <a:rPr lang="en-US" dirty="0"/>
+            </a:br>
+            <a:r>
+              <a:rPr lang="en-US" sz="1800" b="0" dirty="0" err="1"/>
+              <a:t>Subheadline</a:t>
+            </a:r>
+            <a:endParaRPr lang="en-US" b="0" dirty="0"/>
           </a:p>
         </p:txBody>
       </p:sp>
     </p:spTree>
     <p:extLst>
       <p:ext uri="{BB962C8B-B14F-4D97-AF65-F5344CB8AC3E}">
-        <p14:creationId xmlns:p14="http://schemas.microsoft.com/office/powerpoint/2010/main" val="94846162"/>
+        <p14:creationId xmlns:p14="http://schemas.microsoft.com/office/powerpoint/2010/main" val="1196408533"/>
       </p:ext>
     </p:extLst>
   </p:cSld>
@@ -10331,49 +10952,7 @@
       </p:grpSpPr>
       <p:sp>
         <p:nvSpPr>
-          <p:cNvPr id="10" name="Text Placeholder column 2"/>
-          <p:cNvSpPr>
-            <a:spLocks noGrp="1"/>
-          </p:cNvSpPr>
-          <p:nvPr>
-            <p:ph type="body" sz="quarter" idx="13"/>
-          </p:nvPr>
-        </p:nvSpPr>
-        <p:spPr bwMode="gray"/>
-        <p:txBody>
-          <a:bodyPr/>
-          <a:lstStyle/>
-          <a:p>
-            <a:pPr lvl="0"/>
-            <a:r>
-              <a:rPr lang="en-US" dirty="0"/>
-              <a:t>First level</a:t>
-            </a:r>
-          </a:p>
-          <a:p>
-            <a:pPr lvl="1"/>
-            <a:r>
-              <a:rPr lang="en-US" dirty="0"/>
-              <a:t>Second level</a:t>
-            </a:r>
-          </a:p>
-        </p:txBody>
-      </p:sp>
-      <p:sp>
-        <p:nvSpPr>
-          <p:cNvPr id="16" name="Picture Placeholder 2" descr="Image placeholder right" title="Image placeholder"/>
-          <p:cNvSpPr>
-            <a:spLocks noGrp="1"/>
-          </p:cNvSpPr>
-          <p:nvPr>
-            <p:ph type="pic" sz="quarter" idx="14"/>
-          </p:nvPr>
-        </p:nvSpPr>
-        <p:spPr bwMode="gray"/>
-      </p:sp>
-      <p:sp>
-        <p:nvSpPr>
-          <p:cNvPr id="3" name="Text Placeholder column 1"/>
+          <p:cNvPr id="11" name="Quote placeholder"/>
           <p:cNvSpPr>
             <a:spLocks noGrp="1"/>
           </p:cNvSpPr>
@@ -10389,48 +10968,26 @@
             <a:pPr lvl="0"/>
             <a:r>
               <a:rPr lang="en-US" dirty="0"/>
-              <a:t>First level</a:t>
+              <a:t>“Quote goes here and here </a:t>
+            </a:r>
+            <a:r>
+              <a:rPr lang="en-US" dirty="0">
+                <a:solidFill>
+                  <a:schemeClr val="accent1"/>
+                </a:solidFill>
+              </a:rPr>
+              <a:t>and here</a:t>
+            </a:r>
+            <a:r>
+              <a:rPr lang="en-US" dirty="0"/>
+              <a:t>.”</a:t>
             </a:r>
           </a:p>
           <a:p>
             <a:pPr lvl="1"/>
             <a:r>
               <a:rPr lang="en-US" dirty="0"/>
-              <a:t>Second level</a:t>
-            </a:r>
-          </a:p>
-        </p:txBody>
-      </p:sp>
-      <p:sp>
-        <p:nvSpPr>
-          <p:cNvPr id="15" name="Picture Placeholder 1" descr="Image placeholder left" title="Image placeholde"/>
-          <p:cNvSpPr>
-            <a:spLocks noGrp="1"/>
-          </p:cNvSpPr>
-          <p:nvPr>
-            <p:ph type="pic" sz="quarter" idx="12"/>
-          </p:nvPr>
-        </p:nvSpPr>
-        <p:spPr bwMode="gray"/>
-      </p:sp>
-      <p:sp>
-        <p:nvSpPr>
-          <p:cNvPr id="8" name="Title"/>
-          <p:cNvSpPr>
-            <a:spLocks noGrp="1"/>
-          </p:cNvSpPr>
-          <p:nvPr>
-            <p:ph type="title"/>
-          </p:nvPr>
-        </p:nvSpPr>
-        <p:spPr bwMode="gray"/>
-        <p:txBody>
-          <a:bodyPr/>
-          <a:lstStyle/>
-          <a:p>
-            <a:r>
-              <a:rPr lang="en-US" dirty="0"/>
-              <a:t>Insert page title (sentence case)</a:t>
+              <a:t>Source</a:t>
             </a:r>
           </a:p>
         </p:txBody>
@@ -10438,7 +10995,7 @@
     </p:spTree>
     <p:extLst>
       <p:ext uri="{BB962C8B-B14F-4D97-AF65-F5344CB8AC3E}">
-        <p14:creationId xmlns:p14="http://schemas.microsoft.com/office/powerpoint/2010/main" val="1504049518"/>
+        <p14:creationId xmlns:p14="http://schemas.microsoft.com/office/powerpoint/2010/main" val="3295641251"/>
       </p:ext>
     </p:extLst>
   </p:cSld>
@@ -10467,91 +11024,7 @@
       </p:grpSpPr>
       <p:sp>
         <p:nvSpPr>
-          <p:cNvPr id="12" name="Text Placeholder column 3"/>
-          <p:cNvSpPr>
-            <a:spLocks noGrp="1"/>
-          </p:cNvSpPr>
-          <p:nvPr>
-            <p:ph type="body" sz="quarter" idx="13"/>
-          </p:nvPr>
-        </p:nvSpPr>
-        <p:spPr bwMode="gray"/>
-        <p:txBody>
-          <a:bodyPr/>
-          <a:lstStyle/>
-          <a:p>
-            <a:pPr lvl="0"/>
-            <a:r>
-              <a:rPr lang="en-US" dirty="0"/>
-              <a:t>First level</a:t>
-            </a:r>
-          </a:p>
-          <a:p>
-            <a:pPr lvl="1"/>
-            <a:r>
-              <a:rPr lang="en-US" dirty="0"/>
-              <a:t>Second level</a:t>
-            </a:r>
-          </a:p>
-        </p:txBody>
-      </p:sp>
-      <p:sp>
-        <p:nvSpPr>
-          <p:cNvPr id="13" name="Picture Placeholder 3" descr="Image placeholder 3/3" title="Image placeholder 3/3"/>
-          <p:cNvSpPr>
-            <a:spLocks noGrp="1"/>
-          </p:cNvSpPr>
-          <p:nvPr>
-            <p:ph type="pic" sz="quarter" idx="14"/>
-          </p:nvPr>
-        </p:nvSpPr>
-        <p:spPr bwMode="gray"/>
-      </p:sp>
-      <p:sp>
-        <p:nvSpPr>
-          <p:cNvPr id="14" name="Text Placeholder column 2"/>
-          <p:cNvSpPr>
-            <a:spLocks noGrp="1"/>
-          </p:cNvSpPr>
-          <p:nvPr>
-            <p:ph type="body" sz="quarter" idx="15"/>
-          </p:nvPr>
-        </p:nvSpPr>
-        <p:spPr bwMode="gray"/>
-        <p:txBody>
-          <a:bodyPr/>
-          <a:lstStyle/>
-          <a:p>
-            <a:pPr lvl="0"/>
-            <a:r>
-              <a:rPr lang="en-US" dirty="0"/>
-              <a:t>First level</a:t>
-            </a:r>
-          </a:p>
-          <a:p>
-            <a:pPr lvl="1"/>
-            <a:r>
-              <a:rPr lang="en-US" dirty="0"/>
-              <a:t>Second level</a:t>
-            </a:r>
-          </a:p>
-        </p:txBody>
-      </p:sp>
-      <p:sp>
-        <p:nvSpPr>
-          <p:cNvPr id="15" name="Picture Placeholder 2" descr="Image placeholder 2/3" title="Image placeholder 2/3"/>
-          <p:cNvSpPr>
-            <a:spLocks noGrp="1"/>
-          </p:cNvSpPr>
-          <p:nvPr>
-            <p:ph type="pic" sz="quarter" idx="16"/>
-          </p:nvPr>
-        </p:nvSpPr>
-        <p:spPr bwMode="gray"/>
-      </p:sp>
-      <p:sp>
-        <p:nvSpPr>
-          <p:cNvPr id="10" name="Text Placeholder column 1"/>
+          <p:cNvPr id="11" name="Quote placeholder"/>
           <p:cNvSpPr>
             <a:spLocks noGrp="1"/>
           </p:cNvSpPr>
@@ -10567,48 +11040,26 @@
             <a:pPr lvl="0"/>
             <a:r>
               <a:rPr lang="en-US" dirty="0"/>
-              <a:t>First level</a:t>
+              <a:t>“Quote goes here and here </a:t>
+            </a:r>
+            <a:r>
+              <a:rPr lang="en-US" dirty="0">
+                <a:solidFill>
+                  <a:schemeClr val="accent1"/>
+                </a:solidFill>
+              </a:rPr>
+              <a:t>and here</a:t>
+            </a:r>
+            <a:r>
+              <a:rPr lang="en-US" dirty="0"/>
+              <a:t>.”</a:t>
             </a:r>
           </a:p>
           <a:p>
             <a:pPr lvl="1"/>
             <a:r>
               <a:rPr lang="en-US" dirty="0"/>
-              <a:t>Second level</a:t>
-            </a:r>
-          </a:p>
-        </p:txBody>
-      </p:sp>
-      <p:sp>
-        <p:nvSpPr>
-          <p:cNvPr id="11" name="Picture Placeholder 1" descr="Image placeholder 1/3" title="Image placeholder 1/3"/>
-          <p:cNvSpPr>
-            <a:spLocks noGrp="1"/>
-          </p:cNvSpPr>
-          <p:nvPr>
-            <p:ph type="pic" sz="quarter" idx="12"/>
-          </p:nvPr>
-        </p:nvSpPr>
-        <p:spPr bwMode="gray"/>
-      </p:sp>
-      <p:sp>
-        <p:nvSpPr>
-          <p:cNvPr id="2" name="Title"/>
-          <p:cNvSpPr>
-            <a:spLocks noGrp="1"/>
-          </p:cNvSpPr>
-          <p:nvPr>
-            <p:ph type="title"/>
-          </p:nvPr>
-        </p:nvSpPr>
-        <p:spPr bwMode="gray"/>
-        <p:txBody>
-          <a:bodyPr/>
-          <a:lstStyle/>
-          <a:p>
-            <a:r>
-              <a:rPr lang="en-US" dirty="0"/>
-              <a:t>Insert page title (sentence case)</a:t>
+              <a:t>Source</a:t>
             </a:r>
           </a:p>
         </p:txBody>
@@ -10616,7 +11067,7 @@
     </p:spTree>
     <p:extLst>
       <p:ext uri="{BB962C8B-B14F-4D97-AF65-F5344CB8AC3E}">
-        <p14:creationId xmlns:p14="http://schemas.microsoft.com/office/powerpoint/2010/main" val="1175416068"/>
+        <p14:creationId xmlns:p14="http://schemas.microsoft.com/office/powerpoint/2010/main" val="2010228457"/>
       </p:ext>
     </p:extLst>
   </p:cSld>
@@ -10645,120 +11096,24 @@
       </p:grpSpPr>
       <p:sp>
         <p:nvSpPr>
-          <p:cNvPr id="4" name="Placeholder Partner logo"/>
-          <p:cNvSpPr/>
-          <p:nvPr/>
-        </p:nvSpPr>
-        <p:spPr bwMode="gray">
-          <a:xfrm>
-            <a:off x="504000" y="5944029"/>
-            <a:ext cx="944661" cy="402796"/>
-          </a:xfrm>
-          <a:prstGeom prst="rect">
-            <a:avLst/>
-          </a:prstGeom>
-          <a:solidFill>
-            <a:schemeClr val="bg2"/>
-          </a:solidFill>
-          <a:ln w="6350" algn="ctr">
-            <a:noFill/>
-            <a:miter lim="800000"/>
-            <a:headEnd/>
-            <a:tailEnd/>
-          </a:ln>
-        </p:spPr>
-        <p:txBody>
-          <a:bodyPr lIns="89979" tIns="71983" rIns="89979" bIns="71983" rtlCol="0" anchor="ctr"/>
-          <a:lstStyle/>
-          <a:p>
-            <a:pPr algn="ctr" defTabSz="914217" fontAlgn="base">
-              <a:spcBef>
-                <a:spcPct val="50000"/>
-              </a:spcBef>
-              <a:spcAft>
-                <a:spcPct val="0"/>
-              </a:spcAft>
-              <a:buClr>
-                <a:srgbClr val="F0AB00"/>
-              </a:buClr>
-              <a:buSzPct val="80000"/>
-            </a:pPr>
-            <a:r>
-              <a:rPr lang="en-US" sz="1100" kern="0" dirty="0">
-                <a:solidFill>
-                  <a:sysClr val="windowText" lastClr="000000"/>
-                </a:solidFill>
-                <a:ea typeface="Arial Unicode MS" pitchFamily="34" charset="-128"/>
-                <a:cs typeface="Arial Unicode MS" pitchFamily="34" charset="-128"/>
-              </a:rPr>
-              <a:t>Partner logo</a:t>
-            </a:r>
-          </a:p>
-        </p:txBody>
-      </p:sp>
-      <p:sp>
-        <p:nvSpPr>
-          <p:cNvPr id="3" name="Contact information"/>
+          <p:cNvPr id="6" name="Picture Placeholder" descr="Placeholder for an image" title="Image placeholder content slide"/>
           <p:cNvSpPr>
             <a:spLocks noGrp="1"/>
           </p:cNvSpPr>
           <p:nvPr>
-            <p:ph type="body" sz="quarter" idx="10"/>
+            <p:ph type="pic" sz="quarter" idx="10"/>
           </p:nvPr>
         </p:nvSpPr>
-        <p:spPr bwMode="gray">
-          <a:xfrm>
-            <a:off x="504000" y="2905487"/>
-            <a:ext cx="5593588" cy="2501010"/>
-          </a:xfrm>
-        </p:spPr>
-        <p:txBody>
-          <a:bodyPr/>
-          <a:lstStyle/>
-          <a:p>
-            <a:r>
-              <a:rPr lang="en-US" dirty="0"/>
-              <a:t>Contact information:</a:t>
-            </a:r>
-          </a:p>
-          <a:p>
-            <a:pPr lvl="1"/>
-            <a:r>
-              <a:rPr lang="en-US" b="1" dirty="0"/>
-              <a:t>F name L name</a:t>
-            </a:r>
-          </a:p>
-          <a:p>
-            <a:pPr lvl="1"/>
-            <a:r>
-              <a:rPr lang="en-US" dirty="0"/>
-              <a:t>Title</a:t>
-            </a:r>
-          </a:p>
-          <a:p>
-            <a:pPr lvl="1"/>
-            <a:r>
-              <a:rPr lang="en-US" dirty="0"/>
-              <a:t>Address</a:t>
-            </a:r>
-          </a:p>
-          <a:p>
-            <a:pPr lvl="1"/>
-            <a:r>
-              <a:rPr lang="en-US" dirty="0"/>
-              <a:t>Phone number</a:t>
-            </a:r>
-          </a:p>
-        </p:txBody>
-      </p:sp>
-      <p:sp>
-        <p:nvSpPr>
-          <p:cNvPr id="2" name="Thank you"/>
+        <p:spPr bwMode="gray"/>
+      </p:sp>
+      <p:sp>
+        <p:nvSpPr>
+          <p:cNvPr id="4" name="Text Placeholder"/>
           <p:cNvSpPr>
             <a:spLocks noGrp="1"/>
           </p:cNvSpPr>
           <p:nvPr>
-            <p:ph type="ctrTitle"/>
+            <p:ph type="body" sz="quarter" idx="11"/>
           </p:nvPr>
         </p:nvSpPr>
         <p:spPr bwMode="gray"/>
@@ -10766,9 +11121,46 @@
           <a:bodyPr/>
           <a:lstStyle/>
           <a:p>
-            <a:r>
-              <a:rPr lang="en-US" dirty="0"/>
-              <a:t>Thank you.</a:t>
+            <a:pPr lvl="0"/>
+            <a:r>
+              <a:rPr lang="en-US" dirty="0"/>
+              <a:t>First level</a:t>
+            </a:r>
+          </a:p>
+          <a:p>
+            <a:pPr lvl="1"/>
+            <a:r>
+              <a:rPr lang="en-US" dirty="0"/>
+              <a:t>Second level</a:t>
+            </a:r>
+          </a:p>
+          <a:p>
+            <a:pPr lvl="2"/>
+            <a:r>
+              <a:rPr lang="en-US" dirty="0"/>
+              <a:t>Third level</a:t>
+            </a:r>
+          </a:p>
+        </p:txBody>
+      </p:sp>
+      <p:sp>
+        <p:nvSpPr>
+          <p:cNvPr id="2" name="Title"/>
+          <p:cNvSpPr>
+            <a:spLocks noGrp="1"/>
+          </p:cNvSpPr>
+          <p:nvPr>
+            <p:ph type="title"/>
+          </p:nvPr>
+        </p:nvSpPr>
+        <p:spPr bwMode="gray"/>
+        <p:txBody>
+          <a:bodyPr/>
+          <a:lstStyle/>
+          <a:p>
+            <a:r>
+              <a:rPr lang="en-US" dirty="0"/>
+              <a:t>Insert page title (sentence case)</a:t>
             </a:r>
           </a:p>
         </p:txBody>
@@ -10776,7 +11168,7 @@
     </p:spTree>
     <p:extLst>
       <p:ext uri="{BB962C8B-B14F-4D97-AF65-F5344CB8AC3E}">
-        <p14:creationId xmlns:p14="http://schemas.microsoft.com/office/powerpoint/2010/main" val="1881851238"/>
+        <p14:creationId xmlns:p14="http://schemas.microsoft.com/office/powerpoint/2010/main" val="2468716513"/>
       </p:ext>
     </p:extLst>
   </p:cSld>
@@ -10787,7 +11179,7 @@
 </file>
 
 <file path=ppt/slides/slide25.xml><?xml version="1.0" encoding="utf-8"?>
-<p:sld xmlns:a="http://schemas.openxmlformats.org/drawingml/2006/main" xmlns:r="http://schemas.openxmlformats.org/officeDocument/2006/relationships" xmlns:p="http://schemas.openxmlformats.org/presentationml/2006/main" show="0">
+<p:sld xmlns:a="http://schemas.openxmlformats.org/drawingml/2006/main" xmlns:r="http://schemas.openxmlformats.org/officeDocument/2006/relationships" xmlns:p="http://schemas.openxmlformats.org/presentationml/2006/main">
   <p:cSld>
     <p:spTree>
       <p:nvGrpSpPr>
@@ -10803,17 +11195,81 @@
           <a:chExt cx="0" cy="0"/>
         </a:xfrm>
       </p:grpSpPr>
+      <p:sp>
+        <p:nvSpPr>
+          <p:cNvPr id="4" name="Text Placeholder"/>
+          <p:cNvSpPr>
+            <a:spLocks noGrp="1"/>
+          </p:cNvSpPr>
+          <p:nvPr>
+            <p:ph type="body" sz="quarter" idx="11"/>
+          </p:nvPr>
+        </p:nvSpPr>
+        <p:spPr bwMode="gray"/>
+        <p:txBody>
+          <a:bodyPr/>
+          <a:lstStyle/>
+          <a:p>
+            <a:pPr lvl="0"/>
+            <a:r>
+              <a:rPr lang="en-US"/>
+              <a:t>First level</a:t>
+            </a:r>
+          </a:p>
+          <a:p>
+            <a:pPr lvl="1"/>
+            <a:r>
+              <a:rPr lang="en-US"/>
+              <a:t>Second level</a:t>
+            </a:r>
+          </a:p>
+          <a:p>
+            <a:pPr lvl="2"/>
+            <a:r>
+              <a:rPr lang="en-US"/>
+              <a:t>Third level</a:t>
+            </a:r>
+            <a:endParaRPr lang="en-US" dirty="0"/>
+          </a:p>
+        </p:txBody>
+      </p:sp>
+      <p:sp>
+        <p:nvSpPr>
+          <p:cNvPr id="2" name="Title"/>
+          <p:cNvSpPr>
+            <a:spLocks noGrp="1"/>
+          </p:cNvSpPr>
+          <p:nvPr>
+            <p:ph type="title"/>
+          </p:nvPr>
+        </p:nvSpPr>
+        <p:spPr bwMode="gray"/>
+        <p:txBody>
+          <a:bodyPr/>
+          <a:lstStyle/>
+          <a:p>
+            <a:r>
+              <a:rPr lang="en-US" dirty="0"/>
+              <a:t>Insert page title (sentence case)</a:t>
+            </a:r>
+          </a:p>
+        </p:txBody>
+      </p:sp>
     </p:spTree>
+    <p:extLst>
+      <p:ext uri="{BB962C8B-B14F-4D97-AF65-F5344CB8AC3E}">
+        <p14:creationId xmlns:p14="http://schemas.microsoft.com/office/powerpoint/2010/main" val="41562795"/>
+      </p:ext>
+    </p:extLst>
   </p:cSld>
   <p:clrMapOvr>
     <a:masterClrMapping/>
   </p:clrMapOvr>
-  <p:transition spd="med"/>
 </p:sld>
 </file>
 
 <file path=ppt/slides/slide26.xml><?xml version="1.0" encoding="utf-8"?>
-<p:sld xmlns:a="http://schemas.openxmlformats.org/drawingml/2006/main" xmlns:r="http://schemas.openxmlformats.org/officeDocument/2006/relationships" xmlns:p="http://schemas.openxmlformats.org/presentationml/2006/main" show="0">
+<p:sld xmlns:a="http://schemas.openxmlformats.org/drawingml/2006/main" xmlns:r="http://schemas.openxmlformats.org/officeDocument/2006/relationships" xmlns:p="http://schemas.openxmlformats.org/presentationml/2006/main">
   <p:cSld>
     <p:spTree>
       <p:nvGrpSpPr>
@@ -10829,10 +11285,417 @@
           <a:chExt cx="0" cy="0"/>
         </a:xfrm>
       </p:grpSpPr>
+      <p:sp>
+        <p:nvSpPr>
+          <p:cNvPr id="6" name="Picture Placeholder" descr="Placeholder for an image" title="Image placeholder content slide"/>
+          <p:cNvSpPr>
+            <a:spLocks noGrp="1"/>
+          </p:cNvSpPr>
+          <p:nvPr>
+            <p:ph type="pic" sz="quarter" idx="10"/>
+          </p:nvPr>
+        </p:nvSpPr>
+        <p:spPr bwMode="gray"/>
+      </p:sp>
+      <p:sp>
+        <p:nvSpPr>
+          <p:cNvPr id="4" name="Text Placeholder"/>
+          <p:cNvSpPr>
+            <a:spLocks noGrp="1"/>
+          </p:cNvSpPr>
+          <p:nvPr>
+            <p:ph type="body" sz="quarter" idx="11"/>
+          </p:nvPr>
+        </p:nvSpPr>
+        <p:spPr bwMode="gray"/>
+        <p:txBody>
+          <a:bodyPr/>
+          <a:lstStyle/>
+          <a:p>
+            <a:pPr lvl="0"/>
+            <a:r>
+              <a:rPr lang="en-US"/>
+              <a:t>First level</a:t>
+            </a:r>
+          </a:p>
+          <a:p>
+            <a:pPr lvl="1"/>
+            <a:r>
+              <a:rPr lang="en-US"/>
+              <a:t>Second level</a:t>
+            </a:r>
+          </a:p>
+          <a:p>
+            <a:pPr lvl="2"/>
+            <a:r>
+              <a:rPr lang="en-US"/>
+              <a:t>Third level</a:t>
+            </a:r>
+            <a:endParaRPr lang="en-US" dirty="0"/>
+          </a:p>
+        </p:txBody>
+      </p:sp>
+      <p:sp>
+        <p:nvSpPr>
+          <p:cNvPr id="2" name="Title"/>
+          <p:cNvSpPr>
+            <a:spLocks noGrp="1"/>
+          </p:cNvSpPr>
+          <p:nvPr>
+            <p:ph type="title"/>
+          </p:nvPr>
+        </p:nvSpPr>
+        <p:spPr bwMode="gray"/>
+        <p:txBody>
+          <a:bodyPr/>
+          <a:lstStyle/>
+          <a:p>
+            <a:r>
+              <a:rPr lang="en-US" dirty="0"/>
+              <a:t>Insert page title (sentence case)</a:t>
+            </a:r>
+          </a:p>
+        </p:txBody>
+      </p:sp>
     </p:spTree>
     <p:extLst>
       <p:ext uri="{BB962C8B-B14F-4D97-AF65-F5344CB8AC3E}">
-        <p14:creationId xmlns:p14="http://schemas.microsoft.com/office/powerpoint/2010/main" val="3005185487"/>
+        <p14:creationId xmlns:p14="http://schemas.microsoft.com/office/powerpoint/2010/main" val="4154867534"/>
+      </p:ext>
+    </p:extLst>
+  </p:cSld>
+  <p:clrMapOvr>
+    <a:masterClrMapping/>
+  </p:clrMapOvr>
+</p:sld>
+</file>
+
+<file path=ppt/slides/slide27.xml><?xml version="1.0" encoding="utf-8"?>
+<p:sld xmlns:a="http://schemas.openxmlformats.org/drawingml/2006/main" xmlns:r="http://schemas.openxmlformats.org/officeDocument/2006/relationships" xmlns:p="http://schemas.openxmlformats.org/presentationml/2006/main">
+  <p:cSld>
+    <p:spTree>
+      <p:nvGrpSpPr>
+        <p:cNvPr id="1" name=""/>
+        <p:cNvGrpSpPr/>
+        <p:nvPr/>
+      </p:nvGrpSpPr>
+      <p:grpSpPr>
+        <a:xfrm>
+          <a:off x="0" y="0"/>
+          <a:ext cx="0" cy="0"/>
+          <a:chOff x="0" y="0"/>
+          <a:chExt cx="0" cy="0"/>
+        </a:xfrm>
+      </p:grpSpPr>
+      <p:sp>
+        <p:nvSpPr>
+          <p:cNvPr id="8" name="Picture Placeholder 7" descr="Image Placeholder" title="Image Placeholder"/>
+          <p:cNvSpPr>
+            <a:spLocks noGrp="1"/>
+          </p:cNvSpPr>
+          <p:nvPr>
+            <p:ph type="pic" sz="quarter" idx="10"/>
+          </p:nvPr>
+        </p:nvSpPr>
+        <p:spPr bwMode="gray"/>
+      </p:sp>
+    </p:spTree>
+    <p:extLst>
+      <p:ext uri="{BB962C8B-B14F-4D97-AF65-F5344CB8AC3E}">
+        <p14:creationId xmlns:p14="http://schemas.microsoft.com/office/powerpoint/2010/main" val="1840057824"/>
+      </p:ext>
+    </p:extLst>
+  </p:cSld>
+  <p:clrMapOvr>
+    <a:masterClrMapping/>
+  </p:clrMapOvr>
+</p:sld>
+</file>
+
+<file path=ppt/slides/slide28.xml><?xml version="1.0" encoding="utf-8"?>
+<p:sld xmlns:a="http://schemas.openxmlformats.org/drawingml/2006/main" xmlns:r="http://schemas.openxmlformats.org/officeDocument/2006/relationships" xmlns:p="http://schemas.openxmlformats.org/presentationml/2006/main">
+  <p:cSld>
+    <p:spTree>
+      <p:nvGrpSpPr>
+        <p:cNvPr id="1" name=""/>
+        <p:cNvGrpSpPr/>
+        <p:nvPr/>
+      </p:nvGrpSpPr>
+      <p:grpSpPr>
+        <a:xfrm>
+          <a:off x="0" y="0"/>
+          <a:ext cx="0" cy="0"/>
+          <a:chOff x="0" y="0"/>
+          <a:chExt cx="0" cy="0"/>
+        </a:xfrm>
+      </p:grpSpPr>
+      <p:sp>
+        <p:nvSpPr>
+          <p:cNvPr id="9" name="Text Placeholder column 2"/>
+          <p:cNvSpPr>
+            <a:spLocks noGrp="1"/>
+          </p:cNvSpPr>
+          <p:nvPr>
+            <p:ph type="body" sz="quarter" idx="11"/>
+          </p:nvPr>
+        </p:nvSpPr>
+        <p:spPr bwMode="gray"/>
+        <p:txBody>
+          <a:bodyPr/>
+          <a:lstStyle/>
+          <a:p>
+            <a:pPr lvl="0"/>
+            <a:r>
+              <a:rPr lang="en-US"/>
+              <a:t>First level</a:t>
+            </a:r>
+          </a:p>
+          <a:p>
+            <a:pPr lvl="1"/>
+            <a:r>
+              <a:rPr lang="en-US"/>
+              <a:t>Second level</a:t>
+            </a:r>
+          </a:p>
+          <a:p>
+            <a:pPr lvl="2"/>
+            <a:r>
+              <a:rPr lang="en-US"/>
+              <a:t>Third level</a:t>
+            </a:r>
+            <a:endParaRPr lang="en-US" dirty="0"/>
+          </a:p>
+        </p:txBody>
+      </p:sp>
+      <p:sp>
+        <p:nvSpPr>
+          <p:cNvPr id="8" name="Text Placeholder column 1"/>
+          <p:cNvSpPr>
+            <a:spLocks noGrp="1"/>
+          </p:cNvSpPr>
+          <p:nvPr>
+            <p:ph type="body" sz="quarter" idx="10"/>
+          </p:nvPr>
+        </p:nvSpPr>
+        <p:spPr bwMode="gray"/>
+        <p:txBody>
+          <a:bodyPr/>
+          <a:lstStyle/>
+          <a:p>
+            <a:pPr lvl="0"/>
+            <a:r>
+              <a:rPr lang="en-US"/>
+              <a:t>First level</a:t>
+            </a:r>
+          </a:p>
+          <a:p>
+            <a:pPr lvl="1"/>
+            <a:r>
+              <a:rPr lang="en-US"/>
+              <a:t>Second level</a:t>
+            </a:r>
+          </a:p>
+          <a:p>
+            <a:pPr lvl="2"/>
+            <a:r>
+              <a:rPr lang="en-US"/>
+              <a:t>Third level</a:t>
+            </a:r>
+            <a:endParaRPr lang="en-US" dirty="0"/>
+          </a:p>
+        </p:txBody>
+      </p:sp>
+      <p:sp>
+        <p:nvSpPr>
+          <p:cNvPr id="7" name="Title"/>
+          <p:cNvSpPr>
+            <a:spLocks noGrp="1"/>
+          </p:cNvSpPr>
+          <p:nvPr>
+            <p:ph type="title"/>
+          </p:nvPr>
+        </p:nvSpPr>
+        <p:spPr bwMode="gray"/>
+        <p:txBody>
+          <a:bodyPr/>
+          <a:lstStyle/>
+          <a:p>
+            <a:r>
+              <a:rPr lang="en-US" dirty="0"/>
+              <a:t>Insert page title (sentence case)</a:t>
+            </a:r>
+          </a:p>
+        </p:txBody>
+      </p:sp>
+    </p:spTree>
+    <p:extLst>
+      <p:ext uri="{BB962C8B-B14F-4D97-AF65-F5344CB8AC3E}">
+        <p14:creationId xmlns:p14="http://schemas.microsoft.com/office/powerpoint/2010/main" val="854015491"/>
+      </p:ext>
+    </p:extLst>
+  </p:cSld>
+  <p:clrMapOvr>
+    <a:masterClrMapping/>
+  </p:clrMapOvr>
+</p:sld>
+</file>
+
+<file path=ppt/slides/slide29.xml><?xml version="1.0" encoding="utf-8"?>
+<p:sld xmlns:a="http://schemas.openxmlformats.org/drawingml/2006/main" xmlns:r="http://schemas.openxmlformats.org/officeDocument/2006/relationships" xmlns:p="http://schemas.openxmlformats.org/presentationml/2006/main">
+  <p:cSld>
+    <p:spTree>
+      <p:nvGrpSpPr>
+        <p:cNvPr id="1" name=""/>
+        <p:cNvGrpSpPr/>
+        <p:nvPr/>
+      </p:nvGrpSpPr>
+      <p:grpSpPr>
+        <a:xfrm>
+          <a:off x="0" y="0"/>
+          <a:ext cx="0" cy="0"/>
+          <a:chOff x="0" y="0"/>
+          <a:chExt cx="0" cy="0"/>
+        </a:xfrm>
+      </p:grpSpPr>
+      <p:sp>
+        <p:nvSpPr>
+          <p:cNvPr id="5" name="Text Placeholder column 3"/>
+          <p:cNvSpPr>
+            <a:spLocks noGrp="1"/>
+          </p:cNvSpPr>
+          <p:nvPr>
+            <p:ph type="body" sz="quarter" idx="13"/>
+          </p:nvPr>
+        </p:nvSpPr>
+        <p:spPr bwMode="gray"/>
+        <p:txBody>
+          <a:bodyPr/>
+          <a:lstStyle/>
+          <a:p>
+            <a:pPr lvl="0"/>
+            <a:r>
+              <a:rPr lang="en-US"/>
+              <a:t>First level</a:t>
+            </a:r>
+          </a:p>
+          <a:p>
+            <a:pPr lvl="1"/>
+            <a:r>
+              <a:rPr lang="en-US"/>
+              <a:t>Second level</a:t>
+            </a:r>
+          </a:p>
+          <a:p>
+            <a:pPr lvl="2"/>
+            <a:r>
+              <a:rPr lang="en-US"/>
+              <a:t>Third level</a:t>
+            </a:r>
+            <a:endParaRPr lang="en-US" dirty="0"/>
+          </a:p>
+        </p:txBody>
+      </p:sp>
+      <p:sp>
+        <p:nvSpPr>
+          <p:cNvPr id="4" name="Text Placeholder column 2"/>
+          <p:cNvSpPr>
+            <a:spLocks noGrp="1"/>
+          </p:cNvSpPr>
+          <p:nvPr>
+            <p:ph type="body" sz="quarter" idx="12"/>
+          </p:nvPr>
+        </p:nvSpPr>
+        <p:spPr bwMode="gray"/>
+        <p:txBody>
+          <a:bodyPr/>
+          <a:lstStyle/>
+          <a:p>
+            <a:pPr lvl="0"/>
+            <a:r>
+              <a:rPr lang="en-US"/>
+              <a:t>First level</a:t>
+            </a:r>
+          </a:p>
+          <a:p>
+            <a:pPr lvl="1"/>
+            <a:r>
+              <a:rPr lang="en-US"/>
+              <a:t>Second level</a:t>
+            </a:r>
+          </a:p>
+          <a:p>
+            <a:pPr lvl="2"/>
+            <a:r>
+              <a:rPr lang="en-US"/>
+              <a:t>Third level</a:t>
+            </a:r>
+            <a:endParaRPr lang="en-US" dirty="0"/>
+          </a:p>
+        </p:txBody>
+      </p:sp>
+      <p:sp>
+        <p:nvSpPr>
+          <p:cNvPr id="3" name="Text Placeholder column 1"/>
+          <p:cNvSpPr>
+            <a:spLocks noGrp="1"/>
+          </p:cNvSpPr>
+          <p:nvPr>
+            <p:ph type="body" sz="quarter" idx="10"/>
+          </p:nvPr>
+        </p:nvSpPr>
+        <p:spPr bwMode="gray"/>
+        <p:txBody>
+          <a:bodyPr/>
+          <a:lstStyle/>
+          <a:p>
+            <a:pPr lvl="0"/>
+            <a:r>
+              <a:rPr lang="en-US" dirty="0"/>
+              <a:t>First level</a:t>
+            </a:r>
+          </a:p>
+          <a:p>
+            <a:pPr lvl="1"/>
+            <a:r>
+              <a:rPr lang="en-US" dirty="0"/>
+              <a:t>Second level</a:t>
+            </a:r>
+          </a:p>
+          <a:p>
+            <a:pPr lvl="2"/>
+            <a:r>
+              <a:rPr lang="en-US" dirty="0"/>
+              <a:t>Third level</a:t>
+            </a:r>
+          </a:p>
+        </p:txBody>
+      </p:sp>
+      <p:sp>
+        <p:nvSpPr>
+          <p:cNvPr id="2" name="Title"/>
+          <p:cNvSpPr>
+            <a:spLocks noGrp="1"/>
+          </p:cNvSpPr>
+          <p:nvPr>
+            <p:ph type="title"/>
+          </p:nvPr>
+        </p:nvSpPr>
+        <p:spPr bwMode="gray"/>
+        <p:txBody>
+          <a:bodyPr/>
+          <a:lstStyle/>
+          <a:p>
+            <a:r>
+              <a:rPr lang="en-US" dirty="0"/>
+              <a:t>Insert page title (sentence case)</a:t>
+            </a:r>
+          </a:p>
+        </p:txBody>
+      </p:sp>
+    </p:spTree>
+    <p:extLst>
+      <p:ext uri="{BB962C8B-B14F-4D97-AF65-F5344CB8AC3E}">
+        <p14:creationId xmlns:p14="http://schemas.microsoft.com/office/powerpoint/2010/main" val="94846162"/>
       </p:ext>
     </p:extLst>
   </p:cSld>
@@ -10913,6 +11776,536 @@
     <p:extLst>
       <p:ext uri="{BB962C8B-B14F-4D97-AF65-F5344CB8AC3E}">
         <p14:creationId xmlns:p14="http://schemas.microsoft.com/office/powerpoint/2010/main" val="4155174243"/>
+      </p:ext>
+    </p:extLst>
+  </p:cSld>
+  <p:clrMapOvr>
+    <a:masterClrMapping/>
+  </p:clrMapOvr>
+</p:sld>
+</file>
+
+<file path=ppt/slides/slide30.xml><?xml version="1.0" encoding="utf-8"?>
+<p:sld xmlns:a="http://schemas.openxmlformats.org/drawingml/2006/main" xmlns:r="http://schemas.openxmlformats.org/officeDocument/2006/relationships" xmlns:p="http://schemas.openxmlformats.org/presentationml/2006/main">
+  <p:cSld>
+    <p:spTree>
+      <p:nvGrpSpPr>
+        <p:cNvPr id="1" name=""/>
+        <p:cNvGrpSpPr/>
+        <p:nvPr/>
+      </p:nvGrpSpPr>
+      <p:grpSpPr>
+        <a:xfrm>
+          <a:off x="0" y="0"/>
+          <a:ext cx="0" cy="0"/>
+          <a:chOff x="0" y="0"/>
+          <a:chExt cx="0" cy="0"/>
+        </a:xfrm>
+      </p:grpSpPr>
+      <p:sp>
+        <p:nvSpPr>
+          <p:cNvPr id="10" name="Text Placeholder column 2"/>
+          <p:cNvSpPr>
+            <a:spLocks noGrp="1"/>
+          </p:cNvSpPr>
+          <p:nvPr>
+            <p:ph type="body" sz="quarter" idx="13"/>
+          </p:nvPr>
+        </p:nvSpPr>
+        <p:spPr bwMode="gray"/>
+        <p:txBody>
+          <a:bodyPr/>
+          <a:lstStyle/>
+          <a:p>
+            <a:pPr lvl="0"/>
+            <a:r>
+              <a:rPr lang="en-US" dirty="0"/>
+              <a:t>First level</a:t>
+            </a:r>
+          </a:p>
+          <a:p>
+            <a:pPr lvl="1"/>
+            <a:r>
+              <a:rPr lang="en-US" dirty="0"/>
+              <a:t>Second level</a:t>
+            </a:r>
+          </a:p>
+        </p:txBody>
+      </p:sp>
+      <p:sp>
+        <p:nvSpPr>
+          <p:cNvPr id="16" name="Picture Placeholder 2" descr="Image placeholder right" title="Image placeholder"/>
+          <p:cNvSpPr>
+            <a:spLocks noGrp="1"/>
+          </p:cNvSpPr>
+          <p:nvPr>
+            <p:ph type="pic" sz="quarter" idx="14"/>
+          </p:nvPr>
+        </p:nvSpPr>
+        <p:spPr bwMode="gray"/>
+      </p:sp>
+      <p:sp>
+        <p:nvSpPr>
+          <p:cNvPr id="3" name="Text Placeholder column 1"/>
+          <p:cNvSpPr>
+            <a:spLocks noGrp="1"/>
+          </p:cNvSpPr>
+          <p:nvPr>
+            <p:ph type="body" sz="quarter" idx="10"/>
+          </p:nvPr>
+        </p:nvSpPr>
+        <p:spPr bwMode="gray"/>
+        <p:txBody>
+          <a:bodyPr/>
+          <a:lstStyle/>
+          <a:p>
+            <a:pPr lvl="0"/>
+            <a:r>
+              <a:rPr lang="en-US" dirty="0"/>
+              <a:t>First level</a:t>
+            </a:r>
+          </a:p>
+          <a:p>
+            <a:pPr lvl="1"/>
+            <a:r>
+              <a:rPr lang="en-US" dirty="0"/>
+              <a:t>Second level</a:t>
+            </a:r>
+          </a:p>
+        </p:txBody>
+      </p:sp>
+      <p:sp>
+        <p:nvSpPr>
+          <p:cNvPr id="15" name="Picture Placeholder 1" descr="Image placeholder left" title="Image placeholde"/>
+          <p:cNvSpPr>
+            <a:spLocks noGrp="1"/>
+          </p:cNvSpPr>
+          <p:nvPr>
+            <p:ph type="pic" sz="quarter" idx="12"/>
+          </p:nvPr>
+        </p:nvSpPr>
+        <p:spPr bwMode="gray"/>
+      </p:sp>
+      <p:sp>
+        <p:nvSpPr>
+          <p:cNvPr id="8" name="Title"/>
+          <p:cNvSpPr>
+            <a:spLocks noGrp="1"/>
+          </p:cNvSpPr>
+          <p:nvPr>
+            <p:ph type="title"/>
+          </p:nvPr>
+        </p:nvSpPr>
+        <p:spPr bwMode="gray"/>
+        <p:txBody>
+          <a:bodyPr/>
+          <a:lstStyle/>
+          <a:p>
+            <a:r>
+              <a:rPr lang="en-US" dirty="0"/>
+              <a:t>Insert page title (sentence case)</a:t>
+            </a:r>
+          </a:p>
+        </p:txBody>
+      </p:sp>
+    </p:spTree>
+    <p:extLst>
+      <p:ext uri="{BB962C8B-B14F-4D97-AF65-F5344CB8AC3E}">
+        <p14:creationId xmlns:p14="http://schemas.microsoft.com/office/powerpoint/2010/main" val="1504049518"/>
+      </p:ext>
+    </p:extLst>
+  </p:cSld>
+  <p:clrMapOvr>
+    <a:masterClrMapping/>
+  </p:clrMapOvr>
+</p:sld>
+</file>
+
+<file path=ppt/slides/slide31.xml><?xml version="1.0" encoding="utf-8"?>
+<p:sld xmlns:a="http://schemas.openxmlformats.org/drawingml/2006/main" xmlns:r="http://schemas.openxmlformats.org/officeDocument/2006/relationships" xmlns:p="http://schemas.openxmlformats.org/presentationml/2006/main">
+  <p:cSld>
+    <p:spTree>
+      <p:nvGrpSpPr>
+        <p:cNvPr id="1" name=""/>
+        <p:cNvGrpSpPr/>
+        <p:nvPr/>
+      </p:nvGrpSpPr>
+      <p:grpSpPr>
+        <a:xfrm>
+          <a:off x="0" y="0"/>
+          <a:ext cx="0" cy="0"/>
+          <a:chOff x="0" y="0"/>
+          <a:chExt cx="0" cy="0"/>
+        </a:xfrm>
+      </p:grpSpPr>
+      <p:sp>
+        <p:nvSpPr>
+          <p:cNvPr id="12" name="Text Placeholder column 3"/>
+          <p:cNvSpPr>
+            <a:spLocks noGrp="1"/>
+          </p:cNvSpPr>
+          <p:nvPr>
+            <p:ph type="body" sz="quarter" idx="13"/>
+          </p:nvPr>
+        </p:nvSpPr>
+        <p:spPr bwMode="gray"/>
+        <p:txBody>
+          <a:bodyPr/>
+          <a:lstStyle/>
+          <a:p>
+            <a:pPr lvl="0"/>
+            <a:r>
+              <a:rPr lang="en-US" dirty="0"/>
+              <a:t>First level</a:t>
+            </a:r>
+          </a:p>
+          <a:p>
+            <a:pPr lvl="1"/>
+            <a:r>
+              <a:rPr lang="en-US" dirty="0"/>
+              <a:t>Second level</a:t>
+            </a:r>
+          </a:p>
+        </p:txBody>
+      </p:sp>
+      <p:sp>
+        <p:nvSpPr>
+          <p:cNvPr id="13" name="Picture Placeholder 3" descr="Image placeholder 3/3" title="Image placeholder 3/3"/>
+          <p:cNvSpPr>
+            <a:spLocks noGrp="1"/>
+          </p:cNvSpPr>
+          <p:nvPr>
+            <p:ph type="pic" sz="quarter" idx="14"/>
+          </p:nvPr>
+        </p:nvSpPr>
+        <p:spPr bwMode="gray"/>
+      </p:sp>
+      <p:sp>
+        <p:nvSpPr>
+          <p:cNvPr id="14" name="Text Placeholder column 2"/>
+          <p:cNvSpPr>
+            <a:spLocks noGrp="1"/>
+          </p:cNvSpPr>
+          <p:nvPr>
+            <p:ph type="body" sz="quarter" idx="15"/>
+          </p:nvPr>
+        </p:nvSpPr>
+        <p:spPr bwMode="gray"/>
+        <p:txBody>
+          <a:bodyPr/>
+          <a:lstStyle/>
+          <a:p>
+            <a:pPr lvl="0"/>
+            <a:r>
+              <a:rPr lang="en-US" dirty="0"/>
+              <a:t>First level</a:t>
+            </a:r>
+          </a:p>
+          <a:p>
+            <a:pPr lvl="1"/>
+            <a:r>
+              <a:rPr lang="en-US" dirty="0"/>
+              <a:t>Second level</a:t>
+            </a:r>
+          </a:p>
+        </p:txBody>
+      </p:sp>
+      <p:sp>
+        <p:nvSpPr>
+          <p:cNvPr id="15" name="Picture Placeholder 2" descr="Image placeholder 2/3" title="Image placeholder 2/3"/>
+          <p:cNvSpPr>
+            <a:spLocks noGrp="1"/>
+          </p:cNvSpPr>
+          <p:nvPr>
+            <p:ph type="pic" sz="quarter" idx="16"/>
+          </p:nvPr>
+        </p:nvSpPr>
+        <p:spPr bwMode="gray"/>
+      </p:sp>
+      <p:sp>
+        <p:nvSpPr>
+          <p:cNvPr id="10" name="Text Placeholder column 1"/>
+          <p:cNvSpPr>
+            <a:spLocks noGrp="1"/>
+          </p:cNvSpPr>
+          <p:nvPr>
+            <p:ph type="body" sz="quarter" idx="10"/>
+          </p:nvPr>
+        </p:nvSpPr>
+        <p:spPr bwMode="gray"/>
+        <p:txBody>
+          <a:bodyPr/>
+          <a:lstStyle/>
+          <a:p>
+            <a:pPr lvl="0"/>
+            <a:r>
+              <a:rPr lang="en-US" dirty="0"/>
+              <a:t>First level</a:t>
+            </a:r>
+          </a:p>
+          <a:p>
+            <a:pPr lvl="1"/>
+            <a:r>
+              <a:rPr lang="en-US" dirty="0"/>
+              <a:t>Second level</a:t>
+            </a:r>
+          </a:p>
+        </p:txBody>
+      </p:sp>
+      <p:sp>
+        <p:nvSpPr>
+          <p:cNvPr id="11" name="Picture Placeholder 1" descr="Image placeholder 1/3" title="Image placeholder 1/3"/>
+          <p:cNvSpPr>
+            <a:spLocks noGrp="1"/>
+          </p:cNvSpPr>
+          <p:nvPr>
+            <p:ph type="pic" sz="quarter" idx="12"/>
+          </p:nvPr>
+        </p:nvSpPr>
+        <p:spPr bwMode="gray"/>
+      </p:sp>
+      <p:sp>
+        <p:nvSpPr>
+          <p:cNvPr id="2" name="Title"/>
+          <p:cNvSpPr>
+            <a:spLocks noGrp="1"/>
+          </p:cNvSpPr>
+          <p:nvPr>
+            <p:ph type="title"/>
+          </p:nvPr>
+        </p:nvSpPr>
+        <p:spPr bwMode="gray"/>
+        <p:txBody>
+          <a:bodyPr/>
+          <a:lstStyle/>
+          <a:p>
+            <a:r>
+              <a:rPr lang="en-US" dirty="0"/>
+              <a:t>Insert page title (sentence case)</a:t>
+            </a:r>
+          </a:p>
+        </p:txBody>
+      </p:sp>
+    </p:spTree>
+    <p:extLst>
+      <p:ext uri="{BB962C8B-B14F-4D97-AF65-F5344CB8AC3E}">
+        <p14:creationId xmlns:p14="http://schemas.microsoft.com/office/powerpoint/2010/main" val="1175416068"/>
+      </p:ext>
+    </p:extLst>
+  </p:cSld>
+  <p:clrMapOvr>
+    <a:masterClrMapping/>
+  </p:clrMapOvr>
+</p:sld>
+</file>
+
+<file path=ppt/slides/slide32.xml><?xml version="1.0" encoding="utf-8"?>
+<p:sld xmlns:a="http://schemas.openxmlformats.org/drawingml/2006/main" xmlns:r="http://schemas.openxmlformats.org/officeDocument/2006/relationships" xmlns:p="http://schemas.openxmlformats.org/presentationml/2006/main">
+  <p:cSld>
+    <p:spTree>
+      <p:nvGrpSpPr>
+        <p:cNvPr id="1" name=""/>
+        <p:cNvGrpSpPr/>
+        <p:nvPr/>
+      </p:nvGrpSpPr>
+      <p:grpSpPr>
+        <a:xfrm>
+          <a:off x="0" y="0"/>
+          <a:ext cx="0" cy="0"/>
+          <a:chOff x="0" y="0"/>
+          <a:chExt cx="0" cy="0"/>
+        </a:xfrm>
+      </p:grpSpPr>
+      <p:sp>
+        <p:nvSpPr>
+          <p:cNvPr id="4" name="Placeholder Partner logo"/>
+          <p:cNvSpPr/>
+          <p:nvPr/>
+        </p:nvSpPr>
+        <p:spPr bwMode="gray">
+          <a:xfrm>
+            <a:off x="504000" y="5944029"/>
+            <a:ext cx="944661" cy="402796"/>
+          </a:xfrm>
+          <a:prstGeom prst="rect">
+            <a:avLst/>
+          </a:prstGeom>
+          <a:solidFill>
+            <a:schemeClr val="bg2"/>
+          </a:solidFill>
+          <a:ln w="6350" algn="ctr">
+            <a:noFill/>
+            <a:miter lim="800000"/>
+            <a:headEnd/>
+            <a:tailEnd/>
+          </a:ln>
+        </p:spPr>
+        <p:txBody>
+          <a:bodyPr lIns="89979" tIns="71983" rIns="89979" bIns="71983" rtlCol="0" anchor="ctr"/>
+          <a:lstStyle/>
+          <a:p>
+            <a:pPr algn="ctr" defTabSz="914217" fontAlgn="base">
+              <a:spcBef>
+                <a:spcPct val="50000"/>
+              </a:spcBef>
+              <a:spcAft>
+                <a:spcPct val="0"/>
+              </a:spcAft>
+              <a:buClr>
+                <a:srgbClr val="F0AB00"/>
+              </a:buClr>
+              <a:buSzPct val="80000"/>
+            </a:pPr>
+            <a:r>
+              <a:rPr lang="en-US" sz="1100" kern="0" dirty="0">
+                <a:solidFill>
+                  <a:sysClr val="windowText" lastClr="000000"/>
+                </a:solidFill>
+                <a:ea typeface="Arial Unicode MS" pitchFamily="34" charset="-128"/>
+                <a:cs typeface="Arial Unicode MS" pitchFamily="34" charset="-128"/>
+              </a:rPr>
+              <a:t>Partner logo</a:t>
+            </a:r>
+          </a:p>
+        </p:txBody>
+      </p:sp>
+      <p:sp>
+        <p:nvSpPr>
+          <p:cNvPr id="3" name="Contact information"/>
+          <p:cNvSpPr>
+            <a:spLocks noGrp="1"/>
+          </p:cNvSpPr>
+          <p:nvPr>
+            <p:ph type="body" sz="quarter" idx="10"/>
+          </p:nvPr>
+        </p:nvSpPr>
+        <p:spPr bwMode="gray">
+          <a:xfrm>
+            <a:off x="504000" y="2905487"/>
+            <a:ext cx="5593588" cy="2501010"/>
+          </a:xfrm>
+        </p:spPr>
+        <p:txBody>
+          <a:bodyPr/>
+          <a:lstStyle/>
+          <a:p>
+            <a:r>
+              <a:rPr lang="en-US" dirty="0"/>
+              <a:t>Contact information:</a:t>
+            </a:r>
+          </a:p>
+          <a:p>
+            <a:pPr lvl="1"/>
+            <a:r>
+              <a:rPr lang="en-US" b="1" dirty="0"/>
+              <a:t>F name L name</a:t>
+            </a:r>
+          </a:p>
+          <a:p>
+            <a:pPr lvl="1"/>
+            <a:r>
+              <a:rPr lang="en-US" dirty="0"/>
+              <a:t>Title</a:t>
+            </a:r>
+          </a:p>
+          <a:p>
+            <a:pPr lvl="1"/>
+            <a:r>
+              <a:rPr lang="en-US" dirty="0"/>
+              <a:t>Address</a:t>
+            </a:r>
+          </a:p>
+          <a:p>
+            <a:pPr lvl="1"/>
+            <a:r>
+              <a:rPr lang="en-US" dirty="0"/>
+              <a:t>Phone number</a:t>
+            </a:r>
+          </a:p>
+        </p:txBody>
+      </p:sp>
+      <p:sp>
+        <p:nvSpPr>
+          <p:cNvPr id="2" name="Thank you"/>
+          <p:cNvSpPr>
+            <a:spLocks noGrp="1"/>
+          </p:cNvSpPr>
+          <p:nvPr>
+            <p:ph type="ctrTitle"/>
+          </p:nvPr>
+        </p:nvSpPr>
+        <p:spPr bwMode="gray"/>
+        <p:txBody>
+          <a:bodyPr/>
+          <a:lstStyle/>
+          <a:p>
+            <a:r>
+              <a:rPr lang="en-US" dirty="0"/>
+              <a:t>Thank you.</a:t>
+            </a:r>
+          </a:p>
+        </p:txBody>
+      </p:sp>
+    </p:spTree>
+    <p:extLst>
+      <p:ext uri="{BB962C8B-B14F-4D97-AF65-F5344CB8AC3E}">
+        <p14:creationId xmlns:p14="http://schemas.microsoft.com/office/powerpoint/2010/main" val="1881851238"/>
+      </p:ext>
+    </p:extLst>
+  </p:cSld>
+  <p:clrMapOvr>
+    <a:masterClrMapping/>
+  </p:clrMapOvr>
+</p:sld>
+</file>
+
+<file path=ppt/slides/slide33.xml><?xml version="1.0" encoding="utf-8"?>
+<p:sld xmlns:a="http://schemas.openxmlformats.org/drawingml/2006/main" xmlns:r="http://schemas.openxmlformats.org/officeDocument/2006/relationships" xmlns:p="http://schemas.openxmlformats.org/presentationml/2006/main" show="0">
+  <p:cSld>
+    <p:spTree>
+      <p:nvGrpSpPr>
+        <p:cNvPr id="1" name=""/>
+        <p:cNvGrpSpPr/>
+        <p:nvPr/>
+      </p:nvGrpSpPr>
+      <p:grpSpPr>
+        <a:xfrm>
+          <a:off x="0" y="0"/>
+          <a:ext cx="0" cy="0"/>
+          <a:chOff x="0" y="0"/>
+          <a:chExt cx="0" cy="0"/>
+        </a:xfrm>
+      </p:grpSpPr>
+    </p:spTree>
+  </p:cSld>
+  <p:clrMapOvr>
+    <a:masterClrMapping/>
+  </p:clrMapOvr>
+  <p:transition spd="med"/>
+</p:sld>
+</file>
+
+<file path=ppt/slides/slide34.xml><?xml version="1.0" encoding="utf-8"?>
+<p:sld xmlns:a="http://schemas.openxmlformats.org/drawingml/2006/main" xmlns:r="http://schemas.openxmlformats.org/officeDocument/2006/relationships" xmlns:p="http://schemas.openxmlformats.org/presentationml/2006/main" show="0">
+  <p:cSld>
+    <p:spTree>
+      <p:nvGrpSpPr>
+        <p:cNvPr id="1" name=""/>
+        <p:cNvGrpSpPr/>
+        <p:nvPr/>
+      </p:nvGrpSpPr>
+      <p:grpSpPr>
+        <a:xfrm>
+          <a:off x="0" y="0"/>
+          <a:ext cx="0" cy="0"/>
+          <a:chOff x="0" y="0"/>
+          <a:chExt cx="0" cy="0"/>
+        </a:xfrm>
+      </p:grpSpPr>
+    </p:spTree>
+    <p:extLst>
+      <p:ext uri="{BB962C8B-B14F-4D97-AF65-F5344CB8AC3E}">
+        <p14:creationId xmlns:p14="http://schemas.microsoft.com/office/powerpoint/2010/main" val="3005185487"/>
       </p:ext>
     </p:extLst>
   </p:cSld>
@@ -12549,8 +13942,8 @@
           <a:lstStyle/>
           <a:p>
             <a:r>
-              <a:rPr lang="en-US" dirty="0"/>
-              <a:t>Divider </a:t>
+              <a:rPr lang="en-US" altLang="zh-CN" dirty="0"/>
+              <a:t>technique of </a:t>
             </a:r>
             <a:r>
               <a:rPr lang="en-US" dirty="0">
@@ -12558,7 +13951,7 @@
                   <a:schemeClr val="accent1"/>
                 </a:solidFill>
               </a:rPr>
-              <a:t>page</a:t>
+              <a:t>MongoDB</a:t>
             </a:r>
             <a:endParaRPr lang="en-US" dirty="0"/>
           </a:p>
@@ -12586,7 +13979,7 @@
     </p:spTree>
     <p:extLst>
       <p:ext uri="{BB962C8B-B14F-4D97-AF65-F5344CB8AC3E}">
-        <p14:creationId xmlns:p14="http://schemas.microsoft.com/office/powerpoint/2010/main" val="1515423877"/>
+        <p14:creationId xmlns:p14="http://schemas.microsoft.com/office/powerpoint/2010/main" val="1069789650"/>
       </p:ext>
     </p:extLst>
   </p:cSld>

--- a/NoSQL/The_survey_on_MongoDB.pptx
+++ b/NoSQL/The_survey_on_MongoDB.pptx
@@ -6,10 +6,10 @@
     <p:sldMasterId id="2147483782" r:id="rId5"/>
   </p:sldMasterIdLst>
   <p:notesMasterIdLst>
-    <p:notesMasterId r:id="rId40"/>
+    <p:notesMasterId r:id="rId30"/>
   </p:notesMasterIdLst>
   <p:handoutMasterIdLst>
-    <p:handoutMasterId r:id="rId41"/>
+    <p:handoutMasterId r:id="rId31"/>
   </p:handoutMasterIdLst>
   <p:sldIdLst>
     <p:sldId id="439" r:id="rId6"/>
@@ -24,28 +24,18 @@
     <p:sldId id="459" r:id="rId15"/>
     <p:sldId id="461" r:id="rId16"/>
     <p:sldId id="462" r:id="rId17"/>
-    <p:sldId id="460" r:id="rId18"/>
-    <p:sldId id="463" r:id="rId19"/>
-    <p:sldId id="458" r:id="rId20"/>
-    <p:sldId id="457" r:id="rId21"/>
-    <p:sldId id="430" r:id="rId22"/>
-    <p:sldId id="448" r:id="rId23"/>
-    <p:sldId id="382" r:id="rId24"/>
-    <p:sldId id="441" r:id="rId25"/>
-    <p:sldId id="449" r:id="rId26"/>
-    <p:sldId id="374" r:id="rId27"/>
-    <p:sldId id="445" r:id="rId28"/>
-    <p:sldId id="380" r:id="rId29"/>
-    <p:sldId id="452" r:id="rId30"/>
-    <p:sldId id="379" r:id="rId31"/>
-    <p:sldId id="423" r:id="rId32"/>
-    <p:sldId id="387" r:id="rId33"/>
-    <p:sldId id="390" r:id="rId34"/>
-    <p:sldId id="420" r:id="rId35"/>
-    <p:sldId id="421" r:id="rId36"/>
-    <p:sldId id="413" r:id="rId37"/>
-    <p:sldId id="265" r:id="rId38"/>
-    <p:sldId id="435" r:id="rId39"/>
+    <p:sldId id="464" r:id="rId18"/>
+    <p:sldId id="465" r:id="rId19"/>
+    <p:sldId id="460" r:id="rId20"/>
+    <p:sldId id="463" r:id="rId21"/>
+    <p:sldId id="458" r:id="rId22"/>
+    <p:sldId id="466" r:id="rId23"/>
+    <p:sldId id="467" r:id="rId24"/>
+    <p:sldId id="469" r:id="rId25"/>
+    <p:sldId id="430" r:id="rId26"/>
+    <p:sldId id="468" r:id="rId27"/>
+    <p:sldId id="413" r:id="rId28"/>
+    <p:sldId id="265" r:id="rId29"/>
   </p:sldIdLst>
   <p:sldSz cx="12195175" cy="6858000"/>
   <p:notesSz cx="6858000" cy="9144000"/>
@@ -741,7 +731,7 @@
             <a:fld id="{7D8C2C35-2B8A-446E-BEC0-FD36716C29AC}" type="slidenum">
               <a:rPr lang="de-DE" smtClean="0"/>
               <a:pPr/>
-              <a:t>33</a:t>
+              <a:t>24</a:t>
             </a:fld>
             <a:endParaRPr lang="de-DE" dirty="0"/>
           </a:p>
@@ -9572,8 +9562,16 @@
           <a:lstStyle/>
           <a:p>
             <a:r>
+              <a:rPr lang="en-US" altLang="zh-CN" dirty="0" err="1"/>
+              <a:t>Sharding</a:t>
+            </a:r>
+            <a:r>
+              <a:rPr lang="en-US" altLang="zh-CN" dirty="0"/>
+              <a:t> </a:t>
+            </a:r>
+            <a:r>
               <a:rPr lang="en-US" dirty="0"/>
-              <a:t>Storage Engines of MongoDB</a:t>
+              <a:t>of MongoDB</a:t>
             </a:r>
           </a:p>
         </p:txBody>
@@ -9583,7 +9581,7 @@
           <p:cNvPr id="3" name="文本框 2">
             <a:extLst>
               <a:ext uri="{FF2B5EF4-FFF2-40B4-BE49-F238E27FC236}">
-                <a16:creationId xmlns:a16="http://schemas.microsoft.com/office/drawing/2014/main" id="{7AC9526A-CB72-4754-AA72-48A3A2330376}"/>
+                <a16:creationId xmlns:a16="http://schemas.microsoft.com/office/drawing/2014/main" id="{4F7A5278-FE4F-4868-AC5E-D34A9850FD1C}"/>
               </a:ext>
             </a:extLst>
           </p:cNvPr>
@@ -9592,8 +9590,8 @@
         </p:nvSpPr>
         <p:spPr>
           <a:xfrm>
-            <a:off x="763587" y="1876926"/>
-            <a:ext cx="10668000" cy="4154984"/>
+            <a:off x="636724" y="1283368"/>
+            <a:ext cx="4846554" cy="4431983"/>
           </a:xfrm>
           <a:prstGeom prst="rect">
             <a:avLst/>
@@ -9606,6 +9604,56 @@
           </a:bodyPr>
           <a:lstStyle/>
           <a:p>
+            <a:pPr fontAlgn="base">
+              <a:spcBef>
+                <a:spcPct val="50000"/>
+              </a:spcBef>
+              <a:spcAft>
+                <a:spcPct val="0"/>
+              </a:spcAft>
+              <a:buClr>
+                <a:srgbClr val="F0AB00"/>
+              </a:buClr>
+              <a:buSzPct val="80000"/>
+            </a:pPr>
+            <a:r>
+              <a:rPr lang="en-US" altLang="zh-CN" sz="1800" kern="0" dirty="0">
+                <a:ea typeface="Arial Unicode MS" pitchFamily="34" charset="-128"/>
+                <a:cs typeface="Arial Unicode MS" pitchFamily="34" charset="-128"/>
+              </a:rPr>
+              <a:t>MongoDB supports horizontal scaling through </a:t>
+            </a:r>
+            <a:r>
+              <a:rPr lang="en-US" altLang="zh-CN" sz="1800" kern="0" dirty="0" err="1">
+                <a:ea typeface="Arial Unicode MS" pitchFamily="34" charset="-128"/>
+                <a:cs typeface="Arial Unicode MS" pitchFamily="34" charset="-128"/>
+              </a:rPr>
+              <a:t>sharding</a:t>
+            </a:r>
+            <a:endParaRPr lang="en-US" altLang="zh-CN" sz="1800" kern="0" dirty="0">
+              <a:ea typeface="Arial Unicode MS" pitchFamily="34" charset="-128"/>
+              <a:cs typeface="Arial Unicode MS" pitchFamily="34" charset="-128"/>
+            </a:endParaRPr>
+          </a:p>
+          <a:p>
+            <a:pPr fontAlgn="base">
+              <a:spcBef>
+                <a:spcPct val="50000"/>
+              </a:spcBef>
+              <a:spcAft>
+                <a:spcPct val="0"/>
+              </a:spcAft>
+              <a:buClr>
+                <a:srgbClr val="F0AB00"/>
+              </a:buClr>
+              <a:buSzPct val="80000"/>
+            </a:pPr>
+            <a:endParaRPr lang="en-US" altLang="zh-CN" sz="1800" kern="0" dirty="0">
+              <a:ea typeface="Arial Unicode MS" pitchFamily="34" charset="-128"/>
+              <a:cs typeface="Arial Unicode MS" pitchFamily="34" charset="-128"/>
+            </a:endParaRPr>
+          </a:p>
+          <a:p>
             <a:pPr marL="285750" indent="-285750" fontAlgn="base">
               <a:spcBef>
                 <a:spcPct val="50000"/>
@@ -9621,25 +9669,18 @@
               <a:buChar char="n"/>
             </a:pPr>
             <a:r>
-              <a:rPr lang="en-US" altLang="zh-CN" sz="2000" b="1" kern="0" dirty="0" err="1">
+              <a:rPr lang="en-US" altLang="zh-CN" sz="1800" kern="0" dirty="0" err="1">
                 <a:ea typeface="Arial Unicode MS" pitchFamily="34" charset="-128"/>
                 <a:cs typeface="Arial Unicode MS" pitchFamily="34" charset="-128"/>
               </a:rPr>
-              <a:t>WiredTiger</a:t>
-            </a:r>
-            <a:r>
-              <a:rPr lang="en-US" altLang="zh-CN" sz="2000" b="1" kern="0" dirty="0">
+              <a:t>Sharded</a:t>
+            </a:r>
+            <a:r>
+              <a:rPr lang="en-US" altLang="zh-CN" sz="1800" kern="0" dirty="0">
                 <a:ea typeface="Arial Unicode MS" pitchFamily="34" charset="-128"/>
                 <a:cs typeface="Arial Unicode MS" pitchFamily="34" charset="-128"/>
               </a:rPr>
-              <a:t> Storage Engine</a:t>
-            </a:r>
-            <a:r>
-              <a:rPr lang="en-US" altLang="zh-CN" sz="2000" b="1" i="1" kern="0" dirty="0">
-                <a:ea typeface="Arial Unicode MS" pitchFamily="34" charset="-128"/>
-                <a:cs typeface="Arial Unicode MS" pitchFamily="34" charset="-128"/>
-              </a:rPr>
-              <a:t>(Default)</a:t>
+              <a:t> Cluster</a:t>
             </a:r>
           </a:p>
           <a:p>
@@ -9658,11 +9699,11 @@
               <a:buChar char="n"/>
             </a:pPr>
             <a:r>
-              <a:rPr lang="en-US" altLang="zh-CN" sz="2000" kern="0" dirty="0">
+              <a:rPr lang="en-US" altLang="zh-CN" sz="1800" kern="0" dirty="0">
                 <a:ea typeface="Arial Unicode MS" pitchFamily="34" charset="-128"/>
                 <a:cs typeface="Arial Unicode MS" pitchFamily="34" charset="-128"/>
               </a:rPr>
-              <a:t>provide a document-level concurrency model, checkpointing and compression, among other features.</a:t>
+              <a:t>Shard: contains a subset of the data, and can be deployed as a replica set.</a:t>
             </a:r>
           </a:p>
           <a:p>
@@ -9681,29 +9722,15 @@
               <a:buChar char="n"/>
             </a:pPr>
             <a:r>
-              <a:rPr lang="en-US" altLang="zh-CN" sz="2000" kern="0" dirty="0">
+              <a:rPr lang="en-US" altLang="zh-CN" sz="1800" kern="0" dirty="0">
                 <a:ea typeface="Arial Unicode MS" pitchFamily="34" charset="-128"/>
                 <a:cs typeface="Arial Unicode MS" pitchFamily="34" charset="-128"/>
               </a:rPr>
-              <a:t>In MongoDB Enterprise, it </a:t>
-            </a:r>
-            <a:r>
-              <a:rPr lang="en-US" altLang="zh-CN" sz="2000" kern="0" dirty="0" err="1">
-                <a:ea typeface="Arial Unicode MS" pitchFamily="34" charset="-128"/>
-                <a:cs typeface="Arial Unicode MS" pitchFamily="34" charset="-128"/>
-              </a:rPr>
-              <a:t>alse</a:t>
-            </a:r>
-            <a:r>
-              <a:rPr lang="en-US" altLang="zh-CN" sz="2000" kern="0" dirty="0">
-                <a:ea typeface="Arial Unicode MS" pitchFamily="34" charset="-128"/>
-                <a:cs typeface="Arial Unicode MS" pitchFamily="34" charset="-128"/>
-              </a:rPr>
-              <a:t> supports Encryption at Rest.</a:t>
-            </a:r>
-          </a:p>
-          <a:p>
-            <a:pPr marL="285750" indent="-285750" fontAlgn="base">
+              <a:t>Mongos: acts as a query router, interface between applications and cluster.</a:t>
+            </a:r>
+          </a:p>
+          <a:p>
+            <a:pPr marL="830138" lvl="1" indent="-285750" fontAlgn="base">
               <a:spcBef>
                 <a:spcPct val="50000"/>
               </a:spcBef>
@@ -9718,19 +9745,19 @@
               <a:buChar char="n"/>
             </a:pPr>
             <a:r>
-              <a:rPr lang="en-US" altLang="zh-CN" sz="2000" b="1" kern="0" dirty="0">
+              <a:rPr lang="en-US" altLang="zh-CN" sz="1800" kern="0" dirty="0">
                 <a:ea typeface="Arial Unicode MS" pitchFamily="34" charset="-128"/>
                 <a:cs typeface="Arial Unicode MS" pitchFamily="34" charset="-128"/>
               </a:rPr>
-              <a:t>In-Memory Storage Engine</a:t>
-            </a:r>
-            <a:endParaRPr lang="en-US" altLang="zh-CN" sz="2000" b="1" i="1" kern="0" dirty="0">
+              <a:t>Config servers: config servers store metadata and configuration settings for the cluster.</a:t>
+            </a:r>
+            <a:endParaRPr lang="en-US" altLang="zh-CN" sz="1400" kern="0" dirty="0">
               <a:ea typeface="Arial Unicode MS" pitchFamily="34" charset="-128"/>
               <a:cs typeface="Arial Unicode MS" pitchFamily="34" charset="-128"/>
             </a:endParaRPr>
           </a:p>
           <a:p>
-            <a:pPr marL="830138" lvl="1" indent="-285750" fontAlgn="base">
+            <a:pPr fontAlgn="base">
               <a:spcBef>
                 <a:spcPct val="50000"/>
               </a:spcBef>
@@ -9741,86 +9768,48 @@
                 <a:srgbClr val="F0AB00"/>
               </a:buClr>
               <a:buSzPct val="80000"/>
-              <a:buFont typeface="Wingdings" panose="05000000000000000000" pitchFamily="2" charset="2"/>
-              <a:buChar char="n"/>
             </a:pPr>
-            <a:r>
-              <a:rPr lang="en-US" altLang="zh-CN" sz="2000" kern="0" dirty="0">
-                <a:ea typeface="Arial Unicode MS" pitchFamily="34" charset="-128"/>
-                <a:cs typeface="Arial Unicode MS" pitchFamily="34" charset="-128"/>
-              </a:rPr>
-              <a:t>Available in MongoDB Enterprise</a:t>
-            </a:r>
-          </a:p>
-          <a:p>
-            <a:pPr marL="830138" lvl="1" indent="-285750" fontAlgn="base">
-              <a:spcBef>
-                <a:spcPct val="50000"/>
-              </a:spcBef>
-              <a:spcAft>
-                <a:spcPct val="0"/>
-              </a:spcAft>
-              <a:buClr>
-                <a:srgbClr val="F0AB00"/>
-              </a:buClr>
-              <a:buSzPct val="80000"/>
-              <a:buFont typeface="Wingdings" panose="05000000000000000000" pitchFamily="2" charset="2"/>
-              <a:buChar char="n"/>
-            </a:pPr>
-            <a:r>
-              <a:rPr lang="en-US" altLang="zh-CN" sz="2000" kern="0" dirty="0">
-                <a:ea typeface="Arial Unicode MS" pitchFamily="34" charset="-128"/>
-                <a:cs typeface="Arial Unicode MS" pitchFamily="34" charset="-128"/>
-              </a:rPr>
-              <a:t>Rather than storing documents on-disk, it retains them in-memory for more predictable data latencies.</a:t>
-            </a:r>
-          </a:p>
-          <a:p>
-            <a:pPr marL="830138" lvl="1" indent="-285750" fontAlgn="base">
-              <a:spcBef>
-                <a:spcPct val="50000"/>
-              </a:spcBef>
-              <a:spcAft>
-                <a:spcPct val="0"/>
-              </a:spcAft>
-              <a:buClr>
-                <a:srgbClr val="F0AB00"/>
-              </a:buClr>
-              <a:buSzPct val="80000"/>
-              <a:buFont typeface="Wingdings" panose="05000000000000000000" pitchFamily="2" charset="2"/>
-              <a:buChar char="n"/>
-            </a:pPr>
-            <a:endParaRPr lang="en-US" altLang="zh-CN" sz="2000" kern="0" dirty="0">
+            <a:endParaRPr lang="zh-CN" altLang="en-US" sz="1800" kern="0" dirty="0" err="1">
               <a:ea typeface="Arial Unicode MS" pitchFamily="34" charset="-128"/>
               <a:cs typeface="Arial Unicode MS" pitchFamily="34" charset="-128"/>
             </a:endParaRPr>
           </a:p>
-          <a:p>
-            <a:pPr marL="285750" indent="-285750" fontAlgn="base">
-              <a:spcBef>
-                <a:spcPct val="50000"/>
-              </a:spcBef>
-              <a:spcAft>
-                <a:spcPct val="0"/>
-              </a:spcAft>
-              <a:buClr>
-                <a:srgbClr val="F0AB00"/>
-              </a:buClr>
-              <a:buSzPct val="80000"/>
-              <a:buFont typeface="Wingdings" panose="05000000000000000000" pitchFamily="2" charset="2"/>
-              <a:buChar char="n"/>
-            </a:pPr>
-            <a:endParaRPr lang="zh-CN" altLang="en-US" sz="2000" kern="0" dirty="0" err="1">
-              <a:ea typeface="Arial Unicode MS" pitchFamily="34" charset="-128"/>
-              <a:cs typeface="Arial Unicode MS" pitchFamily="34" charset="-128"/>
-            </a:endParaRPr>
-          </a:p>
         </p:txBody>
       </p:sp>
+      <p:pic>
+        <p:nvPicPr>
+          <p:cNvPr id="4" name="图片 3">
+            <a:extLst>
+              <a:ext uri="{FF2B5EF4-FFF2-40B4-BE49-F238E27FC236}">
+                <a16:creationId xmlns:a16="http://schemas.microsoft.com/office/drawing/2014/main" id="{5F0DBACA-009A-4D7C-9BC9-DE2E5B7FA23D}"/>
+              </a:ext>
+            </a:extLst>
+          </p:cNvPr>
+          <p:cNvPicPr>
+            <a:picLocks noChangeAspect="1"/>
+          </p:cNvPicPr>
+          <p:nvPr/>
+        </p:nvPicPr>
+        <p:blipFill>
+          <a:blip r:embed="rId2"/>
+          <a:stretch>
+            <a:fillRect/>
+          </a:stretch>
+        </p:blipFill>
+        <p:spPr>
+          <a:xfrm>
+            <a:off x="6261773" y="1283368"/>
+            <a:ext cx="5639289" cy="4107536"/>
+          </a:xfrm>
+          <a:prstGeom prst="rect">
+            <a:avLst/>
+          </a:prstGeom>
+        </p:spPr>
+      </p:pic>
     </p:spTree>
     <p:extLst>
       <p:ext uri="{BB962C8B-B14F-4D97-AF65-F5344CB8AC3E}">
-        <p14:creationId xmlns:p14="http://schemas.microsoft.com/office/powerpoint/2010/main" val="1156535004"/>
+        <p14:creationId xmlns:p14="http://schemas.microsoft.com/office/powerpoint/2010/main" val="1343496476"/>
       </p:ext>
     </p:extLst>
   </p:cSld>
@@ -9849,12 +9838,12 @@
       </p:grpSpPr>
       <p:sp>
         <p:nvSpPr>
-          <p:cNvPr id="3" name="Divider"/>
+          <p:cNvPr id="2" name="Title"/>
           <p:cNvSpPr>
             <a:spLocks noGrp="1"/>
           </p:cNvSpPr>
           <p:nvPr>
-            <p:ph type="ctrTitle"/>
+            <p:ph type="title"/>
           </p:nvPr>
         </p:nvSpPr>
         <p:spPr bwMode="gray"/>
@@ -9864,43 +9853,249 @@
           <a:p>
             <a:r>
               <a:rPr lang="en-US" dirty="0"/>
-              <a:t>Divider </a:t>
-            </a:r>
-            <a:r>
-              <a:rPr lang="en-US" dirty="0">
-                <a:solidFill>
-                  <a:schemeClr val="accent1"/>
-                </a:solidFill>
-              </a:rPr>
-              <a:t>page</a:t>
+              <a:t>Advantages of </a:t>
+            </a:r>
+            <a:r>
+              <a:rPr lang="en-US" dirty="0" err="1"/>
+              <a:t>Sharding</a:t>
             </a:r>
             <a:endParaRPr lang="en-US" dirty="0"/>
           </a:p>
         </p:txBody>
       </p:sp>
-      <p:pic>
-        <p:nvPicPr>
-          <p:cNvPr id="6" name="Illustration" descr="Example of an illustration " title="Illustration for divider page"/>
-          <p:cNvPicPr>
-            <a:picLocks noGrp="1" noChangeAspect="1"/>
-          </p:cNvPicPr>
-          <p:nvPr>
-            <p:ph type="pic" sz="quarter" idx="12"/>
-          </p:nvPr>
-        </p:nvPicPr>
-        <p:blipFill>
-          <a:blip r:embed="rId2"/>
-          <a:srcRect t="3112" b="3112"/>
-          <a:stretch>
-            <a:fillRect/>
-          </a:stretch>
-        </p:blipFill>
-        <p:spPr bwMode="gray"/>
-      </p:pic>
+      <p:sp>
+        <p:nvSpPr>
+          <p:cNvPr id="3" name="文本框 2">
+            <a:extLst>
+              <a:ext uri="{FF2B5EF4-FFF2-40B4-BE49-F238E27FC236}">
+                <a16:creationId xmlns:a16="http://schemas.microsoft.com/office/drawing/2014/main" id="{4FBAFA84-29CB-4A7C-A762-6E9727E374F1}"/>
+              </a:ext>
+            </a:extLst>
+          </p:cNvPr>
+          <p:cNvSpPr txBox="1"/>
+          <p:nvPr/>
+        </p:nvSpPr>
+        <p:spPr>
+          <a:xfrm>
+            <a:off x="699681" y="1989222"/>
+            <a:ext cx="11495494" cy="3670236"/>
+          </a:xfrm>
+          <a:prstGeom prst="rect">
+            <a:avLst/>
+          </a:prstGeom>
+          <a:noFill/>
+        </p:spPr>
+        <p:txBody>
+          <a:bodyPr wrap="square" lIns="0" tIns="0" rIns="0" bIns="0" rtlCol="0">
+            <a:spAutoFit/>
+          </a:bodyPr>
+          <a:lstStyle/>
+          <a:p>
+            <a:pPr marL="285750" indent="-285750" fontAlgn="base">
+              <a:spcBef>
+                <a:spcPct val="50000"/>
+              </a:spcBef>
+              <a:spcAft>
+                <a:spcPct val="0"/>
+              </a:spcAft>
+              <a:buClr>
+                <a:srgbClr val="F0AB00"/>
+              </a:buClr>
+              <a:buSzPct val="80000"/>
+              <a:buFont typeface="Wingdings" panose="05000000000000000000" pitchFamily="2" charset="2"/>
+              <a:buChar char="n"/>
+            </a:pPr>
+            <a:r>
+              <a:rPr lang="en-US" altLang="zh-CN" sz="1800" kern="0" dirty="0">
+                <a:ea typeface="Arial Unicode MS" pitchFamily="34" charset="-128"/>
+                <a:cs typeface="Arial Unicode MS" pitchFamily="34" charset="-128"/>
+              </a:rPr>
+              <a:t>Reads/Writes</a:t>
+            </a:r>
+          </a:p>
+          <a:p>
+            <a:pPr marL="830138" lvl="1" indent="-285750" fontAlgn="base">
+              <a:spcBef>
+                <a:spcPct val="50000"/>
+              </a:spcBef>
+              <a:spcAft>
+                <a:spcPct val="0"/>
+              </a:spcAft>
+              <a:buClr>
+                <a:srgbClr val="F0AB00"/>
+              </a:buClr>
+              <a:buSzPct val="80000"/>
+              <a:buFont typeface="Wingdings" panose="05000000000000000000" pitchFamily="2" charset="2"/>
+              <a:buChar char="n"/>
+            </a:pPr>
+            <a:r>
+              <a:rPr lang="en-US" altLang="zh-CN" sz="1800" kern="0" dirty="0">
+                <a:ea typeface="Arial Unicode MS" pitchFamily="34" charset="-128"/>
+                <a:cs typeface="Arial Unicode MS" pitchFamily="34" charset="-128"/>
+              </a:rPr>
+              <a:t>Distributes the read and write, allowing each shard to process a subset of cluster operations.</a:t>
+            </a:r>
+          </a:p>
+          <a:p>
+            <a:pPr marL="830138" lvl="1" indent="-285750" fontAlgn="base">
+              <a:spcBef>
+                <a:spcPct val="50000"/>
+              </a:spcBef>
+              <a:spcAft>
+                <a:spcPct val="0"/>
+              </a:spcAft>
+              <a:buClr>
+                <a:srgbClr val="F0AB00"/>
+              </a:buClr>
+              <a:buSzPct val="80000"/>
+              <a:buFont typeface="Wingdings" panose="05000000000000000000" pitchFamily="2" charset="2"/>
+              <a:buChar char="n"/>
+            </a:pPr>
+            <a:r>
+              <a:rPr lang="en-US" altLang="zh-CN" sz="1800" kern="0" dirty="0">
+                <a:ea typeface="Arial Unicode MS" pitchFamily="34" charset="-128"/>
+              </a:rPr>
+              <a:t>read and write workloads can be scaled horizontally across the cluster by adding more shards</a:t>
+            </a:r>
+          </a:p>
+          <a:p>
+            <a:pPr marL="285750" indent="-285750" fontAlgn="base">
+              <a:spcBef>
+                <a:spcPct val="50000"/>
+              </a:spcBef>
+              <a:spcAft>
+                <a:spcPct val="0"/>
+              </a:spcAft>
+              <a:buClr>
+                <a:srgbClr val="F0AB00"/>
+              </a:buClr>
+              <a:buSzPct val="80000"/>
+              <a:buFont typeface="Wingdings" panose="05000000000000000000" pitchFamily="2" charset="2"/>
+              <a:buChar char="n"/>
+            </a:pPr>
+            <a:r>
+              <a:rPr lang="en-US" altLang="zh-CN" sz="1800" kern="0" dirty="0">
+                <a:ea typeface="Arial Unicode MS" pitchFamily="34" charset="-128"/>
+                <a:cs typeface="Arial Unicode MS" pitchFamily="34" charset="-128"/>
+              </a:rPr>
+              <a:t>Storage capacity</a:t>
+            </a:r>
+          </a:p>
+          <a:p>
+            <a:pPr marL="830138" lvl="1" indent="-285750" fontAlgn="base">
+              <a:spcBef>
+                <a:spcPct val="50000"/>
+              </a:spcBef>
+              <a:spcAft>
+                <a:spcPct val="0"/>
+              </a:spcAft>
+              <a:buClr>
+                <a:srgbClr val="F0AB00"/>
+              </a:buClr>
+              <a:buSzPct val="80000"/>
+              <a:buFont typeface="Wingdings" panose="05000000000000000000" pitchFamily="2" charset="2"/>
+              <a:buChar char="n"/>
+            </a:pPr>
+            <a:r>
+              <a:rPr lang="en-US" altLang="zh-CN" sz="1800" kern="0" dirty="0">
+                <a:ea typeface="Arial Unicode MS" pitchFamily="34" charset="-128"/>
+                <a:cs typeface="Arial Unicode MS" pitchFamily="34" charset="-128"/>
+              </a:rPr>
+              <a:t>Distributes data across the shards in the cluster, each shard contain a subset of cluster data</a:t>
+            </a:r>
+          </a:p>
+          <a:p>
+            <a:pPr marL="830138" lvl="1" indent="-285750" fontAlgn="base">
+              <a:spcBef>
+                <a:spcPct val="50000"/>
+              </a:spcBef>
+              <a:spcAft>
+                <a:spcPct val="0"/>
+              </a:spcAft>
+              <a:buClr>
+                <a:srgbClr val="F0AB00"/>
+              </a:buClr>
+              <a:buSzPct val="80000"/>
+              <a:buFont typeface="Wingdings" panose="05000000000000000000" pitchFamily="2" charset="2"/>
+              <a:buChar char="n"/>
+            </a:pPr>
+            <a:r>
+              <a:rPr lang="en-US" altLang="zh-CN" sz="1800" kern="0" dirty="0">
+                <a:ea typeface="Arial Unicode MS" pitchFamily="34" charset="-128"/>
+                <a:cs typeface="Arial Unicode MS" pitchFamily="34" charset="-128"/>
+              </a:rPr>
+              <a:t>Additional shards increase the storage capacity.</a:t>
+            </a:r>
+          </a:p>
+          <a:p>
+            <a:pPr marL="285750" indent="-285750" fontAlgn="base">
+              <a:spcBef>
+                <a:spcPct val="50000"/>
+              </a:spcBef>
+              <a:spcAft>
+                <a:spcPct val="0"/>
+              </a:spcAft>
+              <a:buClr>
+                <a:srgbClr val="F0AB00"/>
+              </a:buClr>
+              <a:buSzPct val="80000"/>
+              <a:buFont typeface="Wingdings" panose="05000000000000000000" pitchFamily="2" charset="2"/>
+              <a:buChar char="n"/>
+            </a:pPr>
+            <a:r>
+              <a:rPr lang="en-US" altLang="zh-CN" sz="1800" kern="0" dirty="0">
+                <a:ea typeface="Arial Unicode MS" pitchFamily="34" charset="-128"/>
+                <a:cs typeface="Arial Unicode MS" pitchFamily="34" charset="-128"/>
+              </a:rPr>
+              <a:t>High availability</a:t>
+            </a:r>
+          </a:p>
+          <a:p>
+            <a:pPr marL="830138" lvl="1" indent="-285750" fontAlgn="base">
+              <a:spcBef>
+                <a:spcPct val="50000"/>
+              </a:spcBef>
+              <a:spcAft>
+                <a:spcPct val="0"/>
+              </a:spcAft>
+              <a:buClr>
+                <a:srgbClr val="F0AB00"/>
+              </a:buClr>
+              <a:buSzPct val="80000"/>
+              <a:buFont typeface="Wingdings" panose="05000000000000000000" pitchFamily="2" charset="2"/>
+              <a:buChar char="n"/>
+            </a:pPr>
+            <a:r>
+              <a:rPr lang="en-US" altLang="zh-CN" sz="1800" kern="0" dirty="0">
+                <a:ea typeface="Arial Unicode MS" pitchFamily="34" charset="-128"/>
+              </a:rPr>
+              <a:t>The deployment of config servers and shards as replica sets provide increased availability</a:t>
+            </a:r>
+          </a:p>
+          <a:p>
+            <a:pPr fontAlgn="base">
+              <a:spcBef>
+                <a:spcPct val="50000"/>
+              </a:spcBef>
+              <a:spcAft>
+                <a:spcPct val="0"/>
+              </a:spcAft>
+              <a:buClr>
+                <a:srgbClr val="F0AB00"/>
+              </a:buClr>
+              <a:buSzPct val="80000"/>
+            </a:pPr>
+            <a:endParaRPr lang="zh-CN" altLang="en-US" sz="1800" kern="0" dirty="0" err="1">
+              <a:ea typeface="Arial Unicode MS" pitchFamily="34" charset="-128"/>
+              <a:cs typeface="Arial Unicode MS" pitchFamily="34" charset="-128"/>
+            </a:endParaRPr>
+          </a:p>
+        </p:txBody>
+      </p:sp>
     </p:spTree>
     <p:extLst>
       <p:ext uri="{BB962C8B-B14F-4D97-AF65-F5344CB8AC3E}">
-        <p14:creationId xmlns:p14="http://schemas.microsoft.com/office/powerpoint/2010/main" val="3452913589"/>
+        <p14:creationId xmlns:p14="http://schemas.microsoft.com/office/powerpoint/2010/main" val="2781649506"/>
       </p:ext>
     </p:extLst>
   </p:cSld>
@@ -9944,15 +10139,254 @@
           <a:p>
             <a:r>
               <a:rPr lang="en-US" dirty="0"/>
-              <a:t>Key Features of MongoDB</a:t>
-            </a:r>
+              <a:t>Storage Engines of MongoDB</a:t>
+            </a:r>
+          </a:p>
+        </p:txBody>
+      </p:sp>
+      <p:sp>
+        <p:nvSpPr>
+          <p:cNvPr id="3" name="文本框 2">
+            <a:extLst>
+              <a:ext uri="{FF2B5EF4-FFF2-40B4-BE49-F238E27FC236}">
+                <a16:creationId xmlns:a16="http://schemas.microsoft.com/office/drawing/2014/main" id="{7AC9526A-CB72-4754-AA72-48A3A2330376}"/>
+              </a:ext>
+            </a:extLst>
+          </p:cNvPr>
+          <p:cNvSpPr txBox="1"/>
+          <p:nvPr/>
+        </p:nvSpPr>
+        <p:spPr>
+          <a:xfrm>
+            <a:off x="763587" y="1876926"/>
+            <a:ext cx="10668000" cy="4154984"/>
+          </a:xfrm>
+          <a:prstGeom prst="rect">
+            <a:avLst/>
+          </a:prstGeom>
+          <a:noFill/>
+        </p:spPr>
+        <p:txBody>
+          <a:bodyPr wrap="square" lIns="0" tIns="0" rIns="0" bIns="0" rtlCol="0">
+            <a:spAutoFit/>
+          </a:bodyPr>
+          <a:lstStyle/>
+          <a:p>
+            <a:pPr marL="285750" indent="-285750" fontAlgn="base">
+              <a:spcBef>
+                <a:spcPct val="50000"/>
+              </a:spcBef>
+              <a:spcAft>
+                <a:spcPct val="0"/>
+              </a:spcAft>
+              <a:buClr>
+                <a:srgbClr val="F0AB00"/>
+              </a:buClr>
+              <a:buSzPct val="80000"/>
+              <a:buFont typeface="Wingdings" panose="05000000000000000000" pitchFamily="2" charset="2"/>
+              <a:buChar char="n"/>
+            </a:pPr>
+            <a:r>
+              <a:rPr lang="en-US" altLang="zh-CN" sz="2000" b="1" kern="0" dirty="0" err="1">
+                <a:ea typeface="Arial Unicode MS" pitchFamily="34" charset="-128"/>
+                <a:cs typeface="Arial Unicode MS" pitchFamily="34" charset="-128"/>
+              </a:rPr>
+              <a:t>WiredTiger</a:t>
+            </a:r>
+            <a:r>
+              <a:rPr lang="en-US" altLang="zh-CN" sz="2000" b="1" kern="0" dirty="0">
+                <a:ea typeface="Arial Unicode MS" pitchFamily="34" charset="-128"/>
+                <a:cs typeface="Arial Unicode MS" pitchFamily="34" charset="-128"/>
+              </a:rPr>
+              <a:t> Storage Engine</a:t>
+            </a:r>
+            <a:r>
+              <a:rPr lang="en-US" altLang="zh-CN" sz="2000" b="1" i="1" kern="0" dirty="0">
+                <a:ea typeface="Arial Unicode MS" pitchFamily="34" charset="-128"/>
+                <a:cs typeface="Arial Unicode MS" pitchFamily="34" charset="-128"/>
+              </a:rPr>
+              <a:t>(Default)</a:t>
+            </a:r>
+          </a:p>
+          <a:p>
+            <a:pPr marL="830138" lvl="1" indent="-285750" fontAlgn="base">
+              <a:spcBef>
+                <a:spcPct val="50000"/>
+              </a:spcBef>
+              <a:spcAft>
+                <a:spcPct val="0"/>
+              </a:spcAft>
+              <a:buClr>
+                <a:srgbClr val="F0AB00"/>
+              </a:buClr>
+              <a:buSzPct val="80000"/>
+              <a:buFont typeface="Wingdings" panose="05000000000000000000" pitchFamily="2" charset="2"/>
+              <a:buChar char="n"/>
+            </a:pPr>
+            <a:r>
+              <a:rPr lang="en-US" altLang="zh-CN" sz="2000" kern="0" dirty="0">
+                <a:ea typeface="Arial Unicode MS" pitchFamily="34" charset="-128"/>
+                <a:cs typeface="Arial Unicode MS" pitchFamily="34" charset="-128"/>
+              </a:rPr>
+              <a:t>provide a document-level concurrency model, checkpointing and compression, among other features.</a:t>
+            </a:r>
+          </a:p>
+          <a:p>
+            <a:pPr marL="830138" lvl="1" indent="-285750" fontAlgn="base">
+              <a:spcBef>
+                <a:spcPct val="50000"/>
+              </a:spcBef>
+              <a:spcAft>
+                <a:spcPct val="0"/>
+              </a:spcAft>
+              <a:buClr>
+                <a:srgbClr val="F0AB00"/>
+              </a:buClr>
+              <a:buSzPct val="80000"/>
+              <a:buFont typeface="Wingdings" panose="05000000000000000000" pitchFamily="2" charset="2"/>
+              <a:buChar char="n"/>
+            </a:pPr>
+            <a:r>
+              <a:rPr lang="en-US" altLang="zh-CN" sz="2000" kern="0" dirty="0">
+                <a:ea typeface="Arial Unicode MS" pitchFamily="34" charset="-128"/>
+                <a:cs typeface="Arial Unicode MS" pitchFamily="34" charset="-128"/>
+              </a:rPr>
+              <a:t>In MongoDB Enterprise, it </a:t>
+            </a:r>
+            <a:r>
+              <a:rPr lang="en-US" altLang="zh-CN" sz="2000" kern="0" dirty="0" err="1">
+                <a:ea typeface="Arial Unicode MS" pitchFamily="34" charset="-128"/>
+                <a:cs typeface="Arial Unicode MS" pitchFamily="34" charset="-128"/>
+              </a:rPr>
+              <a:t>alse</a:t>
+            </a:r>
+            <a:r>
+              <a:rPr lang="en-US" altLang="zh-CN" sz="2000" kern="0" dirty="0">
+                <a:ea typeface="Arial Unicode MS" pitchFamily="34" charset="-128"/>
+                <a:cs typeface="Arial Unicode MS" pitchFamily="34" charset="-128"/>
+              </a:rPr>
+              <a:t> supports Encryption at Rest.</a:t>
+            </a:r>
+          </a:p>
+          <a:p>
+            <a:pPr marL="285750" indent="-285750" fontAlgn="base">
+              <a:spcBef>
+                <a:spcPct val="50000"/>
+              </a:spcBef>
+              <a:spcAft>
+                <a:spcPct val="0"/>
+              </a:spcAft>
+              <a:buClr>
+                <a:srgbClr val="F0AB00"/>
+              </a:buClr>
+              <a:buSzPct val="80000"/>
+              <a:buFont typeface="Wingdings" panose="05000000000000000000" pitchFamily="2" charset="2"/>
+              <a:buChar char="n"/>
+            </a:pPr>
+            <a:r>
+              <a:rPr lang="en-US" altLang="zh-CN" sz="2000" b="1" kern="0" dirty="0">
+                <a:ea typeface="Arial Unicode MS" pitchFamily="34" charset="-128"/>
+                <a:cs typeface="Arial Unicode MS" pitchFamily="34" charset="-128"/>
+              </a:rPr>
+              <a:t>In-Memory Storage Engine</a:t>
+            </a:r>
+            <a:endParaRPr lang="en-US" altLang="zh-CN" sz="2000" b="1" i="1" kern="0" dirty="0">
+              <a:ea typeface="Arial Unicode MS" pitchFamily="34" charset="-128"/>
+              <a:cs typeface="Arial Unicode MS" pitchFamily="34" charset="-128"/>
+            </a:endParaRPr>
+          </a:p>
+          <a:p>
+            <a:pPr marL="830138" lvl="1" indent="-285750" fontAlgn="base">
+              <a:spcBef>
+                <a:spcPct val="50000"/>
+              </a:spcBef>
+              <a:spcAft>
+                <a:spcPct val="0"/>
+              </a:spcAft>
+              <a:buClr>
+                <a:srgbClr val="F0AB00"/>
+              </a:buClr>
+              <a:buSzPct val="80000"/>
+              <a:buFont typeface="Wingdings" panose="05000000000000000000" pitchFamily="2" charset="2"/>
+              <a:buChar char="n"/>
+            </a:pPr>
+            <a:r>
+              <a:rPr lang="en-US" altLang="zh-CN" sz="2000" kern="0" dirty="0">
+                <a:ea typeface="Arial Unicode MS" pitchFamily="34" charset="-128"/>
+                <a:cs typeface="Arial Unicode MS" pitchFamily="34" charset="-128"/>
+              </a:rPr>
+              <a:t>Available in MongoDB Enterprise</a:t>
+            </a:r>
+          </a:p>
+          <a:p>
+            <a:pPr marL="830138" lvl="1" indent="-285750" fontAlgn="base">
+              <a:spcBef>
+                <a:spcPct val="50000"/>
+              </a:spcBef>
+              <a:spcAft>
+                <a:spcPct val="0"/>
+              </a:spcAft>
+              <a:buClr>
+                <a:srgbClr val="F0AB00"/>
+              </a:buClr>
+              <a:buSzPct val="80000"/>
+              <a:buFont typeface="Wingdings" panose="05000000000000000000" pitchFamily="2" charset="2"/>
+              <a:buChar char="n"/>
+            </a:pPr>
+            <a:r>
+              <a:rPr lang="en-US" altLang="zh-CN" sz="2000" kern="0" dirty="0">
+                <a:ea typeface="Arial Unicode MS" pitchFamily="34" charset="-128"/>
+                <a:cs typeface="Arial Unicode MS" pitchFamily="34" charset="-128"/>
+              </a:rPr>
+              <a:t>Rather than storing documents on-disk, it retains them in-memory for more predictable data latencies.</a:t>
+            </a:r>
+          </a:p>
+          <a:p>
+            <a:pPr marL="830138" lvl="1" indent="-285750" fontAlgn="base">
+              <a:spcBef>
+                <a:spcPct val="50000"/>
+              </a:spcBef>
+              <a:spcAft>
+                <a:spcPct val="0"/>
+              </a:spcAft>
+              <a:buClr>
+                <a:srgbClr val="F0AB00"/>
+              </a:buClr>
+              <a:buSzPct val="80000"/>
+              <a:buFont typeface="Wingdings" panose="05000000000000000000" pitchFamily="2" charset="2"/>
+              <a:buChar char="n"/>
+            </a:pPr>
+            <a:endParaRPr lang="en-US" altLang="zh-CN" sz="2000" kern="0" dirty="0">
+              <a:ea typeface="Arial Unicode MS" pitchFamily="34" charset="-128"/>
+              <a:cs typeface="Arial Unicode MS" pitchFamily="34" charset="-128"/>
+            </a:endParaRPr>
+          </a:p>
+          <a:p>
+            <a:pPr marL="285750" indent="-285750" fontAlgn="base">
+              <a:spcBef>
+                <a:spcPct val="50000"/>
+              </a:spcBef>
+              <a:spcAft>
+                <a:spcPct val="0"/>
+              </a:spcAft>
+              <a:buClr>
+                <a:srgbClr val="F0AB00"/>
+              </a:buClr>
+              <a:buSzPct val="80000"/>
+              <a:buFont typeface="Wingdings" panose="05000000000000000000" pitchFamily="2" charset="2"/>
+              <a:buChar char="n"/>
+            </a:pPr>
+            <a:endParaRPr lang="zh-CN" altLang="en-US" sz="2000" kern="0" dirty="0" err="1">
+              <a:ea typeface="Arial Unicode MS" pitchFamily="34" charset="-128"/>
+              <a:cs typeface="Arial Unicode MS" pitchFamily="34" charset="-128"/>
+            </a:endParaRPr>
           </a:p>
         </p:txBody>
       </p:sp>
     </p:spTree>
     <p:extLst>
       <p:ext uri="{BB962C8B-B14F-4D97-AF65-F5344CB8AC3E}">
-        <p14:creationId xmlns:p14="http://schemas.microsoft.com/office/powerpoint/2010/main" val="4261924505"/>
+        <p14:creationId xmlns:p14="http://schemas.microsoft.com/office/powerpoint/2010/main" val="1156535004"/>
       </p:ext>
     </p:extLst>
   </p:cSld>
@@ -9963,6 +10397,86 @@
 </file>
 
 <file path=ppt/slides/slide16.xml><?xml version="1.0" encoding="utf-8"?>
+<p:sld xmlns:a="http://schemas.openxmlformats.org/drawingml/2006/main" xmlns:r="http://schemas.openxmlformats.org/officeDocument/2006/relationships" xmlns:p="http://schemas.openxmlformats.org/presentationml/2006/main">
+  <p:cSld>
+    <p:spTree>
+      <p:nvGrpSpPr>
+        <p:cNvPr id="1" name=""/>
+        <p:cNvGrpSpPr/>
+        <p:nvPr/>
+      </p:nvGrpSpPr>
+      <p:grpSpPr>
+        <a:xfrm>
+          <a:off x="0" y="0"/>
+          <a:ext cx="0" cy="0"/>
+          <a:chOff x="0" y="0"/>
+          <a:chExt cx="0" cy="0"/>
+        </a:xfrm>
+      </p:grpSpPr>
+      <p:sp>
+        <p:nvSpPr>
+          <p:cNvPr id="3" name="Divider"/>
+          <p:cNvSpPr>
+            <a:spLocks noGrp="1"/>
+          </p:cNvSpPr>
+          <p:nvPr>
+            <p:ph type="ctrTitle"/>
+          </p:nvPr>
+        </p:nvSpPr>
+        <p:spPr bwMode="gray"/>
+        <p:txBody>
+          <a:bodyPr/>
+          <a:lstStyle/>
+          <a:p>
+            <a:r>
+              <a:rPr lang="en-US" dirty="0"/>
+              <a:t>CouchDB VS </a:t>
+            </a:r>
+            <a:r>
+              <a:rPr lang="en-US" dirty="0">
+                <a:solidFill>
+                  <a:schemeClr val="accent1"/>
+                </a:solidFill>
+              </a:rPr>
+              <a:t>MongoDB</a:t>
+            </a:r>
+            <a:endParaRPr lang="en-US" dirty="0"/>
+          </a:p>
+        </p:txBody>
+      </p:sp>
+      <p:pic>
+        <p:nvPicPr>
+          <p:cNvPr id="6" name="Illustration" descr="Example of an illustration " title="Illustration for divider page"/>
+          <p:cNvPicPr>
+            <a:picLocks noGrp="1" noChangeAspect="1"/>
+          </p:cNvPicPr>
+          <p:nvPr>
+            <p:ph type="pic" sz="quarter" idx="12"/>
+          </p:nvPr>
+        </p:nvPicPr>
+        <p:blipFill>
+          <a:blip r:embed="rId2"/>
+          <a:srcRect t="3112" b="3112"/>
+          <a:stretch>
+            <a:fillRect/>
+          </a:stretch>
+        </p:blipFill>
+        <p:spPr bwMode="gray"/>
+      </p:pic>
+    </p:spTree>
+    <p:extLst>
+      <p:ext uri="{BB962C8B-B14F-4D97-AF65-F5344CB8AC3E}">
+        <p14:creationId xmlns:p14="http://schemas.microsoft.com/office/powerpoint/2010/main" val="3452913589"/>
+      </p:ext>
+    </p:extLst>
+  </p:cSld>
+  <p:clrMapOvr>
+    <a:masterClrMapping/>
+  </p:clrMapOvr>
+</p:sld>
+</file>
+
+<file path=ppt/slides/slide17.xml><?xml version="1.0" encoding="utf-8"?>
 <p:sld xmlns:a="http://schemas.openxmlformats.org/drawingml/2006/main" xmlns:r="http://schemas.openxmlformats.org/officeDocument/2006/relationships" xmlns:p="http://schemas.openxmlformats.org/presentationml/2006/main">
   <p:cSld>
     <p:spTree>
@@ -9996,95 +10510,292 @@
           <a:p>
             <a:r>
               <a:rPr lang="en-US" dirty="0"/>
-              <a:t>Key Features of MongoDB</a:t>
-            </a:r>
+              <a:t>Storage</a:t>
+            </a:r>
+          </a:p>
+        </p:txBody>
+      </p:sp>
+      <p:sp>
+        <p:nvSpPr>
+          <p:cNvPr id="3" name="文本框 2">
+            <a:extLst>
+              <a:ext uri="{FF2B5EF4-FFF2-40B4-BE49-F238E27FC236}">
+                <a16:creationId xmlns:a16="http://schemas.microsoft.com/office/drawing/2014/main" id="{64034199-AFCF-48DB-AD8B-5F17B8514BEB}"/>
+              </a:ext>
+            </a:extLst>
+          </p:cNvPr>
+          <p:cNvSpPr txBox="1"/>
+          <p:nvPr/>
+        </p:nvSpPr>
+        <p:spPr>
+          <a:xfrm>
+            <a:off x="689811" y="1030397"/>
+            <a:ext cx="11069052" cy="5432256"/>
+          </a:xfrm>
+          <a:prstGeom prst="rect">
+            <a:avLst/>
+          </a:prstGeom>
+          <a:noFill/>
+        </p:spPr>
+        <p:txBody>
+          <a:bodyPr wrap="square" lIns="0" tIns="0" rIns="0" bIns="0" rtlCol="0">
+            <a:spAutoFit/>
+          </a:bodyPr>
+          <a:lstStyle/>
+          <a:p>
+            <a:pPr marL="342900" indent="-342900" fontAlgn="base">
+              <a:spcBef>
+                <a:spcPct val="50000"/>
+              </a:spcBef>
+              <a:spcAft>
+                <a:spcPct val="0"/>
+              </a:spcAft>
+              <a:buClr>
+                <a:srgbClr val="F0AB00"/>
+              </a:buClr>
+              <a:buSzPct val="80000"/>
+              <a:buFont typeface="Wingdings" panose="05000000000000000000" pitchFamily="2" charset="2"/>
+              <a:buChar char="n"/>
+            </a:pPr>
+            <a:r>
+              <a:rPr lang="en-US" altLang="zh-CN" sz="2000" dirty="0"/>
+              <a:t>CouchDB</a:t>
+            </a:r>
+          </a:p>
+          <a:p>
+            <a:pPr marL="887288" lvl="1" indent="-342900" fontAlgn="base">
+              <a:spcBef>
+                <a:spcPct val="50000"/>
+              </a:spcBef>
+              <a:spcAft>
+                <a:spcPct val="0"/>
+              </a:spcAft>
+              <a:buClr>
+                <a:srgbClr val="F0AB00"/>
+              </a:buClr>
+              <a:buSzPct val="80000"/>
+              <a:buFont typeface="Wingdings" panose="05000000000000000000" pitchFamily="2" charset="2"/>
+              <a:buChar char="n"/>
+            </a:pPr>
+            <a:r>
+              <a:rPr lang="en-US" altLang="zh-CN" sz="1800" dirty="0"/>
+              <a:t>uses </a:t>
+            </a:r>
+            <a:r>
+              <a:rPr lang="en-US" altLang="zh-CN" sz="1800" b="1" dirty="0"/>
+              <a:t>JSON</a:t>
+            </a:r>
+            <a:r>
+              <a:rPr lang="en-US" altLang="zh-CN" sz="1800" dirty="0"/>
+              <a:t> for data storage and does not have its data and relationships in tables. </a:t>
+            </a:r>
+          </a:p>
+          <a:p>
+            <a:pPr marL="887288" lvl="1" indent="-342900" fontAlgn="base">
+              <a:spcBef>
+                <a:spcPct val="50000"/>
+              </a:spcBef>
+              <a:spcAft>
+                <a:spcPct val="0"/>
+              </a:spcAft>
+              <a:buClr>
+                <a:srgbClr val="F0AB00"/>
+              </a:buClr>
+              <a:buSzPct val="80000"/>
+              <a:buFont typeface="Wingdings" panose="05000000000000000000" pitchFamily="2" charset="2"/>
+              <a:buChar char="n"/>
+            </a:pPr>
+            <a:r>
+              <a:rPr lang="en-US" altLang="zh-CN" sz="1800" dirty="0"/>
+              <a:t>Each database is </a:t>
+            </a:r>
+            <a:r>
+              <a:rPr lang="en-US" altLang="zh-CN" sz="1800" b="1" dirty="0"/>
+              <a:t>stored in a separate document </a:t>
+            </a:r>
+            <a:r>
+              <a:rPr lang="en-US" altLang="zh-CN" sz="1800" dirty="0"/>
+              <a:t>along with its schema. </a:t>
+            </a:r>
+          </a:p>
+          <a:p>
+            <a:pPr marL="887288" lvl="1" indent="-342900" fontAlgn="base">
+              <a:spcBef>
+                <a:spcPct val="50000"/>
+              </a:spcBef>
+              <a:spcAft>
+                <a:spcPct val="0"/>
+              </a:spcAft>
+              <a:buClr>
+                <a:srgbClr val="F0AB00"/>
+              </a:buClr>
+              <a:buSzPct val="80000"/>
+              <a:buFont typeface="Wingdings" panose="05000000000000000000" pitchFamily="2" charset="2"/>
+              <a:buChar char="n"/>
+            </a:pPr>
+            <a:r>
+              <a:rPr lang="en-US" altLang="zh-CN" sz="1800" dirty="0"/>
+              <a:t>The databases can be </a:t>
+            </a:r>
+            <a:r>
+              <a:rPr lang="en-US" altLang="zh-CN" sz="1800" b="1" dirty="0"/>
+              <a:t>on multiple servers and even on mobile phones </a:t>
+            </a:r>
+            <a:r>
+              <a:rPr lang="en-US" altLang="zh-CN" sz="1800" dirty="0"/>
+              <a:t>and an application can connect to multiple databases. With the help of </a:t>
+            </a:r>
+            <a:r>
+              <a:rPr lang="en-US" altLang="zh-CN" sz="1800" b="1" dirty="0"/>
+              <a:t>RESTful API</a:t>
+            </a:r>
+            <a:r>
+              <a:rPr lang="en-US" altLang="zh-CN" sz="1800" dirty="0"/>
+              <a:t>, applications can read, edit, and delete database documents. Its lockless mechanism makes it a perfect choice for any application and the database structure is </a:t>
+            </a:r>
+            <a:r>
+              <a:rPr lang="en-US" altLang="zh-CN" sz="1800" b="1" dirty="0"/>
+              <a:t>highly scalable from global servers to mobile devices</a:t>
+            </a:r>
+            <a:r>
+              <a:rPr lang="en-US" altLang="zh-CN" sz="1800" dirty="0"/>
+              <a:t>. </a:t>
+            </a:r>
+          </a:p>
+          <a:p>
+            <a:pPr marL="342900" indent="-342900" fontAlgn="base">
+              <a:spcBef>
+                <a:spcPct val="50000"/>
+              </a:spcBef>
+              <a:spcAft>
+                <a:spcPct val="0"/>
+              </a:spcAft>
+              <a:buClr>
+                <a:srgbClr val="F0AB00"/>
+              </a:buClr>
+              <a:buSzPct val="80000"/>
+              <a:buFont typeface="Wingdings" panose="05000000000000000000" pitchFamily="2" charset="2"/>
+              <a:buChar char="n"/>
+            </a:pPr>
+            <a:r>
+              <a:rPr lang="en-US" altLang="zh-CN" sz="2000" dirty="0"/>
+              <a:t>MongoDB</a:t>
+            </a:r>
+            <a:r>
+              <a:rPr lang="en-US" altLang="zh-CN" sz="1800" dirty="0"/>
+              <a:t> </a:t>
+            </a:r>
+          </a:p>
+          <a:p>
+            <a:pPr marL="887288" lvl="1" indent="-342900" fontAlgn="base">
+              <a:spcBef>
+                <a:spcPct val="50000"/>
+              </a:spcBef>
+              <a:spcAft>
+                <a:spcPct val="0"/>
+              </a:spcAft>
+              <a:buClr>
+                <a:srgbClr val="F0AB00"/>
+              </a:buClr>
+              <a:buSzPct val="80000"/>
+              <a:buFont typeface="Wingdings" panose="05000000000000000000" pitchFamily="2" charset="2"/>
+              <a:buChar char="n"/>
+            </a:pPr>
+            <a:r>
+              <a:rPr lang="en-US" altLang="zh-CN" sz="1800" dirty="0"/>
+              <a:t>without any schema and stored in a document as well but in </a:t>
+            </a:r>
+            <a:r>
+              <a:rPr lang="en-US" altLang="zh-CN" sz="1800" b="1" dirty="0"/>
+              <a:t>BSON</a:t>
+            </a:r>
+            <a:r>
+              <a:rPr lang="en-US" altLang="zh-CN" sz="1800" dirty="0"/>
+              <a:t> format. </a:t>
+            </a:r>
+          </a:p>
+          <a:p>
+            <a:pPr marL="887288" lvl="1" indent="-342900" fontAlgn="base">
+              <a:spcBef>
+                <a:spcPct val="50000"/>
+              </a:spcBef>
+              <a:spcAft>
+                <a:spcPct val="0"/>
+              </a:spcAft>
+              <a:buClr>
+                <a:srgbClr val="F0AB00"/>
+              </a:buClr>
+              <a:buSzPct val="80000"/>
+              <a:buFont typeface="Wingdings" panose="05000000000000000000" pitchFamily="2" charset="2"/>
+              <a:buChar char="n"/>
+            </a:pPr>
+            <a:r>
+              <a:rPr lang="en-US" altLang="zh-CN" sz="1800" dirty="0"/>
+              <a:t>The documents do not need to have a particular structure but there are various features of relational databases that are included in it. If one is </a:t>
+            </a:r>
+            <a:r>
+              <a:rPr lang="en-US" altLang="zh-CN" sz="1800" b="1" dirty="0"/>
+              <a:t>making a transition from a relational database to NoSQL </a:t>
+            </a:r>
+            <a:r>
+              <a:rPr lang="en-US" altLang="zh-CN" sz="1800" dirty="0"/>
+              <a:t>database, MongoDB is the best choice for such applications.</a:t>
+            </a:r>
+          </a:p>
+          <a:p>
+            <a:pPr marL="342900" indent="-342900" fontAlgn="base">
+              <a:spcBef>
+                <a:spcPct val="50000"/>
+              </a:spcBef>
+              <a:spcAft>
+                <a:spcPct val="0"/>
+              </a:spcAft>
+              <a:buClr>
+                <a:srgbClr val="F0AB00"/>
+              </a:buClr>
+              <a:buSzPct val="80000"/>
+              <a:buFont typeface="Wingdings" panose="05000000000000000000" pitchFamily="2" charset="2"/>
+              <a:buChar char="n"/>
+            </a:pPr>
+            <a:r>
+              <a:rPr lang="en-US" altLang="zh-CN" sz="1800" dirty="0"/>
+              <a:t> </a:t>
+            </a:r>
+            <a:r>
+              <a:rPr lang="en-US" altLang="zh-CN" sz="2000" dirty="0"/>
+              <a:t>Winner</a:t>
+            </a:r>
+          </a:p>
+          <a:p>
+            <a:pPr marL="887288" lvl="1" indent="-342900" fontAlgn="base">
+              <a:spcBef>
+                <a:spcPct val="50000"/>
+              </a:spcBef>
+              <a:spcAft>
+                <a:spcPct val="0"/>
+              </a:spcAft>
+              <a:buClr>
+                <a:srgbClr val="F0AB00"/>
+              </a:buClr>
+              <a:buSzPct val="80000"/>
+              <a:buFont typeface="Wingdings" panose="05000000000000000000" pitchFamily="2" charset="2"/>
+              <a:buChar char="n"/>
+            </a:pPr>
+            <a:r>
+              <a:rPr lang="en-US" altLang="zh-CN" sz="1800" dirty="0"/>
+              <a:t>CouchDB as JSON is more efficient and faster as it requires less computation time and the data size is smaller.</a:t>
+            </a:r>
+            <a:endParaRPr lang="zh-CN" altLang="en-US" sz="1800" kern="0" dirty="0" err="1">
+              <a:ea typeface="Arial Unicode MS" pitchFamily="34" charset="-128"/>
+              <a:cs typeface="Arial Unicode MS" pitchFamily="34" charset="-128"/>
+            </a:endParaRPr>
           </a:p>
         </p:txBody>
       </p:sp>
     </p:spTree>
     <p:extLst>
       <p:ext uri="{BB962C8B-B14F-4D97-AF65-F5344CB8AC3E}">
-        <p14:creationId xmlns:p14="http://schemas.microsoft.com/office/powerpoint/2010/main" val="2723649896"/>
-      </p:ext>
-    </p:extLst>
-  </p:cSld>
-  <p:clrMapOvr>
-    <a:masterClrMapping/>
-  </p:clrMapOvr>
-</p:sld>
-</file>
-
-<file path=ppt/slides/slide17.xml><?xml version="1.0" encoding="utf-8"?>
-<p:sld xmlns:a="http://schemas.openxmlformats.org/drawingml/2006/main" xmlns:r="http://schemas.openxmlformats.org/officeDocument/2006/relationships" xmlns:p="http://schemas.openxmlformats.org/presentationml/2006/main">
-  <p:cSld>
-    <p:spTree>
-      <p:nvGrpSpPr>
-        <p:cNvPr id="1" name=""/>
-        <p:cNvGrpSpPr/>
-        <p:nvPr/>
-      </p:nvGrpSpPr>
-      <p:grpSpPr>
-        <a:xfrm>
-          <a:off x="0" y="0"/>
-          <a:ext cx="0" cy="0"/>
-          <a:chOff x="0" y="0"/>
-          <a:chExt cx="0" cy="0"/>
-        </a:xfrm>
-      </p:grpSpPr>
-      <p:sp>
-        <p:nvSpPr>
-          <p:cNvPr id="3" name="Divider"/>
-          <p:cNvSpPr>
-            <a:spLocks noGrp="1"/>
-          </p:cNvSpPr>
-          <p:nvPr>
-            <p:ph type="ctrTitle"/>
-          </p:nvPr>
-        </p:nvSpPr>
-        <p:spPr bwMode="gray"/>
-        <p:txBody>
-          <a:bodyPr/>
-          <a:lstStyle/>
-          <a:p>
-            <a:r>
-              <a:rPr lang="en-US" dirty="0"/>
-              <a:t>Divider </a:t>
-            </a:r>
-            <a:r>
-              <a:rPr lang="en-US" dirty="0">
-                <a:solidFill>
-                  <a:schemeClr val="accent1"/>
-                </a:solidFill>
-              </a:rPr>
-              <a:t>page</a:t>
-            </a:r>
-            <a:endParaRPr lang="en-US" dirty="0"/>
-          </a:p>
-        </p:txBody>
-      </p:sp>
-      <p:pic>
-        <p:nvPicPr>
-          <p:cNvPr id="6" name="Illustration" descr="Example of an illustration " title="Illustration for divider page"/>
-          <p:cNvPicPr>
-            <a:picLocks noGrp="1" noChangeAspect="1"/>
-          </p:cNvPicPr>
-          <p:nvPr>
-            <p:ph type="pic" sz="quarter" idx="12"/>
-          </p:nvPr>
-        </p:nvPicPr>
-        <p:blipFill>
-          <a:blip r:embed="rId2"/>
-          <a:srcRect t="3112" b="3112"/>
-          <a:stretch>
-            <a:fillRect/>
-          </a:stretch>
-        </p:blipFill>
-        <p:spPr bwMode="gray"/>
-      </p:pic>
-    </p:spTree>
-    <p:extLst>
-      <p:ext uri="{BB962C8B-B14F-4D97-AF65-F5344CB8AC3E}">
-        <p14:creationId xmlns:p14="http://schemas.microsoft.com/office/powerpoint/2010/main" val="1515423877"/>
+        <p14:creationId xmlns:p14="http://schemas.microsoft.com/office/powerpoint/2010/main" val="4261924505"/>
       </p:ext>
     </p:extLst>
   </p:cSld>
@@ -10113,7 +10824,7 @@
       </p:grpSpPr>
       <p:sp>
         <p:nvSpPr>
-          <p:cNvPr id="24" name="Title"/>
+          <p:cNvPr id="2" name="Title"/>
           <p:cNvSpPr>
             <a:spLocks noGrp="1"/>
           </p:cNvSpPr>
@@ -10128,15 +10839,212 @@
           <a:p>
             <a:r>
               <a:rPr lang="en-US" dirty="0"/>
-              <a:t>Insert page title (sentence case)</a:t>
-            </a:r>
+              <a:t>Replication</a:t>
+            </a:r>
+          </a:p>
+        </p:txBody>
+      </p:sp>
+      <p:sp>
+        <p:nvSpPr>
+          <p:cNvPr id="3" name="文本框 2">
+            <a:extLst>
+              <a:ext uri="{FF2B5EF4-FFF2-40B4-BE49-F238E27FC236}">
+                <a16:creationId xmlns:a16="http://schemas.microsoft.com/office/drawing/2014/main" id="{5E465F5E-7B01-40BB-88CB-DD3220AE261E}"/>
+              </a:ext>
+            </a:extLst>
+          </p:cNvPr>
+          <p:cNvSpPr txBox="1"/>
+          <p:nvPr/>
+        </p:nvSpPr>
+        <p:spPr>
+          <a:xfrm>
+            <a:off x="758606" y="1319580"/>
+            <a:ext cx="11197389" cy="4555093"/>
+          </a:xfrm>
+          <a:prstGeom prst="rect">
+            <a:avLst/>
+          </a:prstGeom>
+          <a:noFill/>
+        </p:spPr>
+        <p:txBody>
+          <a:bodyPr wrap="square" lIns="0" tIns="0" rIns="0" bIns="0" rtlCol="0">
+            <a:spAutoFit/>
+          </a:bodyPr>
+          <a:lstStyle/>
+          <a:p>
+            <a:pPr marL="342900" indent="-342900" fontAlgn="base">
+              <a:spcBef>
+                <a:spcPct val="50000"/>
+              </a:spcBef>
+              <a:spcAft>
+                <a:spcPct val="0"/>
+              </a:spcAft>
+              <a:buClr>
+                <a:srgbClr val="F0AB00"/>
+              </a:buClr>
+              <a:buSzPct val="80000"/>
+              <a:buFont typeface="Wingdings" panose="05000000000000000000" pitchFamily="2" charset="2"/>
+              <a:buChar char="n"/>
+            </a:pPr>
+            <a:r>
+              <a:rPr lang="en-US" altLang="zh-CN" sz="2000" dirty="0"/>
+              <a:t>CouchDB</a:t>
+            </a:r>
+          </a:p>
+          <a:p>
+            <a:pPr marL="887288" lvl="1" indent="-342900" fontAlgn="base">
+              <a:spcBef>
+                <a:spcPct val="50000"/>
+              </a:spcBef>
+              <a:spcAft>
+                <a:spcPct val="0"/>
+              </a:spcAft>
+              <a:buClr>
+                <a:srgbClr val="F0AB00"/>
+              </a:buClr>
+              <a:buSzPct val="80000"/>
+              <a:buFont typeface="Wingdings" panose="05000000000000000000" pitchFamily="2" charset="2"/>
+              <a:buChar char="n"/>
+            </a:pPr>
+            <a:r>
+              <a:rPr lang="en-US" altLang="zh-CN" sz="1800" dirty="0"/>
+              <a:t>it allows </a:t>
+            </a:r>
+            <a:r>
+              <a:rPr lang="en-US" altLang="zh-CN" sz="1800" b="1" dirty="0"/>
+              <a:t>master-master and master-slave replication</a:t>
+            </a:r>
+            <a:r>
+              <a:rPr lang="en-US" altLang="zh-CN" sz="1800" dirty="0"/>
+              <a:t>. This ensures that data can be accessed at various locations without the slightest delay. Sending requests to access the database is served instantly. </a:t>
+            </a:r>
+          </a:p>
+          <a:p>
+            <a:pPr marL="887288" lvl="1" indent="-342900" fontAlgn="base">
+              <a:spcBef>
+                <a:spcPct val="50000"/>
+              </a:spcBef>
+              <a:spcAft>
+                <a:spcPct val="0"/>
+              </a:spcAft>
+              <a:buClr>
+                <a:srgbClr val="F0AB00"/>
+              </a:buClr>
+              <a:buSzPct val="80000"/>
+              <a:buFont typeface="Wingdings" panose="05000000000000000000" pitchFamily="2" charset="2"/>
+              <a:buChar char="n"/>
+            </a:pPr>
+            <a:r>
+              <a:rPr lang="en-US" altLang="zh-CN" sz="1800" dirty="0"/>
+              <a:t>the </a:t>
+            </a:r>
+            <a:r>
+              <a:rPr lang="en-US" altLang="zh-CN" sz="1800" b="1" dirty="0"/>
+              <a:t>append-only modifications mechanism </a:t>
+            </a:r>
+            <a:r>
+              <a:rPr lang="en-US" altLang="zh-CN" sz="1800" dirty="0"/>
+              <a:t>of CouchDB ensures the least chances of conflicts. Moreover, there is an option for selective replication whereby you can control the documents that will be copied. In this way, you can save a lot of space and time. </a:t>
+            </a:r>
+          </a:p>
+          <a:p>
+            <a:pPr marL="342900" indent="-342900" fontAlgn="base">
+              <a:spcBef>
+                <a:spcPct val="50000"/>
+              </a:spcBef>
+              <a:spcAft>
+                <a:spcPct val="0"/>
+              </a:spcAft>
+              <a:buClr>
+                <a:srgbClr val="F0AB00"/>
+              </a:buClr>
+              <a:buSzPct val="80000"/>
+              <a:buFont typeface="Wingdings" panose="05000000000000000000" pitchFamily="2" charset="2"/>
+              <a:buChar char="n"/>
+            </a:pPr>
+            <a:r>
+              <a:rPr lang="en-US" altLang="zh-CN" sz="2000" dirty="0"/>
+              <a:t>MongoDB </a:t>
+            </a:r>
+          </a:p>
+          <a:p>
+            <a:pPr marL="887288" lvl="1" indent="-342900" fontAlgn="base">
+              <a:spcBef>
+                <a:spcPct val="50000"/>
+              </a:spcBef>
+              <a:spcAft>
+                <a:spcPct val="0"/>
+              </a:spcAft>
+              <a:buClr>
+                <a:srgbClr val="F0AB00"/>
+              </a:buClr>
+              <a:buSzPct val="80000"/>
+              <a:buFont typeface="Wingdings" panose="05000000000000000000" pitchFamily="2" charset="2"/>
+              <a:buChar char="n"/>
+            </a:pPr>
+            <a:r>
+              <a:rPr lang="en-US" altLang="zh-CN" sz="1800" dirty="0"/>
+              <a:t>offers </a:t>
+            </a:r>
+            <a:r>
+              <a:rPr lang="en-US" altLang="zh-CN" sz="1800" b="1" dirty="0"/>
+              <a:t>only master-slave replication</a:t>
+            </a:r>
+            <a:r>
+              <a:rPr lang="en-US" altLang="zh-CN" sz="1800" dirty="0"/>
+              <a:t>. Setting up master-master replication is extremely complicated in MongoDB and there are greater chances of having conflicts. Hopefully, in the upcoming versions of MongoDB, a simpler method of replication will be unveiled. </a:t>
+            </a:r>
+          </a:p>
+          <a:p>
+            <a:pPr marL="342900" indent="-342900" fontAlgn="base">
+              <a:spcBef>
+                <a:spcPct val="50000"/>
+              </a:spcBef>
+              <a:spcAft>
+                <a:spcPct val="0"/>
+              </a:spcAft>
+              <a:buClr>
+                <a:srgbClr val="F0AB00"/>
+              </a:buClr>
+              <a:buSzPct val="80000"/>
+              <a:buFont typeface="Wingdings" panose="05000000000000000000" pitchFamily="2" charset="2"/>
+              <a:buChar char="n"/>
+            </a:pPr>
+            <a:r>
+              <a:rPr lang="en-US" altLang="zh-CN" sz="2000" dirty="0"/>
+              <a:t>Winner</a:t>
+            </a:r>
+          </a:p>
+          <a:p>
+            <a:pPr marL="887288" lvl="1" indent="-342900" fontAlgn="base">
+              <a:spcBef>
+                <a:spcPct val="50000"/>
+              </a:spcBef>
+              <a:spcAft>
+                <a:spcPct val="0"/>
+              </a:spcAft>
+              <a:buClr>
+                <a:srgbClr val="F0AB00"/>
+              </a:buClr>
+              <a:buSzPct val="80000"/>
+              <a:buFont typeface="Wingdings" panose="05000000000000000000" pitchFamily="2" charset="2"/>
+              <a:buChar char="n"/>
+            </a:pPr>
+            <a:r>
+              <a:rPr lang="en-US" altLang="zh-CN" sz="1800" dirty="0"/>
+              <a:t>CouchDB is the clear winner for robust replications in all departments.</a:t>
+            </a:r>
+            <a:endParaRPr lang="zh-CN" altLang="en-US" sz="1800" kern="0" dirty="0" err="1">
+              <a:ea typeface="Arial Unicode MS" pitchFamily="34" charset="-128"/>
+              <a:cs typeface="Arial Unicode MS" pitchFamily="34" charset="-128"/>
+            </a:endParaRPr>
           </a:p>
         </p:txBody>
       </p:sp>
     </p:spTree>
     <p:extLst>
       <p:ext uri="{BB962C8B-B14F-4D97-AF65-F5344CB8AC3E}">
-        <p14:creationId xmlns:p14="http://schemas.microsoft.com/office/powerpoint/2010/main" val="2992388039"/>
+        <p14:creationId xmlns:p14="http://schemas.microsoft.com/office/powerpoint/2010/main" val="20587126"/>
       </p:ext>
     </p:extLst>
   </p:cSld>
@@ -10165,44 +11073,7 @@
       </p:grpSpPr>
       <p:sp>
         <p:nvSpPr>
-          <p:cNvPr id="11" name="Text Placeholder"/>
-          <p:cNvSpPr>
-            <a:spLocks noGrp="1"/>
-          </p:cNvSpPr>
-          <p:nvPr>
-            <p:ph type="body" sz="quarter" idx="10"/>
-          </p:nvPr>
-        </p:nvSpPr>
-        <p:spPr bwMode="gray"/>
-        <p:txBody>
-          <a:bodyPr/>
-          <a:lstStyle/>
-          <a:p>
-            <a:pPr lvl="0"/>
-            <a:r>
-              <a:rPr lang="en-US" dirty="0"/>
-              <a:t>First level</a:t>
-            </a:r>
-          </a:p>
-          <a:p>
-            <a:pPr lvl="1"/>
-            <a:r>
-              <a:rPr lang="en-US" dirty="0"/>
-              <a:t>Second level</a:t>
-            </a:r>
-          </a:p>
-          <a:p>
-            <a:pPr lvl="2"/>
-            <a:r>
-              <a:rPr lang="en-US" dirty="0"/>
-              <a:t>Third level</a:t>
-            </a:r>
-          </a:p>
-        </p:txBody>
-      </p:sp>
-      <p:sp>
-        <p:nvSpPr>
-          <p:cNvPr id="4" name="Title"/>
+          <p:cNvPr id="2" name="Title"/>
           <p:cNvSpPr>
             <a:spLocks noGrp="1"/>
           </p:cNvSpPr>
@@ -10210,401 +11081,244 @@
             <p:ph type="title"/>
           </p:nvPr>
         </p:nvSpPr>
-        <p:spPr bwMode="gray"/>
+        <p:spPr bwMode="gray">
+          <a:xfrm>
+            <a:off x="504000" y="504000"/>
+            <a:ext cx="8976883" cy="738664"/>
+          </a:xfrm>
+        </p:spPr>
         <p:txBody>
           <a:bodyPr/>
           <a:lstStyle/>
           <a:p>
             <a:r>
               <a:rPr lang="en-US" dirty="0"/>
-              <a:t>Insert page title (sentence case)</a:t>
+              <a:t>Support for programming language</a:t>
             </a:r>
           </a:p>
         </p:txBody>
       </p:sp>
-      <p:grpSp>
-        <p:nvGrpSpPr>
-          <p:cNvPr id="9" name="Group 8">
+      <p:sp>
+        <p:nvSpPr>
+          <p:cNvPr id="3" name="文本框 2">
             <a:extLst>
               <a:ext uri="{FF2B5EF4-FFF2-40B4-BE49-F238E27FC236}">
-                <a16:creationId xmlns:a16="http://schemas.microsoft.com/office/drawing/2014/main" id="{5BF28123-76F7-49B1-8B0B-20245CD7853F}"/>
+                <a16:creationId xmlns:a16="http://schemas.microsoft.com/office/drawing/2014/main" id="{B769D670-6F0C-470E-B31E-0A6A88D1BD6A}"/>
               </a:ext>
             </a:extLst>
           </p:cNvPr>
-          <p:cNvGrpSpPr/>
+          <p:cNvSpPr txBox="1"/>
           <p:nvPr/>
-        </p:nvGrpSpPr>
-        <p:grpSpPr>
+        </p:nvSpPr>
+        <p:spPr>
           <a:xfrm>
-            <a:off x="2626973" y="1620000"/>
-            <a:ext cx="3118507" cy="3874789"/>
-            <a:chOff x="2626973" y="1620000"/>
-            <a:chExt cx="3118507" cy="3874789"/>
+            <a:off x="697062" y="1359202"/>
+            <a:ext cx="11277600" cy="4139595"/>
           </a:xfrm>
-        </p:grpSpPr>
-        <p:sp>
-          <p:nvSpPr>
-            <p:cNvPr id="5" name="Information to list level button" descr="Description of the list level funcionality while working with text placeholders" title="Description list level buttons"/>
-            <p:cNvSpPr/>
-            <p:nvPr/>
-          </p:nvSpPr>
-          <p:spPr bwMode="gray">
-            <a:xfrm>
-              <a:off x="2626973" y="1620000"/>
-              <a:ext cx="3118507" cy="3874789"/>
-            </a:xfrm>
-            <a:prstGeom prst="roundRect">
-              <a:avLst>
-                <a:gd name="adj" fmla="val 5631"/>
-              </a:avLst>
-            </a:prstGeom>
-            <a:solidFill>
-              <a:srgbClr val="FFFF00"/>
-            </a:solidFill>
-            <a:ln w="6350" algn="ctr">
-              <a:noFill/>
-              <a:miter lim="800000"/>
-              <a:headEnd/>
-              <a:tailEnd/>
-            </a:ln>
-          </p:spPr>
-          <p:txBody>
-            <a:bodyPr lIns="90000" tIns="72000" rIns="90000" bIns="72000" rtlCol="0" anchor="t" anchorCtr="0"/>
-            <a:lstStyle/>
-            <a:p>
-              <a:pPr>
-                <a:spcBef>
-                  <a:spcPts val="600"/>
-                </a:spcBef>
-                <a:buClr>
-                  <a:schemeClr val="accent1"/>
-                </a:buClr>
-                <a:buSzPct val="80000"/>
-                <a:defRPr/>
-              </a:pPr>
-              <a:r>
-                <a:rPr lang="en-US" sz="1000" b="1" kern="0" dirty="0">
-                  <a:ea typeface="Arial Unicode MS" pitchFamily="34" charset="-128"/>
-                  <a:cs typeface="Arial Unicode MS" pitchFamily="34" charset="-128"/>
-                  <a:sym typeface="Arial"/>
-                </a:rPr>
-                <a:t>NOTE: </a:t>
-              </a:r>
-              <a:r>
-                <a:rPr lang="en-US" sz="1000" kern="0" dirty="0">
-                  <a:ea typeface="Arial Unicode MS" pitchFamily="34" charset="-128"/>
-                  <a:cs typeface="Arial Unicode MS" pitchFamily="34" charset="-128"/>
-                  <a:sym typeface="Arial"/>
-                </a:rPr>
-                <a:t>Delete the yellow stickers when finished.</a:t>
-              </a:r>
-            </a:p>
-            <a:p>
-              <a:pPr>
-                <a:spcBef>
-                  <a:spcPts val="600"/>
-                </a:spcBef>
-                <a:buClr>
-                  <a:schemeClr val="accent1"/>
-                </a:buClr>
-                <a:buSzPct val="80000"/>
-                <a:defRPr/>
-              </a:pPr>
-              <a:r>
-                <a:rPr lang="en-US" sz="1000" dirty="0"/>
-                <a:t>The text placeholders have different, preformatted text levels. Each level has different formatting </a:t>
-              </a:r>
-              <a:br>
-                <a:rPr lang="en-US" sz="1000" dirty="0"/>
-              </a:br>
-              <a:r>
-                <a:rPr lang="en-US" sz="1000" dirty="0"/>
-                <a:t>(font size, indent, bullet).</a:t>
-              </a:r>
-            </a:p>
-            <a:p>
-              <a:pPr>
-                <a:spcBef>
-                  <a:spcPts val="600"/>
-                </a:spcBef>
-                <a:buClr>
-                  <a:schemeClr val="accent1"/>
-                </a:buClr>
-                <a:buSzPct val="80000"/>
-                <a:defRPr/>
-              </a:pPr>
-              <a:r>
-                <a:rPr lang="en-US" sz="1000" dirty="0"/>
-                <a:t>To jump between the preformatted text levels, use the </a:t>
-              </a:r>
-              <a:r>
-                <a:rPr lang="en-US" sz="1000" i="1" dirty="0"/>
-                <a:t>Increase</a:t>
-              </a:r>
-              <a:r>
-                <a:rPr lang="en-US" sz="1000" dirty="0"/>
-                <a:t> </a:t>
-              </a:r>
-              <a:r>
-                <a:rPr lang="en-US" sz="1000" i="1" dirty="0"/>
-                <a:t>List Level </a:t>
-              </a:r>
-              <a:r>
-                <a:rPr lang="en-US" sz="1000" dirty="0"/>
-                <a:t>and </a:t>
-              </a:r>
-              <a:r>
-                <a:rPr lang="en-US" sz="1000" i="1" dirty="0"/>
-                <a:t>Decrease</a:t>
-              </a:r>
-              <a:r>
-                <a:rPr lang="en-US" sz="1000" dirty="0"/>
-                <a:t> </a:t>
-              </a:r>
-              <a:r>
-                <a:rPr lang="en-US" sz="1000" i="1" dirty="0"/>
-                <a:t>List Level </a:t>
-              </a:r>
-              <a:r>
-                <a:rPr lang="en-US" sz="1000" dirty="0"/>
-                <a:t>buttons in the </a:t>
-              </a:r>
-              <a:r>
-                <a:rPr lang="en-US" sz="1000" i="1" dirty="0"/>
-                <a:t>Paragraph</a:t>
-              </a:r>
-              <a:r>
-                <a:rPr lang="en-US" sz="1000" dirty="0"/>
-                <a:t> toolbar.</a:t>
-              </a:r>
-            </a:p>
-            <a:p>
-              <a:pPr>
-                <a:spcBef>
-                  <a:spcPts val="600"/>
-                </a:spcBef>
-                <a:buClr>
-                  <a:schemeClr val="accent1"/>
-                </a:buClr>
-                <a:buSzPct val="80000"/>
-                <a:defRPr/>
-              </a:pPr>
-              <a:endParaRPr lang="en-US" sz="1000" dirty="0"/>
-            </a:p>
-            <a:p>
-              <a:pPr>
-                <a:spcBef>
-                  <a:spcPts val="600"/>
-                </a:spcBef>
-                <a:buClr>
-                  <a:schemeClr val="accent1"/>
-                </a:buClr>
-                <a:buSzPct val="80000"/>
-                <a:defRPr/>
-              </a:pPr>
-              <a:endParaRPr lang="en-US" sz="1000" dirty="0"/>
-            </a:p>
-            <a:p>
-              <a:pPr>
-                <a:spcBef>
-                  <a:spcPts val="600"/>
-                </a:spcBef>
-                <a:buClr>
-                  <a:schemeClr val="accent1"/>
-                </a:buClr>
-                <a:buSzPct val="80000"/>
-                <a:defRPr/>
-              </a:pPr>
-              <a:endParaRPr lang="en-US" sz="1000" dirty="0"/>
-            </a:p>
-            <a:p>
-              <a:pPr>
-                <a:spcBef>
-                  <a:spcPts val="600"/>
-                </a:spcBef>
-                <a:buClr>
-                  <a:schemeClr val="accent1"/>
-                </a:buClr>
-                <a:buSzPct val="80000"/>
-                <a:defRPr/>
-              </a:pPr>
-              <a:endParaRPr lang="en-US" sz="1000" dirty="0"/>
-            </a:p>
-            <a:p>
-              <a:pPr marL="136525" indent="-136525">
-                <a:spcBef>
-                  <a:spcPts val="1200"/>
-                </a:spcBef>
-                <a:buClr>
-                  <a:schemeClr val="tx1"/>
-                </a:buClr>
-                <a:buSzPct val="100000"/>
-                <a:buFont typeface="Arial" panose="020B0604020202020204" pitchFamily="34" charset="0"/>
-                <a:buChar char="•"/>
-                <a:defRPr/>
-              </a:pPr>
-              <a:r>
-                <a:rPr lang="en-US" sz="1000" dirty="0"/>
-                <a:t>Type your text in the placeholder.</a:t>
-              </a:r>
-            </a:p>
-            <a:p>
-              <a:pPr marL="136525" indent="-136525">
-                <a:spcBef>
-                  <a:spcPts val="600"/>
-                </a:spcBef>
-                <a:buClr>
-                  <a:schemeClr val="tx1"/>
-                </a:buClr>
-                <a:buSzPct val="100000"/>
-                <a:buFont typeface="Arial" panose="020B0604020202020204" pitchFamily="34" charset="0"/>
-                <a:buChar char="•"/>
-                <a:defRPr/>
-              </a:pPr>
-              <a:r>
-                <a:rPr lang="en-US" sz="1000" dirty="0"/>
-                <a:t>Click </a:t>
-              </a:r>
-              <a:r>
-                <a:rPr lang="en-US" sz="1000" i="1" dirty="0"/>
-                <a:t>the Increase List Level </a:t>
-              </a:r>
-              <a:r>
-                <a:rPr lang="en-US" sz="1000" dirty="0"/>
-                <a:t>button in the </a:t>
-              </a:r>
-              <a:r>
-                <a:rPr lang="en-US" sz="1000" i="1" dirty="0"/>
-                <a:t>Paragraph</a:t>
-              </a:r>
-              <a:r>
-                <a:rPr lang="en-US" sz="1000" dirty="0"/>
-                <a:t> toolbar to go to the next level.</a:t>
-              </a:r>
-            </a:p>
-            <a:p>
-              <a:pPr marL="136525" indent="-136525">
-                <a:spcBef>
-                  <a:spcPts val="600"/>
-                </a:spcBef>
-                <a:buClr>
-                  <a:schemeClr val="tx1"/>
-                </a:buClr>
-                <a:buSzPct val="100000"/>
-                <a:buFont typeface="Arial" panose="020B0604020202020204" pitchFamily="34" charset="0"/>
-                <a:buChar char="•"/>
-                <a:defRPr/>
-              </a:pPr>
-              <a:r>
-                <a:rPr lang="en-US" sz="1000" dirty="0"/>
-                <a:t>If you need a bullet list, choose level 2. </a:t>
-              </a:r>
-            </a:p>
-            <a:p>
-              <a:pPr marL="0" indent="0">
-                <a:spcBef>
-                  <a:spcPts val="600"/>
-                </a:spcBef>
-                <a:buClr>
-                  <a:schemeClr val="bg1"/>
-                </a:buClr>
-                <a:buSzPct val="100000"/>
-                <a:buFont typeface="Arial" panose="020B0604020202020204" pitchFamily="34" charset="0"/>
-                <a:buNone/>
-                <a:defRPr/>
-              </a:pPr>
-              <a:r>
-                <a:rPr lang="en-US" sz="1000" dirty="0"/>
-                <a:t>Avoid working with spaces, other bullets, or bullets in the wrong level. Only when you use the right levels it is possible to reset the slide layout.</a:t>
-              </a:r>
-            </a:p>
-          </p:txBody>
-        </p:sp>
-        <p:pic>
-          <p:nvPicPr>
-            <p:cNvPr id="6" name="List level button" descr="Screenshot list level buttons" title="Screenshot list level buttons"/>
-            <p:cNvPicPr>
-              <a:picLocks noChangeAspect="1"/>
-            </p:cNvPicPr>
-            <p:nvPr/>
-          </p:nvPicPr>
-          <p:blipFill rotWithShape="1">
-            <a:blip r:embed="rId2"/>
-            <a:srcRect l="1094"/>
-            <a:stretch/>
-          </p:blipFill>
-          <p:spPr bwMode="gray">
-            <a:xfrm>
-              <a:off x="2790065" y="3002260"/>
-              <a:ext cx="2826492" cy="901766"/>
-            </a:xfrm>
-            <a:prstGeom prst="rect">
-              <a:avLst/>
-            </a:prstGeom>
-          </p:spPr>
-        </p:pic>
-        <p:sp>
-          <p:nvSpPr>
-            <p:cNvPr id="7" name="Highlight list level button" descr="Rectangle for highliting list level buttons " title="Rectangle"/>
-            <p:cNvSpPr/>
-            <p:nvPr/>
-          </p:nvSpPr>
-          <p:spPr bwMode="gray">
-            <a:xfrm>
-              <a:off x="3415863" y="3053531"/>
-              <a:ext cx="543560" cy="311592"/>
-            </a:xfrm>
-            <a:prstGeom prst="rect">
-              <a:avLst/>
-            </a:prstGeom>
-            <a:noFill/>
-            <a:ln w="28575" algn="ctr">
-              <a:solidFill>
-                <a:srgbClr val="FF0000"/>
-              </a:solidFill>
-              <a:miter lim="800000"/>
-              <a:headEnd/>
-              <a:tailEnd/>
-            </a:ln>
-          </p:spPr>
-          <p:txBody>
-            <a:bodyPr lIns="90000" tIns="72000" rIns="90000" bIns="72000" rtlCol="0" anchor="ctr"/>
-            <a:lstStyle/>
-            <a:p>
-              <a:pPr marR="0" algn="ctr" defTabSz="914400" eaLnBrk="1" fontAlgn="base" latinLnBrk="0" hangingPunct="1">
-                <a:lnSpc>
-                  <a:spcPct val="100000"/>
-                </a:lnSpc>
-                <a:spcBef>
-                  <a:spcPct val="50000"/>
-                </a:spcBef>
-                <a:spcAft>
-                  <a:spcPct val="0"/>
-                </a:spcAft>
-                <a:buClr>
-                  <a:srgbClr val="F0AB00"/>
-                </a:buClr>
-                <a:buSzPct val="80000"/>
-                <a:tabLst/>
-              </a:pPr>
-              <a:endParaRPr kumimoji="0" lang="en-US" sz="1800" b="0" i="0" u="none" strike="noStrike" kern="0" cap="none" spc="0" normalizeH="0" baseline="0" noProof="0" dirty="0" err="1">
-                <a:ln>
-                  <a:noFill/>
-                </a:ln>
-                <a:effectLst/>
-                <a:uLnTx/>
-                <a:uFillTx/>
-                <a:ea typeface="Arial Unicode MS" pitchFamily="34" charset="-128"/>
-                <a:cs typeface="Arial Unicode MS" pitchFamily="34" charset="-128"/>
-              </a:endParaRPr>
-            </a:p>
-          </p:txBody>
-        </p:sp>
-      </p:grpSp>
+          <a:prstGeom prst="rect">
+            <a:avLst/>
+          </a:prstGeom>
+          <a:noFill/>
+        </p:spPr>
+        <p:txBody>
+          <a:bodyPr wrap="square" lIns="0" tIns="0" rIns="0" bIns="0" rtlCol="0">
+            <a:spAutoFit/>
+          </a:bodyPr>
+          <a:lstStyle/>
+          <a:p>
+            <a:pPr marL="342900" indent="-342900" fontAlgn="base">
+              <a:spcBef>
+                <a:spcPct val="50000"/>
+              </a:spcBef>
+              <a:spcAft>
+                <a:spcPct val="0"/>
+              </a:spcAft>
+              <a:buClr>
+                <a:srgbClr val="F0AB00"/>
+              </a:buClr>
+              <a:buSzPct val="80000"/>
+              <a:buFont typeface="Wingdings" panose="05000000000000000000" pitchFamily="2" charset="2"/>
+              <a:buChar char="n"/>
+            </a:pPr>
+            <a:r>
+              <a:rPr lang="en-US" altLang="zh-CN" sz="2000" dirty="0"/>
+              <a:t>CouchDB</a:t>
+            </a:r>
+          </a:p>
+          <a:p>
+            <a:pPr marL="887288" lvl="1" indent="-342900" fontAlgn="base">
+              <a:spcBef>
+                <a:spcPct val="50000"/>
+              </a:spcBef>
+              <a:spcAft>
+                <a:spcPct val="0"/>
+              </a:spcAft>
+              <a:buClr>
+                <a:srgbClr val="F0AB00"/>
+              </a:buClr>
+              <a:buSzPct val="80000"/>
+              <a:buFont typeface="Wingdings" panose="05000000000000000000" pitchFamily="2" charset="2"/>
+              <a:buChar char="n"/>
+            </a:pPr>
+            <a:r>
+              <a:rPr lang="en-US" altLang="zh-CN" sz="1800" dirty="0"/>
+              <a:t>it is </a:t>
+            </a:r>
+            <a:r>
+              <a:rPr lang="en-US" altLang="zh-CN" sz="1800" b="1" dirty="0"/>
+              <a:t>available for mobile platforms </a:t>
+            </a:r>
+            <a:r>
+              <a:rPr lang="en-US" altLang="zh-CN" sz="1800" dirty="0"/>
+              <a:t>like Android, iOS, as well as for computer operating systems like Linux, Windows, and OS X. </a:t>
+            </a:r>
+          </a:p>
+          <a:p>
+            <a:pPr marL="887288" lvl="1" indent="-342900" fontAlgn="base">
+              <a:spcBef>
+                <a:spcPct val="50000"/>
+              </a:spcBef>
+              <a:spcAft>
+                <a:spcPct val="0"/>
+              </a:spcAft>
+              <a:buClr>
+                <a:srgbClr val="F0AB00"/>
+              </a:buClr>
+              <a:buSzPct val="80000"/>
+              <a:buFont typeface="Wingdings" panose="05000000000000000000" pitchFamily="2" charset="2"/>
+              <a:buChar char="n"/>
+            </a:pPr>
+            <a:r>
+              <a:rPr lang="en-US" altLang="zh-CN" sz="1800" dirty="0"/>
+              <a:t>CouchDB </a:t>
+            </a:r>
+            <a:r>
+              <a:rPr lang="en-US" altLang="zh-CN" sz="1800" b="1" dirty="0"/>
+              <a:t>supports all the different genres of programming languages </a:t>
+            </a:r>
+            <a:r>
+              <a:rPr lang="en-US" altLang="zh-CN" sz="1800" dirty="0"/>
+              <a:t>like C, C++, C#, Java, JavaScript, Lisp, Objective C, Perl PHP, Python, Ruby and likewise. </a:t>
+            </a:r>
+          </a:p>
+          <a:p>
+            <a:pPr marL="342900" indent="-342900" fontAlgn="base">
+              <a:spcBef>
+                <a:spcPct val="50000"/>
+              </a:spcBef>
+              <a:spcAft>
+                <a:spcPct val="0"/>
+              </a:spcAft>
+              <a:buClr>
+                <a:srgbClr val="F0AB00"/>
+              </a:buClr>
+              <a:buSzPct val="80000"/>
+              <a:buFont typeface="Wingdings" panose="05000000000000000000" pitchFamily="2" charset="2"/>
+              <a:buChar char="n"/>
+            </a:pPr>
+            <a:r>
+              <a:rPr lang="en-US" altLang="zh-CN" sz="2000" dirty="0"/>
+              <a:t>MongoDB</a:t>
+            </a:r>
+          </a:p>
+          <a:p>
+            <a:pPr marL="887288" lvl="1" indent="-342900" fontAlgn="base">
+              <a:spcBef>
+                <a:spcPct val="50000"/>
+              </a:spcBef>
+              <a:spcAft>
+                <a:spcPct val="0"/>
+              </a:spcAft>
+              <a:buClr>
+                <a:srgbClr val="F0AB00"/>
+              </a:buClr>
+              <a:buSzPct val="80000"/>
+              <a:buFont typeface="Wingdings" panose="05000000000000000000" pitchFamily="2" charset="2"/>
+              <a:buChar char="n"/>
+            </a:pPr>
+            <a:r>
+              <a:rPr lang="en-US" altLang="zh-CN" sz="1800" dirty="0"/>
+              <a:t>supports all these programming languages and more except for Objective-C. But if your frontend is in C++, it is always better to go for </a:t>
+            </a:r>
+            <a:r>
+              <a:rPr lang="en-US" altLang="zh-CN" sz="1800" b="1" dirty="0"/>
+              <a:t>MongoDB as it is developed in C++. </a:t>
+            </a:r>
+          </a:p>
+          <a:p>
+            <a:pPr marL="887288" lvl="1" indent="-342900" fontAlgn="base">
+              <a:spcBef>
+                <a:spcPct val="50000"/>
+              </a:spcBef>
+              <a:spcAft>
+                <a:spcPct val="0"/>
+              </a:spcAft>
+              <a:buClr>
+                <a:srgbClr val="F0AB00"/>
+              </a:buClr>
+              <a:buSzPct val="80000"/>
+              <a:buFont typeface="Wingdings" panose="05000000000000000000" pitchFamily="2" charset="2"/>
+              <a:buChar char="n"/>
+            </a:pPr>
+            <a:r>
+              <a:rPr lang="en-US" altLang="zh-CN" sz="1800" b="1" dirty="0"/>
+              <a:t>only available for computer operating systems and not for mobile operating systems</a:t>
+            </a:r>
+            <a:r>
+              <a:rPr lang="en-US" altLang="zh-CN" sz="1800" dirty="0"/>
+              <a:t>.</a:t>
+            </a:r>
+          </a:p>
+          <a:p>
+            <a:pPr marL="342900" indent="-342900" fontAlgn="base">
+              <a:spcBef>
+                <a:spcPct val="50000"/>
+              </a:spcBef>
+              <a:spcAft>
+                <a:spcPct val="0"/>
+              </a:spcAft>
+              <a:buClr>
+                <a:srgbClr val="F0AB00"/>
+              </a:buClr>
+              <a:buSzPct val="80000"/>
+              <a:buFont typeface="Wingdings" panose="05000000000000000000" pitchFamily="2" charset="2"/>
+              <a:buChar char="n"/>
+            </a:pPr>
+            <a:r>
+              <a:rPr lang="en-US" altLang="zh-CN" sz="2000" dirty="0"/>
+              <a:t>Winner </a:t>
+            </a:r>
+          </a:p>
+          <a:p>
+            <a:pPr marL="887288" lvl="1" indent="-342900" fontAlgn="base">
+              <a:spcBef>
+                <a:spcPct val="50000"/>
+              </a:spcBef>
+              <a:spcAft>
+                <a:spcPct val="0"/>
+              </a:spcAft>
+              <a:buClr>
+                <a:srgbClr val="F0AB00"/>
+              </a:buClr>
+              <a:buSzPct val="80000"/>
+              <a:buFont typeface="Wingdings" panose="05000000000000000000" pitchFamily="2" charset="2"/>
+              <a:buChar char="n"/>
+            </a:pPr>
+            <a:r>
+              <a:rPr lang="en-US" altLang="zh-CN" sz="1800" dirty="0"/>
+              <a:t>It depends on your requirements but CouchDB has the edge due to its support for mobile OS.</a:t>
+            </a:r>
+            <a:endParaRPr lang="zh-CN" altLang="en-US" sz="1800" kern="0" dirty="0" err="1">
+              <a:ea typeface="Arial Unicode MS" pitchFamily="34" charset="-128"/>
+              <a:cs typeface="Arial Unicode MS" pitchFamily="34" charset="-128"/>
+            </a:endParaRPr>
+          </a:p>
+        </p:txBody>
+      </p:sp>
     </p:spTree>
     <p:extLst>
       <p:ext uri="{BB962C8B-B14F-4D97-AF65-F5344CB8AC3E}">
-        <p14:creationId xmlns:p14="http://schemas.microsoft.com/office/powerpoint/2010/main" val="3886438963"/>
+        <p14:creationId xmlns:p14="http://schemas.microsoft.com/office/powerpoint/2010/main" val="1727564617"/>
       </p:ext>
     </p:extLst>
   </p:cSld>
@@ -10641,7 +11355,12 @@
             <p:ph type="body" sz="quarter" idx="10"/>
           </p:nvPr>
         </p:nvSpPr>
-        <p:spPr bwMode="gray"/>
+        <p:spPr bwMode="gray">
+          <a:xfrm>
+            <a:off x="504000" y="1620000"/>
+            <a:ext cx="11185200" cy="3192632"/>
+          </a:xfrm>
+        </p:spPr>
         <p:txBody>
           <a:bodyPr/>
           <a:lstStyle/>
@@ -10674,21 +11393,8 @@
           </a:p>
           <a:p>
             <a:r>
-              <a:rPr lang="en-US" dirty="0"/>
-              <a:t>Agenda item/divider headline</a:t>
-            </a:r>
-          </a:p>
-          <a:p>
-            <a:pPr lvl="1"/>
-            <a:r>
-              <a:rPr lang="en-US" dirty="0"/>
-              <a:t>Details</a:t>
-            </a:r>
-          </a:p>
-          <a:p>
-            <a:r>
-              <a:rPr lang="en-US" dirty="0"/>
-              <a:t>Agenda item/divider headline</a:t>
+              <a:rPr lang="en-US" b="1" dirty="0"/>
+              <a:t>CouchDB vs MongoDB</a:t>
             </a:r>
           </a:p>
           <a:p>
@@ -10749,402 +11455,6 @@
       </p:grpSpPr>
       <p:sp>
         <p:nvSpPr>
-          <p:cNvPr id="2" name="Text Placeholder">
-            <a:extLst>
-              <a:ext uri="{FF2B5EF4-FFF2-40B4-BE49-F238E27FC236}">
-                <a16:creationId xmlns:a16="http://schemas.microsoft.com/office/drawing/2014/main" id="{FD8B0406-B42D-4E48-A077-1006CEECE8B8}"/>
-              </a:ext>
-            </a:extLst>
-          </p:cNvPr>
-          <p:cNvSpPr>
-            <a:spLocks noGrp="1"/>
-          </p:cNvSpPr>
-          <p:nvPr>
-            <p:ph type="body" sz="quarter" idx="10"/>
-          </p:nvPr>
-        </p:nvSpPr>
-        <p:spPr/>
-        <p:txBody>
-          <a:bodyPr/>
-          <a:lstStyle/>
-          <a:p>
-            <a:pPr lvl="0"/>
-            <a:r>
-              <a:rPr lang="en-US" dirty="0"/>
-              <a:t>First level</a:t>
-            </a:r>
-          </a:p>
-          <a:p>
-            <a:pPr lvl="1"/>
-            <a:r>
-              <a:rPr lang="en-US" dirty="0"/>
-              <a:t>Second level</a:t>
-            </a:r>
-          </a:p>
-          <a:p>
-            <a:pPr lvl="2"/>
-            <a:r>
-              <a:rPr lang="en-US" dirty="0"/>
-              <a:t>Third level</a:t>
-            </a:r>
-          </a:p>
-        </p:txBody>
-      </p:sp>
-      <p:sp>
-        <p:nvSpPr>
-          <p:cNvPr id="3" name="Title">
-            <a:extLst>
-              <a:ext uri="{FF2B5EF4-FFF2-40B4-BE49-F238E27FC236}">
-                <a16:creationId xmlns:a16="http://schemas.microsoft.com/office/drawing/2014/main" id="{D36C6BFD-B684-44BB-8F4D-37456D097F1B}"/>
-              </a:ext>
-            </a:extLst>
-          </p:cNvPr>
-          <p:cNvSpPr>
-            <a:spLocks noGrp="1"/>
-          </p:cNvSpPr>
-          <p:nvPr>
-            <p:ph type="title"/>
-          </p:nvPr>
-        </p:nvSpPr>
-        <p:spPr/>
-        <p:txBody>
-          <a:bodyPr/>
-          <a:lstStyle/>
-          <a:p>
-            <a:r>
-              <a:rPr lang="en-US" dirty="0"/>
-              <a:t>Insert page title (sentence case)</a:t>
-            </a:r>
-          </a:p>
-        </p:txBody>
-      </p:sp>
-    </p:spTree>
-    <p:extLst>
-      <p:ext uri="{BB962C8B-B14F-4D97-AF65-F5344CB8AC3E}">
-        <p14:creationId xmlns:p14="http://schemas.microsoft.com/office/powerpoint/2010/main" val="4007524871"/>
-      </p:ext>
-    </p:extLst>
-  </p:cSld>
-  <p:clrMapOvr>
-    <a:masterClrMapping/>
-  </p:clrMapOvr>
-</p:sld>
-</file>
-
-<file path=ppt/slides/slide21.xml><?xml version="1.0" encoding="utf-8"?>
-<p:sld xmlns:a="http://schemas.openxmlformats.org/drawingml/2006/main" xmlns:r="http://schemas.openxmlformats.org/officeDocument/2006/relationships" xmlns:p="http://schemas.openxmlformats.org/presentationml/2006/main">
-  <p:cSld>
-    <p:spTree>
-      <p:nvGrpSpPr>
-        <p:cNvPr id="1" name=""/>
-        <p:cNvGrpSpPr/>
-        <p:nvPr/>
-      </p:nvGrpSpPr>
-      <p:grpSpPr>
-        <a:xfrm>
-          <a:off x="0" y="0"/>
-          <a:ext cx="0" cy="0"/>
-          <a:chOff x="0" y="0"/>
-          <a:chExt cx="0" cy="0"/>
-        </a:xfrm>
-      </p:grpSpPr>
-      <p:sp>
-        <p:nvSpPr>
-          <p:cNvPr id="11" name="Text Placeholder"/>
-          <p:cNvSpPr>
-            <a:spLocks noGrp="1"/>
-          </p:cNvSpPr>
-          <p:nvPr>
-            <p:ph type="body" sz="quarter" idx="10"/>
-          </p:nvPr>
-        </p:nvSpPr>
-        <p:spPr bwMode="gray"/>
-        <p:txBody>
-          <a:bodyPr/>
-          <a:lstStyle/>
-          <a:p>
-            <a:pPr lvl="0"/>
-            <a:r>
-              <a:rPr lang="en-US" dirty="0"/>
-              <a:t>First level</a:t>
-            </a:r>
-          </a:p>
-          <a:p>
-            <a:pPr lvl="1"/>
-            <a:r>
-              <a:rPr lang="en-US" dirty="0"/>
-              <a:t>Second level</a:t>
-            </a:r>
-          </a:p>
-          <a:p>
-            <a:pPr lvl="2"/>
-            <a:r>
-              <a:rPr lang="en-US" dirty="0"/>
-              <a:t>Third level</a:t>
-            </a:r>
-          </a:p>
-        </p:txBody>
-      </p:sp>
-      <p:sp>
-        <p:nvSpPr>
-          <p:cNvPr id="4" name="Title"/>
-          <p:cNvSpPr>
-            <a:spLocks noGrp="1"/>
-          </p:cNvSpPr>
-          <p:nvPr>
-            <p:ph type="title"/>
-          </p:nvPr>
-        </p:nvSpPr>
-        <p:spPr bwMode="gray">
-          <a:xfrm>
-            <a:off x="504001" y="504000"/>
-            <a:ext cx="11186476" cy="646331"/>
-          </a:xfrm>
-        </p:spPr>
-        <p:txBody>
-          <a:bodyPr/>
-          <a:lstStyle/>
-          <a:p>
-            <a:r>
-              <a:rPr lang="en-US" dirty="0"/>
-              <a:t>Insert page title (sentence case)</a:t>
-            </a:r>
-            <a:br>
-              <a:rPr lang="en-US" dirty="0"/>
-            </a:br>
-            <a:r>
-              <a:rPr lang="en-US" sz="1800" b="0" dirty="0" err="1"/>
-              <a:t>Subheadline</a:t>
-            </a:r>
-            <a:endParaRPr lang="en-US" b="0" dirty="0"/>
-          </a:p>
-        </p:txBody>
-      </p:sp>
-    </p:spTree>
-    <p:extLst>
-      <p:ext uri="{BB962C8B-B14F-4D97-AF65-F5344CB8AC3E}">
-        <p14:creationId xmlns:p14="http://schemas.microsoft.com/office/powerpoint/2010/main" val="1196408533"/>
-      </p:ext>
-    </p:extLst>
-  </p:cSld>
-  <p:clrMapOvr>
-    <a:masterClrMapping/>
-  </p:clrMapOvr>
-</p:sld>
-</file>
-
-<file path=ppt/slides/slide22.xml><?xml version="1.0" encoding="utf-8"?>
-<p:sld xmlns:a="http://schemas.openxmlformats.org/drawingml/2006/main" xmlns:r="http://schemas.openxmlformats.org/officeDocument/2006/relationships" xmlns:p="http://schemas.openxmlformats.org/presentationml/2006/main">
-  <p:cSld>
-    <p:spTree>
-      <p:nvGrpSpPr>
-        <p:cNvPr id="1" name=""/>
-        <p:cNvGrpSpPr/>
-        <p:nvPr/>
-      </p:nvGrpSpPr>
-      <p:grpSpPr>
-        <a:xfrm>
-          <a:off x="0" y="0"/>
-          <a:ext cx="0" cy="0"/>
-          <a:chOff x="0" y="0"/>
-          <a:chExt cx="0" cy="0"/>
-        </a:xfrm>
-      </p:grpSpPr>
-      <p:sp>
-        <p:nvSpPr>
-          <p:cNvPr id="11" name="Quote placeholder"/>
-          <p:cNvSpPr>
-            <a:spLocks noGrp="1"/>
-          </p:cNvSpPr>
-          <p:nvPr>
-            <p:ph type="body" sz="quarter" idx="10"/>
-          </p:nvPr>
-        </p:nvSpPr>
-        <p:spPr bwMode="gray"/>
-        <p:txBody>
-          <a:bodyPr/>
-          <a:lstStyle/>
-          <a:p>
-            <a:pPr lvl="0"/>
-            <a:r>
-              <a:rPr lang="en-US" dirty="0"/>
-              <a:t>“Quote goes here and here </a:t>
-            </a:r>
-            <a:r>
-              <a:rPr lang="en-US" dirty="0">
-                <a:solidFill>
-                  <a:schemeClr val="accent1"/>
-                </a:solidFill>
-              </a:rPr>
-              <a:t>and here</a:t>
-            </a:r>
-            <a:r>
-              <a:rPr lang="en-US" dirty="0"/>
-              <a:t>.”</a:t>
-            </a:r>
-          </a:p>
-          <a:p>
-            <a:pPr lvl="1"/>
-            <a:r>
-              <a:rPr lang="en-US" dirty="0"/>
-              <a:t>Source</a:t>
-            </a:r>
-          </a:p>
-        </p:txBody>
-      </p:sp>
-    </p:spTree>
-    <p:extLst>
-      <p:ext uri="{BB962C8B-B14F-4D97-AF65-F5344CB8AC3E}">
-        <p14:creationId xmlns:p14="http://schemas.microsoft.com/office/powerpoint/2010/main" val="3295641251"/>
-      </p:ext>
-    </p:extLst>
-  </p:cSld>
-  <p:clrMapOvr>
-    <a:masterClrMapping/>
-  </p:clrMapOvr>
-</p:sld>
-</file>
-
-<file path=ppt/slides/slide23.xml><?xml version="1.0" encoding="utf-8"?>
-<p:sld xmlns:a="http://schemas.openxmlformats.org/drawingml/2006/main" xmlns:r="http://schemas.openxmlformats.org/officeDocument/2006/relationships" xmlns:p="http://schemas.openxmlformats.org/presentationml/2006/main">
-  <p:cSld>
-    <p:spTree>
-      <p:nvGrpSpPr>
-        <p:cNvPr id="1" name=""/>
-        <p:cNvGrpSpPr/>
-        <p:nvPr/>
-      </p:nvGrpSpPr>
-      <p:grpSpPr>
-        <a:xfrm>
-          <a:off x="0" y="0"/>
-          <a:ext cx="0" cy="0"/>
-          <a:chOff x="0" y="0"/>
-          <a:chExt cx="0" cy="0"/>
-        </a:xfrm>
-      </p:grpSpPr>
-      <p:sp>
-        <p:nvSpPr>
-          <p:cNvPr id="11" name="Quote placeholder"/>
-          <p:cNvSpPr>
-            <a:spLocks noGrp="1"/>
-          </p:cNvSpPr>
-          <p:nvPr>
-            <p:ph type="body" sz="quarter" idx="10"/>
-          </p:nvPr>
-        </p:nvSpPr>
-        <p:spPr bwMode="gray"/>
-        <p:txBody>
-          <a:bodyPr/>
-          <a:lstStyle/>
-          <a:p>
-            <a:pPr lvl="0"/>
-            <a:r>
-              <a:rPr lang="en-US" dirty="0"/>
-              <a:t>“Quote goes here and here </a:t>
-            </a:r>
-            <a:r>
-              <a:rPr lang="en-US" dirty="0">
-                <a:solidFill>
-                  <a:schemeClr val="accent1"/>
-                </a:solidFill>
-              </a:rPr>
-              <a:t>and here</a:t>
-            </a:r>
-            <a:r>
-              <a:rPr lang="en-US" dirty="0"/>
-              <a:t>.”</a:t>
-            </a:r>
-          </a:p>
-          <a:p>
-            <a:pPr lvl="1"/>
-            <a:r>
-              <a:rPr lang="en-US" dirty="0"/>
-              <a:t>Source</a:t>
-            </a:r>
-          </a:p>
-        </p:txBody>
-      </p:sp>
-    </p:spTree>
-    <p:extLst>
-      <p:ext uri="{BB962C8B-B14F-4D97-AF65-F5344CB8AC3E}">
-        <p14:creationId xmlns:p14="http://schemas.microsoft.com/office/powerpoint/2010/main" val="2010228457"/>
-      </p:ext>
-    </p:extLst>
-  </p:cSld>
-  <p:clrMapOvr>
-    <a:masterClrMapping/>
-  </p:clrMapOvr>
-</p:sld>
-</file>
-
-<file path=ppt/slides/slide24.xml><?xml version="1.0" encoding="utf-8"?>
-<p:sld xmlns:a="http://schemas.openxmlformats.org/drawingml/2006/main" xmlns:r="http://schemas.openxmlformats.org/officeDocument/2006/relationships" xmlns:p="http://schemas.openxmlformats.org/presentationml/2006/main">
-  <p:cSld>
-    <p:spTree>
-      <p:nvGrpSpPr>
-        <p:cNvPr id="1" name=""/>
-        <p:cNvGrpSpPr/>
-        <p:nvPr/>
-      </p:nvGrpSpPr>
-      <p:grpSpPr>
-        <a:xfrm>
-          <a:off x="0" y="0"/>
-          <a:ext cx="0" cy="0"/>
-          <a:chOff x="0" y="0"/>
-          <a:chExt cx="0" cy="0"/>
-        </a:xfrm>
-      </p:grpSpPr>
-      <p:sp>
-        <p:nvSpPr>
-          <p:cNvPr id="6" name="Picture Placeholder" descr="Placeholder for an image" title="Image placeholder content slide"/>
-          <p:cNvSpPr>
-            <a:spLocks noGrp="1"/>
-          </p:cNvSpPr>
-          <p:nvPr>
-            <p:ph type="pic" sz="quarter" idx="10"/>
-          </p:nvPr>
-        </p:nvSpPr>
-        <p:spPr bwMode="gray"/>
-      </p:sp>
-      <p:sp>
-        <p:nvSpPr>
-          <p:cNvPr id="4" name="Text Placeholder"/>
-          <p:cNvSpPr>
-            <a:spLocks noGrp="1"/>
-          </p:cNvSpPr>
-          <p:nvPr>
-            <p:ph type="body" sz="quarter" idx="11"/>
-          </p:nvPr>
-        </p:nvSpPr>
-        <p:spPr bwMode="gray"/>
-        <p:txBody>
-          <a:bodyPr/>
-          <a:lstStyle/>
-          <a:p>
-            <a:pPr lvl="0"/>
-            <a:r>
-              <a:rPr lang="en-US" dirty="0"/>
-              <a:t>First level</a:t>
-            </a:r>
-          </a:p>
-          <a:p>
-            <a:pPr lvl="1"/>
-            <a:r>
-              <a:rPr lang="en-US" dirty="0"/>
-              <a:t>Second level</a:t>
-            </a:r>
-          </a:p>
-          <a:p>
-            <a:pPr lvl="2"/>
-            <a:r>
-              <a:rPr lang="en-US" dirty="0"/>
-              <a:t>Third level</a:t>
-            </a:r>
-          </a:p>
-        </p:txBody>
-      </p:sp>
-      <p:sp>
-        <p:nvSpPr>
           <p:cNvPr id="2" name="Title"/>
           <p:cNvSpPr>
             <a:spLocks noGrp="1"/>
@@ -11160,15 +11470,124 @@
           <a:p>
             <a:r>
               <a:rPr lang="en-US" dirty="0"/>
-              <a:t>Insert page title (sentence case)</a:t>
-            </a:r>
+              <a:t>Final Verdict</a:t>
+            </a:r>
+          </a:p>
+        </p:txBody>
+      </p:sp>
+      <p:sp>
+        <p:nvSpPr>
+          <p:cNvPr id="3" name="文本框 2">
+            <a:extLst>
+              <a:ext uri="{FF2B5EF4-FFF2-40B4-BE49-F238E27FC236}">
+                <a16:creationId xmlns:a16="http://schemas.microsoft.com/office/drawing/2014/main" id="{9882C95D-2C3E-4FB9-8677-B13EC62818FC}"/>
+              </a:ext>
+            </a:extLst>
+          </p:cNvPr>
+          <p:cNvSpPr txBox="1"/>
+          <p:nvPr/>
+        </p:nvSpPr>
+        <p:spPr>
+          <a:xfrm>
+            <a:off x="907966" y="1619250"/>
+            <a:ext cx="9952540" cy="2585323"/>
+          </a:xfrm>
+          <a:prstGeom prst="rect">
+            <a:avLst/>
+          </a:prstGeom>
+          <a:noFill/>
+        </p:spPr>
+        <p:txBody>
+          <a:bodyPr wrap="square" lIns="0" tIns="0" rIns="0" bIns="0" rtlCol="0">
+            <a:spAutoFit/>
+          </a:bodyPr>
+          <a:lstStyle/>
+          <a:p>
+            <a:pPr marL="342900" indent="-342900" fontAlgn="base">
+              <a:spcBef>
+                <a:spcPct val="50000"/>
+              </a:spcBef>
+              <a:spcAft>
+                <a:spcPct val="0"/>
+              </a:spcAft>
+              <a:buClr>
+                <a:srgbClr val="F0AB00"/>
+              </a:buClr>
+              <a:buSzPct val="80000"/>
+              <a:buFont typeface="Wingdings" panose="05000000000000000000" pitchFamily="2" charset="2"/>
+              <a:buChar char="n"/>
+            </a:pPr>
+            <a:r>
+              <a:rPr lang="en-US" altLang="zh-CN" dirty="0"/>
+              <a:t>Depending on requirements, people have to choose between MongoDB and CouchDB. </a:t>
+            </a:r>
+          </a:p>
+          <a:p>
+            <a:pPr marL="342900" indent="-342900" fontAlgn="base">
+              <a:spcBef>
+                <a:spcPct val="50000"/>
+              </a:spcBef>
+              <a:spcAft>
+                <a:spcPct val="0"/>
+              </a:spcAft>
+              <a:buClr>
+                <a:srgbClr val="F0AB00"/>
+              </a:buClr>
+              <a:buSzPct val="80000"/>
+              <a:buFont typeface="Wingdings" panose="05000000000000000000" pitchFamily="2" charset="2"/>
+              <a:buChar char="n"/>
+            </a:pPr>
+            <a:r>
+              <a:rPr lang="en-US" altLang="zh-CN" dirty="0"/>
+              <a:t>If you are looking for </a:t>
+            </a:r>
+            <a:r>
+              <a:rPr lang="en-US" altLang="zh-CN" b="1" dirty="0"/>
+              <a:t>higher read speed, rapid growth, and scalability</a:t>
+            </a:r>
+            <a:r>
+              <a:rPr lang="en-US" altLang="zh-CN" dirty="0"/>
+              <a:t>, MongoDB is the best choice.</a:t>
+            </a:r>
+          </a:p>
+          <a:p>
+            <a:pPr marL="342900" indent="-342900" fontAlgn="base">
+              <a:spcBef>
+                <a:spcPct val="50000"/>
+              </a:spcBef>
+              <a:spcAft>
+                <a:spcPct val="0"/>
+              </a:spcAft>
+              <a:buClr>
+                <a:srgbClr val="F0AB00"/>
+              </a:buClr>
+              <a:buSzPct val="80000"/>
+              <a:buFont typeface="Wingdings" panose="05000000000000000000" pitchFamily="2" charset="2"/>
+              <a:buChar char="n"/>
+            </a:pPr>
+            <a:r>
+              <a:rPr lang="en-US" altLang="zh-CN" dirty="0"/>
+              <a:t> But if you need a database that can </a:t>
+            </a:r>
+            <a:r>
+              <a:rPr lang="en-US" altLang="zh-CN" b="1" dirty="0"/>
+              <a:t>run on mobile devices like Apple iOS and Google Android and you need rapid replication</a:t>
+            </a:r>
+            <a:r>
+              <a:rPr lang="en-US" altLang="zh-CN" dirty="0"/>
+              <a:t>, CouchDB is the only choice you have.</a:t>
+            </a:r>
+            <a:endParaRPr lang="zh-CN" altLang="en-US" sz="1800" kern="0" dirty="0" err="1">
+              <a:ea typeface="Arial Unicode MS" pitchFamily="34" charset="-128"/>
+              <a:cs typeface="Arial Unicode MS" pitchFamily="34" charset="-128"/>
+            </a:endParaRPr>
           </a:p>
         </p:txBody>
       </p:sp>
     </p:spTree>
     <p:extLst>
       <p:ext uri="{BB962C8B-B14F-4D97-AF65-F5344CB8AC3E}">
-        <p14:creationId xmlns:p14="http://schemas.microsoft.com/office/powerpoint/2010/main" val="2468716513"/>
+        <p14:creationId xmlns:p14="http://schemas.microsoft.com/office/powerpoint/2010/main" val="3158464121"/>
       </p:ext>
     </p:extLst>
   </p:cSld>
@@ -11178,534 +11597,7 @@
 </p:sld>
 </file>
 
-<file path=ppt/slides/slide25.xml><?xml version="1.0" encoding="utf-8"?>
-<p:sld xmlns:a="http://schemas.openxmlformats.org/drawingml/2006/main" xmlns:r="http://schemas.openxmlformats.org/officeDocument/2006/relationships" xmlns:p="http://schemas.openxmlformats.org/presentationml/2006/main">
-  <p:cSld>
-    <p:spTree>
-      <p:nvGrpSpPr>
-        <p:cNvPr id="1" name=""/>
-        <p:cNvGrpSpPr/>
-        <p:nvPr/>
-      </p:nvGrpSpPr>
-      <p:grpSpPr>
-        <a:xfrm>
-          <a:off x="0" y="0"/>
-          <a:ext cx="0" cy="0"/>
-          <a:chOff x="0" y="0"/>
-          <a:chExt cx="0" cy="0"/>
-        </a:xfrm>
-      </p:grpSpPr>
-      <p:sp>
-        <p:nvSpPr>
-          <p:cNvPr id="4" name="Text Placeholder"/>
-          <p:cNvSpPr>
-            <a:spLocks noGrp="1"/>
-          </p:cNvSpPr>
-          <p:nvPr>
-            <p:ph type="body" sz="quarter" idx="11"/>
-          </p:nvPr>
-        </p:nvSpPr>
-        <p:spPr bwMode="gray"/>
-        <p:txBody>
-          <a:bodyPr/>
-          <a:lstStyle/>
-          <a:p>
-            <a:pPr lvl="0"/>
-            <a:r>
-              <a:rPr lang="en-US"/>
-              <a:t>First level</a:t>
-            </a:r>
-          </a:p>
-          <a:p>
-            <a:pPr lvl="1"/>
-            <a:r>
-              <a:rPr lang="en-US"/>
-              <a:t>Second level</a:t>
-            </a:r>
-          </a:p>
-          <a:p>
-            <a:pPr lvl="2"/>
-            <a:r>
-              <a:rPr lang="en-US"/>
-              <a:t>Third level</a:t>
-            </a:r>
-            <a:endParaRPr lang="en-US" dirty="0"/>
-          </a:p>
-        </p:txBody>
-      </p:sp>
-      <p:sp>
-        <p:nvSpPr>
-          <p:cNvPr id="2" name="Title"/>
-          <p:cNvSpPr>
-            <a:spLocks noGrp="1"/>
-          </p:cNvSpPr>
-          <p:nvPr>
-            <p:ph type="title"/>
-          </p:nvPr>
-        </p:nvSpPr>
-        <p:spPr bwMode="gray"/>
-        <p:txBody>
-          <a:bodyPr/>
-          <a:lstStyle/>
-          <a:p>
-            <a:r>
-              <a:rPr lang="en-US" dirty="0"/>
-              <a:t>Insert page title (sentence case)</a:t>
-            </a:r>
-          </a:p>
-        </p:txBody>
-      </p:sp>
-    </p:spTree>
-    <p:extLst>
-      <p:ext uri="{BB962C8B-B14F-4D97-AF65-F5344CB8AC3E}">
-        <p14:creationId xmlns:p14="http://schemas.microsoft.com/office/powerpoint/2010/main" val="41562795"/>
-      </p:ext>
-    </p:extLst>
-  </p:cSld>
-  <p:clrMapOvr>
-    <a:masterClrMapping/>
-  </p:clrMapOvr>
-</p:sld>
-</file>
-
-<file path=ppt/slides/slide26.xml><?xml version="1.0" encoding="utf-8"?>
-<p:sld xmlns:a="http://schemas.openxmlformats.org/drawingml/2006/main" xmlns:r="http://schemas.openxmlformats.org/officeDocument/2006/relationships" xmlns:p="http://schemas.openxmlformats.org/presentationml/2006/main">
-  <p:cSld>
-    <p:spTree>
-      <p:nvGrpSpPr>
-        <p:cNvPr id="1" name=""/>
-        <p:cNvGrpSpPr/>
-        <p:nvPr/>
-      </p:nvGrpSpPr>
-      <p:grpSpPr>
-        <a:xfrm>
-          <a:off x="0" y="0"/>
-          <a:ext cx="0" cy="0"/>
-          <a:chOff x="0" y="0"/>
-          <a:chExt cx="0" cy="0"/>
-        </a:xfrm>
-      </p:grpSpPr>
-      <p:sp>
-        <p:nvSpPr>
-          <p:cNvPr id="6" name="Picture Placeholder" descr="Placeholder for an image" title="Image placeholder content slide"/>
-          <p:cNvSpPr>
-            <a:spLocks noGrp="1"/>
-          </p:cNvSpPr>
-          <p:nvPr>
-            <p:ph type="pic" sz="quarter" idx="10"/>
-          </p:nvPr>
-        </p:nvSpPr>
-        <p:spPr bwMode="gray"/>
-      </p:sp>
-      <p:sp>
-        <p:nvSpPr>
-          <p:cNvPr id="4" name="Text Placeholder"/>
-          <p:cNvSpPr>
-            <a:spLocks noGrp="1"/>
-          </p:cNvSpPr>
-          <p:nvPr>
-            <p:ph type="body" sz="quarter" idx="11"/>
-          </p:nvPr>
-        </p:nvSpPr>
-        <p:spPr bwMode="gray"/>
-        <p:txBody>
-          <a:bodyPr/>
-          <a:lstStyle/>
-          <a:p>
-            <a:pPr lvl="0"/>
-            <a:r>
-              <a:rPr lang="en-US"/>
-              <a:t>First level</a:t>
-            </a:r>
-          </a:p>
-          <a:p>
-            <a:pPr lvl="1"/>
-            <a:r>
-              <a:rPr lang="en-US"/>
-              <a:t>Second level</a:t>
-            </a:r>
-          </a:p>
-          <a:p>
-            <a:pPr lvl="2"/>
-            <a:r>
-              <a:rPr lang="en-US"/>
-              <a:t>Third level</a:t>
-            </a:r>
-            <a:endParaRPr lang="en-US" dirty="0"/>
-          </a:p>
-        </p:txBody>
-      </p:sp>
-      <p:sp>
-        <p:nvSpPr>
-          <p:cNvPr id="2" name="Title"/>
-          <p:cNvSpPr>
-            <a:spLocks noGrp="1"/>
-          </p:cNvSpPr>
-          <p:nvPr>
-            <p:ph type="title"/>
-          </p:nvPr>
-        </p:nvSpPr>
-        <p:spPr bwMode="gray"/>
-        <p:txBody>
-          <a:bodyPr/>
-          <a:lstStyle/>
-          <a:p>
-            <a:r>
-              <a:rPr lang="en-US" dirty="0"/>
-              <a:t>Insert page title (sentence case)</a:t>
-            </a:r>
-          </a:p>
-        </p:txBody>
-      </p:sp>
-    </p:spTree>
-    <p:extLst>
-      <p:ext uri="{BB962C8B-B14F-4D97-AF65-F5344CB8AC3E}">
-        <p14:creationId xmlns:p14="http://schemas.microsoft.com/office/powerpoint/2010/main" val="4154867534"/>
-      </p:ext>
-    </p:extLst>
-  </p:cSld>
-  <p:clrMapOvr>
-    <a:masterClrMapping/>
-  </p:clrMapOvr>
-</p:sld>
-</file>
-
-<file path=ppt/slides/slide27.xml><?xml version="1.0" encoding="utf-8"?>
-<p:sld xmlns:a="http://schemas.openxmlformats.org/drawingml/2006/main" xmlns:r="http://schemas.openxmlformats.org/officeDocument/2006/relationships" xmlns:p="http://schemas.openxmlformats.org/presentationml/2006/main">
-  <p:cSld>
-    <p:spTree>
-      <p:nvGrpSpPr>
-        <p:cNvPr id="1" name=""/>
-        <p:cNvGrpSpPr/>
-        <p:nvPr/>
-      </p:nvGrpSpPr>
-      <p:grpSpPr>
-        <a:xfrm>
-          <a:off x="0" y="0"/>
-          <a:ext cx="0" cy="0"/>
-          <a:chOff x="0" y="0"/>
-          <a:chExt cx="0" cy="0"/>
-        </a:xfrm>
-      </p:grpSpPr>
-      <p:sp>
-        <p:nvSpPr>
-          <p:cNvPr id="8" name="Picture Placeholder 7" descr="Image Placeholder" title="Image Placeholder"/>
-          <p:cNvSpPr>
-            <a:spLocks noGrp="1"/>
-          </p:cNvSpPr>
-          <p:nvPr>
-            <p:ph type="pic" sz="quarter" idx="10"/>
-          </p:nvPr>
-        </p:nvSpPr>
-        <p:spPr bwMode="gray"/>
-      </p:sp>
-    </p:spTree>
-    <p:extLst>
-      <p:ext uri="{BB962C8B-B14F-4D97-AF65-F5344CB8AC3E}">
-        <p14:creationId xmlns:p14="http://schemas.microsoft.com/office/powerpoint/2010/main" val="1840057824"/>
-      </p:ext>
-    </p:extLst>
-  </p:cSld>
-  <p:clrMapOvr>
-    <a:masterClrMapping/>
-  </p:clrMapOvr>
-</p:sld>
-</file>
-
-<file path=ppt/slides/slide28.xml><?xml version="1.0" encoding="utf-8"?>
-<p:sld xmlns:a="http://schemas.openxmlformats.org/drawingml/2006/main" xmlns:r="http://schemas.openxmlformats.org/officeDocument/2006/relationships" xmlns:p="http://schemas.openxmlformats.org/presentationml/2006/main">
-  <p:cSld>
-    <p:spTree>
-      <p:nvGrpSpPr>
-        <p:cNvPr id="1" name=""/>
-        <p:cNvGrpSpPr/>
-        <p:nvPr/>
-      </p:nvGrpSpPr>
-      <p:grpSpPr>
-        <a:xfrm>
-          <a:off x="0" y="0"/>
-          <a:ext cx="0" cy="0"/>
-          <a:chOff x="0" y="0"/>
-          <a:chExt cx="0" cy="0"/>
-        </a:xfrm>
-      </p:grpSpPr>
-      <p:sp>
-        <p:nvSpPr>
-          <p:cNvPr id="9" name="Text Placeholder column 2"/>
-          <p:cNvSpPr>
-            <a:spLocks noGrp="1"/>
-          </p:cNvSpPr>
-          <p:nvPr>
-            <p:ph type="body" sz="quarter" idx="11"/>
-          </p:nvPr>
-        </p:nvSpPr>
-        <p:spPr bwMode="gray"/>
-        <p:txBody>
-          <a:bodyPr/>
-          <a:lstStyle/>
-          <a:p>
-            <a:pPr lvl="0"/>
-            <a:r>
-              <a:rPr lang="en-US"/>
-              <a:t>First level</a:t>
-            </a:r>
-          </a:p>
-          <a:p>
-            <a:pPr lvl="1"/>
-            <a:r>
-              <a:rPr lang="en-US"/>
-              <a:t>Second level</a:t>
-            </a:r>
-          </a:p>
-          <a:p>
-            <a:pPr lvl="2"/>
-            <a:r>
-              <a:rPr lang="en-US"/>
-              <a:t>Third level</a:t>
-            </a:r>
-            <a:endParaRPr lang="en-US" dirty="0"/>
-          </a:p>
-        </p:txBody>
-      </p:sp>
-      <p:sp>
-        <p:nvSpPr>
-          <p:cNvPr id="8" name="Text Placeholder column 1"/>
-          <p:cNvSpPr>
-            <a:spLocks noGrp="1"/>
-          </p:cNvSpPr>
-          <p:nvPr>
-            <p:ph type="body" sz="quarter" idx="10"/>
-          </p:nvPr>
-        </p:nvSpPr>
-        <p:spPr bwMode="gray"/>
-        <p:txBody>
-          <a:bodyPr/>
-          <a:lstStyle/>
-          <a:p>
-            <a:pPr lvl="0"/>
-            <a:r>
-              <a:rPr lang="en-US"/>
-              <a:t>First level</a:t>
-            </a:r>
-          </a:p>
-          <a:p>
-            <a:pPr lvl="1"/>
-            <a:r>
-              <a:rPr lang="en-US"/>
-              <a:t>Second level</a:t>
-            </a:r>
-          </a:p>
-          <a:p>
-            <a:pPr lvl="2"/>
-            <a:r>
-              <a:rPr lang="en-US"/>
-              <a:t>Third level</a:t>
-            </a:r>
-            <a:endParaRPr lang="en-US" dirty="0"/>
-          </a:p>
-        </p:txBody>
-      </p:sp>
-      <p:sp>
-        <p:nvSpPr>
-          <p:cNvPr id="7" name="Title"/>
-          <p:cNvSpPr>
-            <a:spLocks noGrp="1"/>
-          </p:cNvSpPr>
-          <p:nvPr>
-            <p:ph type="title"/>
-          </p:nvPr>
-        </p:nvSpPr>
-        <p:spPr bwMode="gray"/>
-        <p:txBody>
-          <a:bodyPr/>
-          <a:lstStyle/>
-          <a:p>
-            <a:r>
-              <a:rPr lang="en-US" dirty="0"/>
-              <a:t>Insert page title (sentence case)</a:t>
-            </a:r>
-          </a:p>
-        </p:txBody>
-      </p:sp>
-    </p:spTree>
-    <p:extLst>
-      <p:ext uri="{BB962C8B-B14F-4D97-AF65-F5344CB8AC3E}">
-        <p14:creationId xmlns:p14="http://schemas.microsoft.com/office/powerpoint/2010/main" val="854015491"/>
-      </p:ext>
-    </p:extLst>
-  </p:cSld>
-  <p:clrMapOvr>
-    <a:masterClrMapping/>
-  </p:clrMapOvr>
-</p:sld>
-</file>
-
-<file path=ppt/slides/slide29.xml><?xml version="1.0" encoding="utf-8"?>
-<p:sld xmlns:a="http://schemas.openxmlformats.org/drawingml/2006/main" xmlns:r="http://schemas.openxmlformats.org/officeDocument/2006/relationships" xmlns:p="http://schemas.openxmlformats.org/presentationml/2006/main">
-  <p:cSld>
-    <p:spTree>
-      <p:nvGrpSpPr>
-        <p:cNvPr id="1" name=""/>
-        <p:cNvGrpSpPr/>
-        <p:nvPr/>
-      </p:nvGrpSpPr>
-      <p:grpSpPr>
-        <a:xfrm>
-          <a:off x="0" y="0"/>
-          <a:ext cx="0" cy="0"/>
-          <a:chOff x="0" y="0"/>
-          <a:chExt cx="0" cy="0"/>
-        </a:xfrm>
-      </p:grpSpPr>
-      <p:sp>
-        <p:nvSpPr>
-          <p:cNvPr id="5" name="Text Placeholder column 3"/>
-          <p:cNvSpPr>
-            <a:spLocks noGrp="1"/>
-          </p:cNvSpPr>
-          <p:nvPr>
-            <p:ph type="body" sz="quarter" idx="13"/>
-          </p:nvPr>
-        </p:nvSpPr>
-        <p:spPr bwMode="gray"/>
-        <p:txBody>
-          <a:bodyPr/>
-          <a:lstStyle/>
-          <a:p>
-            <a:pPr lvl="0"/>
-            <a:r>
-              <a:rPr lang="en-US"/>
-              <a:t>First level</a:t>
-            </a:r>
-          </a:p>
-          <a:p>
-            <a:pPr lvl="1"/>
-            <a:r>
-              <a:rPr lang="en-US"/>
-              <a:t>Second level</a:t>
-            </a:r>
-          </a:p>
-          <a:p>
-            <a:pPr lvl="2"/>
-            <a:r>
-              <a:rPr lang="en-US"/>
-              <a:t>Third level</a:t>
-            </a:r>
-            <a:endParaRPr lang="en-US" dirty="0"/>
-          </a:p>
-        </p:txBody>
-      </p:sp>
-      <p:sp>
-        <p:nvSpPr>
-          <p:cNvPr id="4" name="Text Placeholder column 2"/>
-          <p:cNvSpPr>
-            <a:spLocks noGrp="1"/>
-          </p:cNvSpPr>
-          <p:nvPr>
-            <p:ph type="body" sz="quarter" idx="12"/>
-          </p:nvPr>
-        </p:nvSpPr>
-        <p:spPr bwMode="gray"/>
-        <p:txBody>
-          <a:bodyPr/>
-          <a:lstStyle/>
-          <a:p>
-            <a:pPr lvl="0"/>
-            <a:r>
-              <a:rPr lang="en-US"/>
-              <a:t>First level</a:t>
-            </a:r>
-          </a:p>
-          <a:p>
-            <a:pPr lvl="1"/>
-            <a:r>
-              <a:rPr lang="en-US"/>
-              <a:t>Second level</a:t>
-            </a:r>
-          </a:p>
-          <a:p>
-            <a:pPr lvl="2"/>
-            <a:r>
-              <a:rPr lang="en-US"/>
-              <a:t>Third level</a:t>
-            </a:r>
-            <a:endParaRPr lang="en-US" dirty="0"/>
-          </a:p>
-        </p:txBody>
-      </p:sp>
-      <p:sp>
-        <p:nvSpPr>
-          <p:cNvPr id="3" name="Text Placeholder column 1"/>
-          <p:cNvSpPr>
-            <a:spLocks noGrp="1"/>
-          </p:cNvSpPr>
-          <p:nvPr>
-            <p:ph type="body" sz="quarter" idx="10"/>
-          </p:nvPr>
-        </p:nvSpPr>
-        <p:spPr bwMode="gray"/>
-        <p:txBody>
-          <a:bodyPr/>
-          <a:lstStyle/>
-          <a:p>
-            <a:pPr lvl="0"/>
-            <a:r>
-              <a:rPr lang="en-US" dirty="0"/>
-              <a:t>First level</a:t>
-            </a:r>
-          </a:p>
-          <a:p>
-            <a:pPr lvl="1"/>
-            <a:r>
-              <a:rPr lang="en-US" dirty="0"/>
-              <a:t>Second level</a:t>
-            </a:r>
-          </a:p>
-          <a:p>
-            <a:pPr lvl="2"/>
-            <a:r>
-              <a:rPr lang="en-US" dirty="0"/>
-              <a:t>Third level</a:t>
-            </a:r>
-          </a:p>
-        </p:txBody>
-      </p:sp>
-      <p:sp>
-        <p:nvSpPr>
-          <p:cNvPr id="2" name="Title"/>
-          <p:cNvSpPr>
-            <a:spLocks noGrp="1"/>
-          </p:cNvSpPr>
-          <p:nvPr>
-            <p:ph type="title"/>
-          </p:nvPr>
-        </p:nvSpPr>
-        <p:spPr bwMode="gray"/>
-        <p:txBody>
-          <a:bodyPr/>
-          <a:lstStyle/>
-          <a:p>
-            <a:r>
-              <a:rPr lang="en-US" dirty="0"/>
-              <a:t>Insert page title (sentence case)</a:t>
-            </a:r>
-          </a:p>
-        </p:txBody>
-      </p:sp>
-    </p:spTree>
-    <p:extLst>
-      <p:ext uri="{BB962C8B-B14F-4D97-AF65-F5344CB8AC3E}">
-        <p14:creationId xmlns:p14="http://schemas.microsoft.com/office/powerpoint/2010/main" val="94846162"/>
-      </p:ext>
-    </p:extLst>
-  </p:cSld>
-  <p:clrMapOvr>
-    <a:masterClrMapping/>
-  </p:clrMapOvr>
-</p:sld>
-</file>
-
-<file path=ppt/slides/slide3.xml><?xml version="1.0" encoding="utf-8"?>
+<file path=ppt/slides/slide21.xml><?xml version="1.0" encoding="utf-8"?>
 <p:sld xmlns:a="http://schemas.openxmlformats.org/drawingml/2006/main" xmlns:r="http://schemas.openxmlformats.org/officeDocument/2006/relationships" xmlns:p="http://schemas.openxmlformats.org/presentationml/2006/main">
   <p:cSld>
     <p:spTree>
@@ -11739,17 +11631,8 @@
           <a:p>
             <a:r>
               <a:rPr lang="en-US" dirty="0"/>
-              <a:t>Introduction to </a:t>
-            </a:r>
-            <a:r>
-              <a:rPr lang="en-US" dirty="0">
-                <a:solidFill>
-                  <a:schemeClr val="accent1"/>
-                </a:solidFill>
-              </a:rPr>
-              <a:t>MongoDB</a:t>
-            </a:r>
-            <a:endParaRPr lang="en-US" dirty="0"/>
+              <a:t>Reference</a:t>
+            </a:r>
           </a:p>
         </p:txBody>
       </p:sp>
@@ -11775,7 +11658,7 @@
     </p:spTree>
     <p:extLst>
       <p:ext uri="{BB962C8B-B14F-4D97-AF65-F5344CB8AC3E}">
-        <p14:creationId xmlns:p14="http://schemas.microsoft.com/office/powerpoint/2010/main" val="4155174243"/>
+        <p14:creationId xmlns:p14="http://schemas.microsoft.com/office/powerpoint/2010/main" val="1515423877"/>
       </p:ext>
     </p:extLst>
   </p:cSld>
@@ -11785,7 +11668,7 @@
 </p:sld>
 </file>
 
-<file path=ppt/slides/slide30.xml><?xml version="1.0" encoding="utf-8"?>
+<file path=ppt/slides/slide22.xml><?xml version="1.0" encoding="utf-8"?>
 <p:sld xmlns:a="http://schemas.openxmlformats.org/drawingml/2006/main" xmlns:r="http://schemas.openxmlformats.org/officeDocument/2006/relationships" xmlns:p="http://schemas.openxmlformats.org/presentationml/2006/main">
   <p:cSld>
     <p:spTree>
@@ -11804,268 +11687,6 @@
       </p:grpSpPr>
       <p:sp>
         <p:nvSpPr>
-          <p:cNvPr id="10" name="Text Placeholder column 2"/>
-          <p:cNvSpPr>
-            <a:spLocks noGrp="1"/>
-          </p:cNvSpPr>
-          <p:nvPr>
-            <p:ph type="body" sz="quarter" idx="13"/>
-          </p:nvPr>
-        </p:nvSpPr>
-        <p:spPr bwMode="gray"/>
-        <p:txBody>
-          <a:bodyPr/>
-          <a:lstStyle/>
-          <a:p>
-            <a:pPr lvl="0"/>
-            <a:r>
-              <a:rPr lang="en-US" dirty="0"/>
-              <a:t>First level</a:t>
-            </a:r>
-          </a:p>
-          <a:p>
-            <a:pPr lvl="1"/>
-            <a:r>
-              <a:rPr lang="en-US" dirty="0"/>
-              <a:t>Second level</a:t>
-            </a:r>
-          </a:p>
-        </p:txBody>
-      </p:sp>
-      <p:sp>
-        <p:nvSpPr>
-          <p:cNvPr id="16" name="Picture Placeholder 2" descr="Image placeholder right" title="Image placeholder"/>
-          <p:cNvSpPr>
-            <a:spLocks noGrp="1"/>
-          </p:cNvSpPr>
-          <p:nvPr>
-            <p:ph type="pic" sz="quarter" idx="14"/>
-          </p:nvPr>
-        </p:nvSpPr>
-        <p:spPr bwMode="gray"/>
-      </p:sp>
-      <p:sp>
-        <p:nvSpPr>
-          <p:cNvPr id="3" name="Text Placeholder column 1"/>
-          <p:cNvSpPr>
-            <a:spLocks noGrp="1"/>
-          </p:cNvSpPr>
-          <p:nvPr>
-            <p:ph type="body" sz="quarter" idx="10"/>
-          </p:nvPr>
-        </p:nvSpPr>
-        <p:spPr bwMode="gray"/>
-        <p:txBody>
-          <a:bodyPr/>
-          <a:lstStyle/>
-          <a:p>
-            <a:pPr lvl="0"/>
-            <a:r>
-              <a:rPr lang="en-US" dirty="0"/>
-              <a:t>First level</a:t>
-            </a:r>
-          </a:p>
-          <a:p>
-            <a:pPr lvl="1"/>
-            <a:r>
-              <a:rPr lang="en-US" dirty="0"/>
-              <a:t>Second level</a:t>
-            </a:r>
-          </a:p>
-        </p:txBody>
-      </p:sp>
-      <p:sp>
-        <p:nvSpPr>
-          <p:cNvPr id="15" name="Picture Placeholder 1" descr="Image placeholder left" title="Image placeholde"/>
-          <p:cNvSpPr>
-            <a:spLocks noGrp="1"/>
-          </p:cNvSpPr>
-          <p:nvPr>
-            <p:ph type="pic" sz="quarter" idx="12"/>
-          </p:nvPr>
-        </p:nvSpPr>
-        <p:spPr bwMode="gray"/>
-      </p:sp>
-      <p:sp>
-        <p:nvSpPr>
-          <p:cNvPr id="8" name="Title"/>
-          <p:cNvSpPr>
-            <a:spLocks noGrp="1"/>
-          </p:cNvSpPr>
-          <p:nvPr>
-            <p:ph type="title"/>
-          </p:nvPr>
-        </p:nvSpPr>
-        <p:spPr bwMode="gray"/>
-        <p:txBody>
-          <a:bodyPr/>
-          <a:lstStyle/>
-          <a:p>
-            <a:r>
-              <a:rPr lang="en-US" dirty="0"/>
-              <a:t>Insert page title (sentence case)</a:t>
-            </a:r>
-          </a:p>
-        </p:txBody>
-      </p:sp>
-    </p:spTree>
-    <p:extLst>
-      <p:ext uri="{BB962C8B-B14F-4D97-AF65-F5344CB8AC3E}">
-        <p14:creationId xmlns:p14="http://schemas.microsoft.com/office/powerpoint/2010/main" val="1504049518"/>
-      </p:ext>
-    </p:extLst>
-  </p:cSld>
-  <p:clrMapOvr>
-    <a:masterClrMapping/>
-  </p:clrMapOvr>
-</p:sld>
-</file>
-
-<file path=ppt/slides/slide31.xml><?xml version="1.0" encoding="utf-8"?>
-<p:sld xmlns:a="http://schemas.openxmlformats.org/drawingml/2006/main" xmlns:r="http://schemas.openxmlformats.org/officeDocument/2006/relationships" xmlns:p="http://schemas.openxmlformats.org/presentationml/2006/main">
-  <p:cSld>
-    <p:spTree>
-      <p:nvGrpSpPr>
-        <p:cNvPr id="1" name=""/>
-        <p:cNvGrpSpPr/>
-        <p:nvPr/>
-      </p:nvGrpSpPr>
-      <p:grpSpPr>
-        <a:xfrm>
-          <a:off x="0" y="0"/>
-          <a:ext cx="0" cy="0"/>
-          <a:chOff x="0" y="0"/>
-          <a:chExt cx="0" cy="0"/>
-        </a:xfrm>
-      </p:grpSpPr>
-      <p:sp>
-        <p:nvSpPr>
-          <p:cNvPr id="12" name="Text Placeholder column 3"/>
-          <p:cNvSpPr>
-            <a:spLocks noGrp="1"/>
-          </p:cNvSpPr>
-          <p:nvPr>
-            <p:ph type="body" sz="quarter" idx="13"/>
-          </p:nvPr>
-        </p:nvSpPr>
-        <p:spPr bwMode="gray"/>
-        <p:txBody>
-          <a:bodyPr/>
-          <a:lstStyle/>
-          <a:p>
-            <a:pPr lvl="0"/>
-            <a:r>
-              <a:rPr lang="en-US" dirty="0"/>
-              <a:t>First level</a:t>
-            </a:r>
-          </a:p>
-          <a:p>
-            <a:pPr lvl="1"/>
-            <a:r>
-              <a:rPr lang="en-US" dirty="0"/>
-              <a:t>Second level</a:t>
-            </a:r>
-          </a:p>
-        </p:txBody>
-      </p:sp>
-      <p:sp>
-        <p:nvSpPr>
-          <p:cNvPr id="13" name="Picture Placeholder 3" descr="Image placeholder 3/3" title="Image placeholder 3/3"/>
-          <p:cNvSpPr>
-            <a:spLocks noGrp="1"/>
-          </p:cNvSpPr>
-          <p:nvPr>
-            <p:ph type="pic" sz="quarter" idx="14"/>
-          </p:nvPr>
-        </p:nvSpPr>
-        <p:spPr bwMode="gray"/>
-      </p:sp>
-      <p:sp>
-        <p:nvSpPr>
-          <p:cNvPr id="14" name="Text Placeholder column 2"/>
-          <p:cNvSpPr>
-            <a:spLocks noGrp="1"/>
-          </p:cNvSpPr>
-          <p:nvPr>
-            <p:ph type="body" sz="quarter" idx="15"/>
-          </p:nvPr>
-        </p:nvSpPr>
-        <p:spPr bwMode="gray"/>
-        <p:txBody>
-          <a:bodyPr/>
-          <a:lstStyle/>
-          <a:p>
-            <a:pPr lvl="0"/>
-            <a:r>
-              <a:rPr lang="en-US" dirty="0"/>
-              <a:t>First level</a:t>
-            </a:r>
-          </a:p>
-          <a:p>
-            <a:pPr lvl="1"/>
-            <a:r>
-              <a:rPr lang="en-US" dirty="0"/>
-              <a:t>Second level</a:t>
-            </a:r>
-          </a:p>
-        </p:txBody>
-      </p:sp>
-      <p:sp>
-        <p:nvSpPr>
-          <p:cNvPr id="15" name="Picture Placeholder 2" descr="Image placeholder 2/3" title="Image placeholder 2/3"/>
-          <p:cNvSpPr>
-            <a:spLocks noGrp="1"/>
-          </p:cNvSpPr>
-          <p:nvPr>
-            <p:ph type="pic" sz="quarter" idx="16"/>
-          </p:nvPr>
-        </p:nvSpPr>
-        <p:spPr bwMode="gray"/>
-      </p:sp>
-      <p:sp>
-        <p:nvSpPr>
-          <p:cNvPr id="10" name="Text Placeholder column 1"/>
-          <p:cNvSpPr>
-            <a:spLocks noGrp="1"/>
-          </p:cNvSpPr>
-          <p:nvPr>
-            <p:ph type="body" sz="quarter" idx="10"/>
-          </p:nvPr>
-        </p:nvSpPr>
-        <p:spPr bwMode="gray"/>
-        <p:txBody>
-          <a:bodyPr/>
-          <a:lstStyle/>
-          <a:p>
-            <a:pPr lvl="0"/>
-            <a:r>
-              <a:rPr lang="en-US" dirty="0"/>
-              <a:t>First level</a:t>
-            </a:r>
-          </a:p>
-          <a:p>
-            <a:pPr lvl="1"/>
-            <a:r>
-              <a:rPr lang="en-US" dirty="0"/>
-              <a:t>Second level</a:t>
-            </a:r>
-          </a:p>
-        </p:txBody>
-      </p:sp>
-      <p:sp>
-        <p:nvSpPr>
-          <p:cNvPr id="11" name="Picture Placeholder 1" descr="Image placeholder 1/3" title="Image placeholder 1/3"/>
-          <p:cNvSpPr>
-            <a:spLocks noGrp="1"/>
-          </p:cNvSpPr>
-          <p:nvPr>
-            <p:ph type="pic" sz="quarter" idx="12"/>
-          </p:nvPr>
-        </p:nvSpPr>
-        <p:spPr bwMode="gray"/>
-      </p:sp>
-      <p:sp>
-        <p:nvSpPr>
           <p:cNvPr id="2" name="Title"/>
           <p:cNvSpPr>
             <a:spLocks noGrp="1"/>
@@ -12081,15 +11702,100 @@
           <a:p>
             <a:r>
               <a:rPr lang="en-US" dirty="0"/>
-              <a:t>Insert page title (sentence case)</a:t>
-            </a:r>
+              <a:t>Reference</a:t>
+            </a:r>
+          </a:p>
+        </p:txBody>
+      </p:sp>
+      <p:sp>
+        <p:nvSpPr>
+          <p:cNvPr id="3" name="文本框 2">
+            <a:extLst>
+              <a:ext uri="{FF2B5EF4-FFF2-40B4-BE49-F238E27FC236}">
+                <a16:creationId xmlns:a16="http://schemas.microsoft.com/office/drawing/2014/main" id="{5C4CB37E-3A41-4EE6-BEF3-65BE160AD8FC}"/>
+              </a:ext>
+            </a:extLst>
+          </p:cNvPr>
+          <p:cNvSpPr txBox="1"/>
+          <p:nvPr/>
+        </p:nvSpPr>
+        <p:spPr>
+          <a:xfrm>
+            <a:off x="818147" y="1347537"/>
+            <a:ext cx="10603832" cy="692497"/>
+          </a:xfrm>
+          <a:prstGeom prst="rect">
+            <a:avLst/>
+          </a:prstGeom>
+          <a:noFill/>
+        </p:spPr>
+        <p:txBody>
+          <a:bodyPr wrap="square" lIns="0" tIns="0" rIns="0" bIns="0" rtlCol="0">
+            <a:spAutoFit/>
+          </a:bodyPr>
+          <a:lstStyle/>
+          <a:p>
+            <a:pPr marL="285750" indent="-285750" fontAlgn="base">
+              <a:spcBef>
+                <a:spcPct val="50000"/>
+              </a:spcBef>
+              <a:spcAft>
+                <a:spcPct val="0"/>
+              </a:spcAft>
+              <a:buClr>
+                <a:srgbClr val="F0AB00"/>
+              </a:buClr>
+              <a:buSzPct val="80000"/>
+              <a:buFont typeface="Wingdings" panose="05000000000000000000" pitchFamily="2" charset="2"/>
+              <a:buChar char="n"/>
+            </a:pPr>
+            <a:r>
+              <a:rPr lang="en-US" altLang="zh-CN" sz="1800" kern="0" dirty="0">
+                <a:ea typeface="Arial Unicode MS" pitchFamily="34" charset="-128"/>
+                <a:cs typeface="Arial Unicode MS" pitchFamily="34" charset="-128"/>
+                <a:hlinkClick r:id="rId2"/>
+              </a:rPr>
+              <a:t>mongoDB’s Documentation</a:t>
+            </a:r>
+            <a:endParaRPr lang="en-US" altLang="zh-CN" sz="1800" kern="0" dirty="0">
+              <a:ea typeface="Arial Unicode MS" pitchFamily="34" charset="-128"/>
+              <a:cs typeface="Arial Unicode MS" pitchFamily="34" charset="-128"/>
+            </a:endParaRPr>
+          </a:p>
+          <a:p>
+            <a:pPr marL="285750" indent="-285750" fontAlgn="base">
+              <a:spcBef>
+                <a:spcPct val="50000"/>
+              </a:spcBef>
+              <a:spcAft>
+                <a:spcPct val="0"/>
+              </a:spcAft>
+              <a:buClr>
+                <a:srgbClr val="F0AB00"/>
+              </a:buClr>
+              <a:buSzPct val="80000"/>
+              <a:buFont typeface="Wingdings" panose="05000000000000000000" pitchFamily="2" charset="2"/>
+              <a:buChar char="n"/>
+            </a:pPr>
+            <a:r>
+              <a:rPr lang="en-US" altLang="zh-CN" sz="1800" kern="0" dirty="0">
+                <a:ea typeface="Arial Unicode MS" pitchFamily="34" charset="-128"/>
+                <a:cs typeface="Arial Unicode MS" pitchFamily="34" charset="-128"/>
+                <a:hlinkClick r:id="rId3"/>
+              </a:rPr>
+              <a:t>CouchDB VS MongoDB: Understanding the difference</a:t>
+            </a:r>
+            <a:endParaRPr lang="zh-CN" altLang="en-US" sz="1800" kern="0" dirty="0" err="1">
+              <a:ea typeface="Arial Unicode MS" pitchFamily="34" charset="-128"/>
+              <a:cs typeface="Arial Unicode MS" pitchFamily="34" charset="-128"/>
+            </a:endParaRPr>
           </a:p>
         </p:txBody>
       </p:sp>
     </p:spTree>
     <p:extLst>
       <p:ext uri="{BB962C8B-B14F-4D97-AF65-F5344CB8AC3E}">
-        <p14:creationId xmlns:p14="http://schemas.microsoft.com/office/powerpoint/2010/main" val="1175416068"/>
+        <p14:creationId xmlns:p14="http://schemas.microsoft.com/office/powerpoint/2010/main" val="2026701493"/>
       </p:ext>
     </p:extLst>
   </p:cSld>
@@ -12099,7 +11805,7 @@
 </p:sld>
 </file>
 
-<file path=ppt/slides/slide32.xml><?xml version="1.0" encoding="utf-8"?>
+<file path=ppt/slides/slide23.xml><?xml version="1.0" encoding="utf-8"?>
 <p:sld xmlns:a="http://schemas.openxmlformats.org/drawingml/2006/main" xmlns:r="http://schemas.openxmlformats.org/officeDocument/2006/relationships" xmlns:p="http://schemas.openxmlformats.org/presentationml/2006/main">
   <p:cSld>
     <p:spTree>
@@ -12259,7 +11965,7 @@
 </p:sld>
 </file>
 
-<file path=ppt/slides/slide33.xml><?xml version="1.0" encoding="utf-8"?>
+<file path=ppt/slides/slide24.xml><?xml version="1.0" encoding="utf-8"?>
 <p:sld xmlns:a="http://schemas.openxmlformats.org/drawingml/2006/main" xmlns:r="http://schemas.openxmlformats.org/officeDocument/2006/relationships" xmlns:p="http://schemas.openxmlformats.org/presentationml/2006/main" show="0">
   <p:cSld>
     <p:spTree>
@@ -12285,8 +11991,8 @@
 </p:sld>
 </file>
 
-<file path=ppt/slides/slide34.xml><?xml version="1.0" encoding="utf-8"?>
-<p:sld xmlns:a="http://schemas.openxmlformats.org/drawingml/2006/main" xmlns:r="http://schemas.openxmlformats.org/officeDocument/2006/relationships" xmlns:p="http://schemas.openxmlformats.org/presentationml/2006/main" show="0">
+<file path=ppt/slides/slide3.xml><?xml version="1.0" encoding="utf-8"?>
+<p:sld xmlns:a="http://schemas.openxmlformats.org/drawingml/2006/main" xmlns:r="http://schemas.openxmlformats.org/officeDocument/2006/relationships" xmlns:p="http://schemas.openxmlformats.org/presentationml/2006/main">
   <p:cSld>
     <p:spTree>
       <p:nvGrpSpPr>
@@ -12302,10 +12008,60 @@
           <a:chExt cx="0" cy="0"/>
         </a:xfrm>
       </p:grpSpPr>
+      <p:sp>
+        <p:nvSpPr>
+          <p:cNvPr id="3" name="Divider"/>
+          <p:cNvSpPr>
+            <a:spLocks noGrp="1"/>
+          </p:cNvSpPr>
+          <p:nvPr>
+            <p:ph type="ctrTitle"/>
+          </p:nvPr>
+        </p:nvSpPr>
+        <p:spPr bwMode="gray"/>
+        <p:txBody>
+          <a:bodyPr/>
+          <a:lstStyle/>
+          <a:p>
+            <a:r>
+              <a:rPr lang="en-US" dirty="0"/>
+              <a:t>Introduction to </a:t>
+            </a:r>
+            <a:r>
+              <a:rPr lang="en-US" dirty="0">
+                <a:solidFill>
+                  <a:schemeClr val="accent1"/>
+                </a:solidFill>
+              </a:rPr>
+              <a:t>MongoDB</a:t>
+            </a:r>
+            <a:endParaRPr lang="en-US" dirty="0"/>
+          </a:p>
+        </p:txBody>
+      </p:sp>
+      <p:pic>
+        <p:nvPicPr>
+          <p:cNvPr id="6" name="Illustration" descr="Example of an illustration " title="Illustration for divider page"/>
+          <p:cNvPicPr>
+            <a:picLocks noGrp="1" noChangeAspect="1"/>
+          </p:cNvPicPr>
+          <p:nvPr>
+            <p:ph type="pic" sz="quarter" idx="12"/>
+          </p:nvPr>
+        </p:nvPicPr>
+        <p:blipFill>
+          <a:blip r:embed="rId2"/>
+          <a:srcRect t="3112" b="3112"/>
+          <a:stretch>
+            <a:fillRect/>
+          </a:stretch>
+        </p:blipFill>
+        <p:spPr bwMode="gray"/>
+      </p:pic>
     </p:spTree>
     <p:extLst>
       <p:ext uri="{BB962C8B-B14F-4D97-AF65-F5344CB8AC3E}">
-        <p14:creationId xmlns:p14="http://schemas.microsoft.com/office/powerpoint/2010/main" val="3005185487"/>
+        <p14:creationId xmlns:p14="http://schemas.microsoft.com/office/powerpoint/2010/main" val="4155174243"/>
       </p:ext>
     </p:extLst>
   </p:cSld>
@@ -14945,18 +14701,18 @@
 </file>
 
 <file path=customXml/item1.xml><?xml version="1.0" encoding="utf-8"?>
-<p:properties xmlns:p="http://schemas.microsoft.com/office/2006/metadata/properties" xmlns:xsi="http://www.w3.org/2001/XMLSchema-instance" xmlns:pc="http://schemas.microsoft.com/office/infopath/2007/PartnerControls">
-  <documentManagement/>
-</p:properties>
-</file>
-
-<file path=customXml/item2.xml><?xml version="1.0" encoding="utf-8"?>
 <?mso-contentType ?>
 <FormTemplates xmlns="http://schemas.microsoft.com/sharepoint/v3/contenttype/forms">
   <Display>DocumentLibraryForm</Display>
   <Edit>DocumentLibraryForm</Edit>
   <New>DocumentLibraryForm</New>
 </FormTemplates>
+</file>
+
+<file path=customXml/item2.xml><?xml version="1.0" encoding="utf-8"?>
+<p:properties xmlns:p="http://schemas.microsoft.com/office/2006/metadata/properties" xmlns:xsi="http://www.w3.org/2001/XMLSchema-instance" xmlns:pc="http://schemas.microsoft.com/office/infopath/2007/PartnerControls">
+  <documentManagement/>
+</p:properties>
 </file>
 
 <file path=customXml/item3.xml><?xml version="1.0" encoding="utf-8"?>
@@ -15092,18 +14848,18 @@
 </file>
 
 <file path=customXml/itemProps1.xml><?xml version="1.0" encoding="utf-8"?>
-<ds:datastoreItem xmlns:ds="http://schemas.openxmlformats.org/officeDocument/2006/customXml" ds:itemID="{B5A61EA0-C632-450D-8732-FBE1B6CC6F01}">
+<ds:datastoreItem xmlns:ds="http://schemas.openxmlformats.org/officeDocument/2006/customXml" ds:itemID="{2DA81D51-CB8B-4E00-A304-5985D65D0CEC}">
   <ds:schemaRefs>
-    <ds:schemaRef ds:uri="http://schemas.microsoft.com/office/2006/metadata/properties"/>
-    <ds:schemaRef ds:uri="http://schemas.microsoft.com/office/infopath/2007/PartnerControls"/>
+    <ds:schemaRef ds:uri="http://schemas.microsoft.com/sharepoint/v3/contenttype/forms"/>
   </ds:schemaRefs>
 </ds:datastoreItem>
 </file>
 
 <file path=customXml/itemProps2.xml><?xml version="1.0" encoding="utf-8"?>
-<ds:datastoreItem xmlns:ds="http://schemas.openxmlformats.org/officeDocument/2006/customXml" ds:itemID="{2DA81D51-CB8B-4E00-A304-5985D65D0CEC}">
+<ds:datastoreItem xmlns:ds="http://schemas.openxmlformats.org/officeDocument/2006/customXml" ds:itemID="{B5A61EA0-C632-450D-8732-FBE1B6CC6F01}">
   <ds:schemaRefs>
-    <ds:schemaRef ds:uri="http://schemas.microsoft.com/sharepoint/v3/contenttype/forms"/>
+    <ds:schemaRef ds:uri="http://schemas.microsoft.com/office/2006/metadata/properties"/>
+    <ds:schemaRef ds:uri="http://schemas.microsoft.com/office/infopath/2007/PartnerControls"/>
   </ds:schemaRefs>
 </ds:datastoreItem>
 </file>
